--- a/Advanced Buisness Communicating Design/구현.pptx
+++ b/Advanced Buisness Communicating Design/구현.pptx
@@ -7,13 +7,15 @@
   <p:sldIdLst>
     <p:sldId id="261" r:id="rId2"/>
     <p:sldId id="270" r:id="rId3"/>
-    <p:sldId id="283" r:id="rId4"/>
-    <p:sldId id="284" r:id="rId5"/>
-    <p:sldId id="285" r:id="rId6"/>
-    <p:sldId id="286" r:id="rId7"/>
-    <p:sldId id="287" r:id="rId8"/>
-    <p:sldId id="269" r:id="rId9"/>
-    <p:sldId id="288" r:id="rId10"/>
+    <p:sldId id="290" r:id="rId4"/>
+    <p:sldId id="269" r:id="rId5"/>
+    <p:sldId id="283" r:id="rId6"/>
+    <p:sldId id="284" r:id="rId7"/>
+    <p:sldId id="285" r:id="rId8"/>
+    <p:sldId id="286" r:id="rId9"/>
+    <p:sldId id="287" r:id="rId10"/>
+    <p:sldId id="288" r:id="rId11"/>
+    <p:sldId id="289" r:id="rId12"/>
   </p:sldIdLst>
   <p:sldSz cx="12192000" cy="6858000"/>
   <p:notesSz cx="6858000" cy="9144000"/>
@@ -274,7 +276,7 @@
                 </a:solidFill>
               </a:rPr>
               <a:pPr/>
-              <a:t>2022-04-01</a:t>
+              <a:t>2022-04-02</a:t>
             </a:fld>
             <a:endParaRPr lang="ko-KR" altLang="en-US">
               <a:solidFill>
@@ -504,7 +506,7 @@
                 </a:solidFill>
               </a:rPr>
               <a:pPr/>
-              <a:t>2022-04-01</a:t>
+              <a:t>2022-04-02</a:t>
             </a:fld>
             <a:endParaRPr lang="ko-KR" altLang="en-US">
               <a:solidFill>
@@ -744,7 +746,7 @@
                 </a:solidFill>
               </a:rPr>
               <a:pPr/>
-              <a:t>2022-04-01</a:t>
+              <a:t>2022-04-02</a:t>
             </a:fld>
             <a:endParaRPr lang="ko-KR" altLang="en-US">
               <a:solidFill>
@@ -974,7 +976,7 @@
                 </a:solidFill>
               </a:rPr>
               <a:pPr/>
-              <a:t>2022-04-01</a:t>
+              <a:t>2022-04-02</a:t>
             </a:fld>
             <a:endParaRPr lang="ko-KR" altLang="en-US">
               <a:solidFill>
@@ -1281,7 +1283,7 @@
                 </a:solidFill>
               </a:rPr>
               <a:pPr/>
-              <a:t>2022-04-01</a:t>
+              <a:t>2022-04-02</a:t>
             </a:fld>
             <a:endParaRPr lang="ko-KR" altLang="en-US">
               <a:solidFill>
@@ -1578,7 +1580,7 @@
                 </a:solidFill>
               </a:rPr>
               <a:pPr/>
-              <a:t>2022-04-01</a:t>
+              <a:t>2022-04-02</a:t>
             </a:fld>
             <a:endParaRPr lang="ko-KR" altLang="en-US">
               <a:solidFill>
@@ -2022,7 +2024,7 @@
                 </a:solidFill>
               </a:rPr>
               <a:pPr/>
-              <a:t>2022-04-01</a:t>
+              <a:t>2022-04-02</a:t>
             </a:fld>
             <a:endParaRPr lang="ko-KR" altLang="en-US">
               <a:solidFill>
@@ -2195,7 +2197,7 @@
                 </a:solidFill>
               </a:rPr>
               <a:pPr/>
-              <a:t>2022-04-01</a:t>
+              <a:t>2022-04-02</a:t>
             </a:fld>
             <a:endParaRPr lang="ko-KR" altLang="en-US">
               <a:solidFill>
@@ -2340,7 +2342,7 @@
                 </a:solidFill>
               </a:rPr>
               <a:pPr/>
-              <a:t>2022-04-01</a:t>
+              <a:t>2022-04-02</a:t>
             </a:fld>
             <a:endParaRPr lang="ko-KR" altLang="en-US">
               <a:solidFill>
@@ -2683,7 +2685,7 @@
                 </a:solidFill>
               </a:rPr>
               <a:pPr/>
-              <a:t>2022-04-01</a:t>
+              <a:t>2022-04-02</a:t>
             </a:fld>
             <a:endParaRPr lang="ko-KR" altLang="en-US">
               <a:solidFill>
@@ -3003,7 +3005,7 @@
                 </a:solidFill>
               </a:rPr>
               <a:pPr/>
-              <a:t>2022-04-01</a:t>
+              <a:t>2022-04-02</a:t>
             </a:fld>
             <a:endParaRPr lang="ko-KR" altLang="en-US">
               <a:solidFill>
@@ -3276,7 +3278,7 @@
                 </a:solidFill>
               </a:rPr>
               <a:pPr/>
-              <a:t>2022-04-01</a:t>
+              <a:t>2022-04-02</a:t>
             </a:fld>
             <a:endParaRPr lang="ko-KR" altLang="en-US">
               <a:solidFill>
@@ -4492,7 +4494,7 @@
                 <a:defRPr/>
               </a:pPr>
               <a:r>
-                <a:rPr lang="en-US" altLang="ko-KR" sz="4400" b="1" i="1" kern="0" dirty="0" smtClean="0">
+                <a:rPr lang="en-US" altLang="ko-KR" sz="4400" b="1" i="1" kern="0" dirty="0">
                   <a:solidFill>
                     <a:srgbClr val="03C6AB"/>
                   </a:solidFill>
@@ -4505,18 +4507,13 @@
                 <a:defRPr/>
               </a:pPr>
               <a:r>
-                <a:rPr lang="en-US" altLang="ko-KR" sz="4400" b="1" i="1" kern="0" dirty="0" smtClean="0">
+                <a:rPr lang="en-US" altLang="ko-KR" sz="4400" b="1" i="1" kern="0" dirty="0">
                   <a:solidFill>
                     <a:srgbClr val="03C6AB"/>
                   </a:solidFill>
                 </a:rPr>
                 <a:t>Communicating Design</a:t>
               </a:r>
-              <a:endParaRPr lang="en-US" altLang="ko-KR" sz="4400" b="1" i="1" kern="0" dirty="0">
-                <a:solidFill>
-                  <a:srgbClr val="03C6AB"/>
-                </a:solidFill>
-              </a:endParaRPr>
             </a:p>
             <a:p>
               <a:pPr algn="r" latinLnBrk="0">
@@ -4526,7 +4523,7 @@
                 <a:defRPr/>
               </a:pPr>
               <a:r>
-                <a:rPr lang="en-US" altLang="ko-KR" sz="1000" kern="0" dirty="0" smtClean="0">
+                <a:rPr lang="en-US" altLang="ko-KR" sz="1000" kern="0" dirty="0">
                   <a:solidFill>
                     <a:prstClr val="white"/>
                   </a:solidFill>
@@ -4534,7 +4531,7 @@
                 <a:t>With </a:t>
               </a:r>
               <a:r>
-                <a:rPr lang="en-US" altLang="ko-KR" sz="1000" kern="0" dirty="0" err="1" smtClean="0">
+                <a:rPr lang="en-US" altLang="ko-KR" sz="1000" kern="0" dirty="0" err="1">
                   <a:solidFill>
                     <a:prstClr val="white"/>
                   </a:solidFill>
@@ -4542,7 +4539,7 @@
                 <a:t>LoRa</a:t>
               </a:r>
               <a:r>
-                <a:rPr lang="en-US" altLang="ko-KR" sz="1000" kern="0" dirty="0" smtClean="0">
+                <a:rPr lang="en-US" altLang="ko-KR" sz="1000" kern="0" dirty="0">
                   <a:solidFill>
                     <a:prstClr val="white"/>
                   </a:solidFill>
@@ -4654,7 +4651,7 @@
 </p:sld>
 </file>
 
-<file path=ppt/slides/slide2.xml><?xml version="1.0" encoding="utf-8"?>
+<file path=ppt/slides/slide10.xml><?xml version="1.0" encoding="utf-8"?>
 <p:sld xmlns:a="http://schemas.openxmlformats.org/drawingml/2006/main" xmlns:r="http://schemas.openxmlformats.org/officeDocument/2006/relationships" xmlns:p="http://schemas.openxmlformats.org/presentationml/2006/main">
   <p:cSld>
     <p:bg>
@@ -4741,28 +4738,12 @@
               <a:defRPr/>
             </a:pPr>
             <a:r>
-              <a:rPr lang="en-US" altLang="ko-KR" sz="2400" b="1" i="1" kern="0" dirty="0" smtClean="0">
+              <a:rPr lang="en-US" altLang="ko-KR" sz="2400" b="1" i="1" kern="0" dirty="0">
                 <a:solidFill>
                   <a:prstClr val="white"/>
                 </a:solidFill>
               </a:rPr>
-              <a:t>Existing Industrial </a:t>
-            </a:r>
-            <a:r>
-              <a:rPr lang="en-US" altLang="ko-KR" sz="2400" b="1" i="1" kern="0" dirty="0" err="1" smtClean="0">
-                <a:solidFill>
-                  <a:prstClr val="white"/>
-                </a:solidFill>
-              </a:rPr>
-              <a:t>IoT</a:t>
-            </a:r>
-            <a:r>
-              <a:rPr lang="en-US" altLang="ko-KR" sz="2400" b="1" i="1" kern="0" dirty="0" smtClean="0">
-                <a:solidFill>
-                  <a:prstClr val="white"/>
-                </a:solidFill>
-              </a:rPr>
-              <a:t> Networks</a:t>
+              <a:t>Operating Screen</a:t>
             </a:r>
           </a:p>
         </p:txBody>
@@ -4812,441 +4793,32 @@
       </p:cxnSp>
       <p:pic>
         <p:nvPicPr>
-          <p:cNvPr id="1030" name="Picture 6" descr="다모음캐시 - 휴대폰 결제 포인트"/>
+          <p:cNvPr id="9" name="그림 8"/>
           <p:cNvPicPr>
-            <a:picLocks noChangeAspect="1" noChangeArrowheads="1"/>
+            <a:picLocks noChangeAspect="1"/>
           </p:cNvPicPr>
           <p:nvPr/>
         </p:nvPicPr>
         <p:blipFill>
-          <a:blip r:embed="rId2">
-            <a:extLst>
-              <a:ext uri="{28A0092B-C50C-407E-A947-70E740481C1C}">
-                <a14:useLocalDpi xmlns:a14="http://schemas.microsoft.com/office/drawing/2010/main" val="0"/>
-              </a:ext>
-            </a:extLst>
-          </a:blip>
-          <a:srcRect/>
+          <a:blip r:embed="rId2"/>
           <a:stretch>
             <a:fillRect/>
           </a:stretch>
         </p:blipFill>
-        <p:spPr bwMode="auto">
+        <p:spPr>
           <a:xfrm>
-            <a:off x="7986964" y="1345008"/>
-            <a:ext cx="2266445" cy="4263077"/>
+            <a:off x="600075" y="1171575"/>
+            <a:ext cx="10991850" cy="4514850"/>
           </a:xfrm>
           <a:prstGeom prst="rect">
             <a:avLst/>
           </a:prstGeom>
-          <a:noFill/>
-          <a:extLst>
-            <a:ext uri="{909E8E84-426E-40DD-AFC4-6F175D3DCCD1}">
-              <a14:hiddenFill xmlns:a14="http://schemas.microsoft.com/office/drawing/2010/main">
-                <a:solidFill>
-                  <a:srgbClr val="FFFFFF"/>
-                </a:solidFill>
-              </a14:hiddenFill>
-            </a:ext>
-          </a:extLst>
         </p:spPr>
       </p:pic>
-      <p:pic>
-        <p:nvPicPr>
-          <p:cNvPr id="1032" name="Picture 8" descr="스카이킥 메인보드 나사 세트-6개(통합) - (주)바이로봇 스토어"/>
-          <p:cNvPicPr>
-            <a:picLocks noChangeAspect="1" noChangeArrowheads="1"/>
-          </p:cNvPicPr>
-          <p:nvPr/>
-        </p:nvPicPr>
-        <p:blipFill>
-          <a:blip r:embed="rId3" cstate="print">
-            <a:extLst>
-              <a:ext uri="{28A0092B-C50C-407E-A947-70E740481C1C}">
-                <a14:useLocalDpi xmlns:a14="http://schemas.microsoft.com/office/drawing/2010/main" val="0"/>
-              </a:ext>
-            </a:extLst>
-          </a:blip>
-          <a:srcRect/>
-          <a:stretch>
-            <a:fillRect/>
-          </a:stretch>
-        </p:blipFill>
-        <p:spPr bwMode="auto">
-          <a:xfrm>
-            <a:off x="8115586" y="3867188"/>
-            <a:ext cx="786534" cy="786534"/>
-          </a:xfrm>
-          <a:prstGeom prst="rect">
-            <a:avLst/>
-          </a:prstGeom>
-          <a:noFill/>
-          <a:extLst>
-            <a:ext uri="{909E8E84-426E-40DD-AFC4-6F175D3DCCD1}">
-              <a14:hiddenFill xmlns:a14="http://schemas.microsoft.com/office/drawing/2010/main">
-                <a:solidFill>
-                  <a:srgbClr val="FFFFFF"/>
-                </a:solidFill>
-              </a14:hiddenFill>
-            </a:ext>
-          </a:extLst>
-        </p:spPr>
-      </p:pic>
-      <p:pic>
-        <p:nvPicPr>
-          <p:cNvPr id="1034" name="Picture 10" descr="CPU X - 장치 및 시스템 정보 - Google Play 앱"/>
-          <p:cNvPicPr>
-            <a:picLocks noChangeAspect="1" noChangeArrowheads="1"/>
-          </p:cNvPicPr>
-          <p:nvPr/>
-        </p:nvPicPr>
-        <p:blipFill>
-          <a:blip r:embed="rId4" cstate="print">
-            <a:extLst>
-              <a:ext uri="{28A0092B-C50C-407E-A947-70E740481C1C}">
-                <a14:useLocalDpi xmlns:a14="http://schemas.microsoft.com/office/drawing/2010/main" val="0"/>
-              </a:ext>
-            </a:extLst>
-          </a:blip>
-          <a:srcRect/>
-          <a:stretch>
-            <a:fillRect/>
-          </a:stretch>
-        </p:blipFill>
-        <p:spPr bwMode="auto">
-          <a:xfrm>
-            <a:off x="8183956" y="2069233"/>
-            <a:ext cx="1179081" cy="1179081"/>
-          </a:xfrm>
-          <a:prstGeom prst="rect">
-            <a:avLst/>
-          </a:prstGeom>
-          <a:noFill/>
-          <a:extLst>
-            <a:ext uri="{909E8E84-426E-40DD-AFC4-6F175D3DCCD1}">
-              <a14:hiddenFill xmlns:a14="http://schemas.microsoft.com/office/drawing/2010/main">
-                <a:solidFill>
-                  <a:srgbClr val="FFFFFF"/>
-                </a:solidFill>
-              </a14:hiddenFill>
-            </a:ext>
-          </a:extLst>
-        </p:spPr>
-      </p:pic>
-      <p:pic>
-        <p:nvPicPr>
-          <p:cNvPr id="1042" name="Picture 18" descr="Samsung Standard Battery for Samsung Galaxy Core Prime | Walmart Canada"/>
-          <p:cNvPicPr>
-            <a:picLocks noChangeAspect="1" noChangeArrowheads="1"/>
-          </p:cNvPicPr>
-          <p:nvPr/>
-        </p:nvPicPr>
-        <p:blipFill>
-          <a:blip r:embed="rId5">
-            <a:extLst>
-              <a:ext uri="{28A0092B-C50C-407E-A947-70E740481C1C}">
-                <a14:useLocalDpi xmlns:a14="http://schemas.microsoft.com/office/drawing/2010/main" val="0"/>
-              </a:ext>
-            </a:extLst>
-          </a:blip>
-          <a:srcRect/>
-          <a:stretch>
-            <a:fillRect/>
-          </a:stretch>
-        </p:blipFill>
-        <p:spPr bwMode="auto">
-          <a:xfrm>
-            <a:off x="8833750" y="2909454"/>
-            <a:ext cx="1163853" cy="2364077"/>
-          </a:xfrm>
-          <a:prstGeom prst="rect">
-            <a:avLst/>
-          </a:prstGeom>
-          <a:noFill/>
-          <a:extLst>
-            <a:ext uri="{909E8E84-426E-40DD-AFC4-6F175D3DCCD1}">
-              <a14:hiddenFill xmlns:a14="http://schemas.microsoft.com/office/drawing/2010/main">
-                <a:solidFill>
-                  <a:srgbClr val="FFFFFF"/>
-                </a:solidFill>
-              </a14:hiddenFill>
-            </a:ext>
-          </a:extLst>
-        </p:spPr>
-      </p:pic>
-      <p:pic>
-        <p:nvPicPr>
-          <p:cNvPr id="1044" name="Picture 20" descr="고짱'을 아시나요?.. 고등어 이야기 : 네이버 블로그"/>
-          <p:cNvPicPr>
-            <a:picLocks noChangeAspect="1" noChangeArrowheads="1"/>
-          </p:cNvPicPr>
-          <p:nvPr/>
-        </p:nvPicPr>
-        <p:blipFill>
-          <a:blip r:embed="rId6">
-            <a:extLst>
-              <a:ext uri="{28A0092B-C50C-407E-A947-70E740481C1C}">
-                <a14:useLocalDpi xmlns:a14="http://schemas.microsoft.com/office/drawing/2010/main" val="0"/>
-              </a:ext>
-            </a:extLst>
-          </a:blip>
-          <a:srcRect/>
-          <a:stretch>
-            <a:fillRect/>
-          </a:stretch>
-        </p:blipFill>
-        <p:spPr bwMode="auto">
-          <a:xfrm>
-            <a:off x="1166161" y="2665123"/>
-            <a:ext cx="3341186" cy="989827"/>
-          </a:xfrm>
-          <a:prstGeom prst="rect">
-            <a:avLst/>
-          </a:prstGeom>
-          <a:noFill/>
-          <a:extLst>
-            <a:ext uri="{909E8E84-426E-40DD-AFC4-6F175D3DCCD1}">
-              <a14:hiddenFill xmlns:a14="http://schemas.microsoft.com/office/drawing/2010/main">
-                <a:solidFill>
-                  <a:srgbClr val="FFFFFF"/>
-                </a:solidFill>
-              </a14:hiddenFill>
-            </a:ext>
-          </a:extLst>
-        </p:spPr>
-      </p:pic>
-      <p:sp>
-        <p:nvSpPr>
-          <p:cNvPr id="8" name="직사각형 7"/>
-          <p:cNvSpPr/>
-          <p:nvPr/>
-        </p:nvSpPr>
-        <p:spPr>
-          <a:xfrm>
-            <a:off x="563418" y="4276436"/>
-            <a:ext cx="1967346" cy="1331649"/>
-          </a:xfrm>
-          <a:prstGeom prst="rect">
-            <a:avLst/>
-          </a:prstGeom>
-          <a:solidFill>
-            <a:srgbClr val="000E2B"/>
-          </a:solidFill>
-          <a:ln w="38100">
-            <a:solidFill>
-              <a:srgbClr val="03C6AB"/>
-            </a:solidFill>
-          </a:ln>
-        </p:spPr>
-        <p:style>
-          <a:lnRef idx="2">
-            <a:schemeClr val="accent1">
-              <a:shade val="50000"/>
-            </a:schemeClr>
-          </a:lnRef>
-          <a:fillRef idx="1">
-            <a:schemeClr val="accent1"/>
-          </a:fillRef>
-          <a:effectRef idx="0">
-            <a:schemeClr val="accent1"/>
-          </a:effectRef>
-          <a:fontRef idx="minor">
-            <a:schemeClr val="lt1"/>
-          </a:fontRef>
-        </p:style>
-        <p:txBody>
-          <a:bodyPr rtlCol="0" anchor="ctr"/>
-          <a:lstStyle/>
-          <a:p>
-            <a:pPr algn="ctr"/>
-            <a:r>
-              <a:rPr lang="ko-KR" altLang="en-US" dirty="0" smtClean="0"/>
-              <a:t>원양어선</a:t>
-            </a:r>
-            <a:endParaRPr lang="ko-KR" altLang="en-US" dirty="0"/>
-          </a:p>
-        </p:txBody>
-      </p:sp>
-      <p:sp>
-        <p:nvSpPr>
-          <p:cNvPr id="152" name="직사각형 151"/>
-          <p:cNvSpPr/>
-          <p:nvPr/>
-        </p:nvSpPr>
-        <p:spPr>
-          <a:xfrm>
-            <a:off x="2987964" y="4276436"/>
-            <a:ext cx="1242291" cy="905164"/>
-          </a:xfrm>
-          <a:prstGeom prst="rect">
-            <a:avLst/>
-          </a:prstGeom>
-          <a:solidFill>
-            <a:srgbClr val="000E2B"/>
-          </a:solidFill>
-          <a:ln w="38100">
-            <a:solidFill>
-              <a:srgbClr val="03C6AB"/>
-            </a:solidFill>
-          </a:ln>
-        </p:spPr>
-        <p:style>
-          <a:lnRef idx="2">
-            <a:schemeClr val="accent1">
-              <a:shade val="50000"/>
-            </a:schemeClr>
-          </a:lnRef>
-          <a:fillRef idx="1">
-            <a:schemeClr val="accent1"/>
-          </a:fillRef>
-          <a:effectRef idx="0">
-            <a:schemeClr val="accent1"/>
-          </a:effectRef>
-          <a:fontRef idx="minor">
-            <a:schemeClr val="lt1"/>
-          </a:fontRef>
-        </p:style>
-        <p:txBody>
-          <a:bodyPr rtlCol="0" anchor="ctr"/>
-          <a:lstStyle/>
-          <a:p>
-            <a:pPr algn="ctr"/>
-            <a:r>
-              <a:rPr lang="ko-KR" altLang="en-US" dirty="0" smtClean="0"/>
-              <a:t>도매</a:t>
-            </a:r>
-            <a:endParaRPr lang="ko-KR" altLang="en-US" dirty="0"/>
-          </a:p>
-        </p:txBody>
-      </p:sp>
-      <p:sp>
-        <p:nvSpPr>
-          <p:cNvPr id="153" name="직사각형 152"/>
-          <p:cNvSpPr/>
-          <p:nvPr/>
-        </p:nvSpPr>
-        <p:spPr>
-          <a:xfrm>
-            <a:off x="4666023" y="4276436"/>
-            <a:ext cx="822036" cy="531091"/>
-          </a:xfrm>
-          <a:prstGeom prst="rect">
-            <a:avLst/>
-          </a:prstGeom>
-          <a:solidFill>
-            <a:srgbClr val="000E2B"/>
-          </a:solidFill>
-          <a:ln w="38100">
-            <a:solidFill>
-              <a:srgbClr val="03C6AB"/>
-            </a:solidFill>
-          </a:ln>
-        </p:spPr>
-        <p:style>
-          <a:lnRef idx="2">
-            <a:schemeClr val="accent1">
-              <a:shade val="50000"/>
-            </a:schemeClr>
-          </a:lnRef>
-          <a:fillRef idx="1">
-            <a:schemeClr val="accent1"/>
-          </a:fillRef>
-          <a:effectRef idx="0">
-            <a:schemeClr val="accent1"/>
-          </a:effectRef>
-          <a:fontRef idx="minor">
-            <a:schemeClr val="lt1"/>
-          </a:fontRef>
-        </p:style>
-        <p:txBody>
-          <a:bodyPr rtlCol="0" anchor="ctr"/>
-          <a:lstStyle/>
-          <a:p>
-            <a:pPr algn="ctr"/>
-            <a:r>
-              <a:rPr lang="ko-KR" altLang="en-US" dirty="0" smtClean="0"/>
-              <a:t>소매</a:t>
-            </a:r>
-            <a:endParaRPr lang="ko-KR" altLang="en-US" dirty="0"/>
-          </a:p>
-        </p:txBody>
-      </p:sp>
-      <p:cxnSp>
-        <p:nvCxnSpPr>
-          <p:cNvPr id="10" name="직선 화살표 연결선 9"/>
-          <p:cNvCxnSpPr/>
-          <p:nvPr/>
-        </p:nvCxnSpPr>
-        <p:spPr>
-          <a:xfrm>
-            <a:off x="2530764" y="4541981"/>
-            <a:ext cx="457200" cy="0"/>
-          </a:xfrm>
-          <a:prstGeom prst="straightConnector1">
-            <a:avLst/>
-          </a:prstGeom>
-          <a:ln w="28575">
-            <a:solidFill>
-              <a:schemeClr val="bg1"/>
-            </a:solidFill>
-            <a:tailEnd type="triangle"/>
-          </a:ln>
-        </p:spPr>
-        <p:style>
-          <a:lnRef idx="1">
-            <a:schemeClr val="accent1"/>
-          </a:lnRef>
-          <a:fillRef idx="0">
-            <a:schemeClr val="accent1"/>
-          </a:fillRef>
-          <a:effectRef idx="0">
-            <a:schemeClr val="accent1"/>
-          </a:effectRef>
-          <a:fontRef idx="minor">
-            <a:schemeClr val="tx1"/>
-          </a:fontRef>
-        </p:style>
-      </p:cxnSp>
-      <p:cxnSp>
-        <p:nvCxnSpPr>
-          <p:cNvPr id="154" name="직선 화살표 연결선 153"/>
-          <p:cNvCxnSpPr/>
-          <p:nvPr/>
-        </p:nvCxnSpPr>
-        <p:spPr>
-          <a:xfrm>
-            <a:off x="4230255" y="4544289"/>
-            <a:ext cx="457200" cy="0"/>
-          </a:xfrm>
-          <a:prstGeom prst="straightConnector1">
-            <a:avLst/>
-          </a:prstGeom>
-          <a:ln w="28575">
-            <a:solidFill>
-              <a:schemeClr val="bg1"/>
-            </a:solidFill>
-            <a:tailEnd type="triangle"/>
-          </a:ln>
-        </p:spPr>
-        <p:style>
-          <a:lnRef idx="1">
-            <a:schemeClr val="accent1"/>
-          </a:lnRef>
-          <a:fillRef idx="0">
-            <a:schemeClr val="accent1"/>
-          </a:fillRef>
-          <a:effectRef idx="0">
-            <a:schemeClr val="accent1"/>
-          </a:effectRef>
-          <a:fontRef idx="minor">
-            <a:schemeClr val="tx1"/>
-          </a:fontRef>
-        </p:style>
-      </p:cxnSp>
     </p:spTree>
     <p:extLst>
       <p:ext uri="{BB962C8B-B14F-4D97-AF65-F5344CB8AC3E}">
-        <p14:creationId xmlns:p14="http://schemas.microsoft.com/office/powerpoint/2010/main" val="400235158"/>
+        <p14:creationId xmlns:p14="http://schemas.microsoft.com/office/powerpoint/2010/main" val="1052501632"/>
       </p:ext>
     </p:extLst>
   </p:cSld>
@@ -5265,17 +4837,10 @@
       </p:transition>
     </mc:Fallback>
   </mc:AlternateContent>
-  <p:timing>
-    <p:tnLst>
-      <p:par>
-        <p:cTn id="1" dur="indefinite" restart="never" nodeType="tmRoot"/>
-      </p:par>
-    </p:tnLst>
-  </p:timing>
 </p:sld>
 </file>
 
-<file path=ppt/slides/slide3.xml><?xml version="1.0" encoding="utf-8"?>
+<file path=ppt/slides/slide11.xml><?xml version="1.0" encoding="utf-8"?>
 <p:sld xmlns:a="http://schemas.openxmlformats.org/drawingml/2006/main" xmlns:r="http://schemas.openxmlformats.org/officeDocument/2006/relationships" xmlns:p="http://schemas.openxmlformats.org/presentationml/2006/main">
   <p:cSld>
     <p:bg>
@@ -5362,28 +4927,12 @@
               <a:defRPr/>
             </a:pPr>
             <a:r>
-              <a:rPr lang="en-US" altLang="ko-KR" sz="2400" b="1" i="1" kern="0" dirty="0" smtClean="0">
+              <a:rPr lang="en-US" altLang="ko-KR" sz="2400" b="1" i="1" kern="0" dirty="0">
                 <a:solidFill>
                   <a:prstClr val="white"/>
                 </a:solidFill>
               </a:rPr>
-              <a:t>Existing Industrial </a:t>
-            </a:r>
-            <a:r>
-              <a:rPr lang="en-US" altLang="ko-KR" sz="2400" b="1" i="1" kern="0" dirty="0" err="1" smtClean="0">
-                <a:solidFill>
-                  <a:prstClr val="white"/>
-                </a:solidFill>
-              </a:rPr>
-              <a:t>IoT</a:t>
-            </a:r>
-            <a:r>
-              <a:rPr lang="en-US" altLang="ko-KR" sz="2400" b="1" i="1" kern="0" dirty="0" smtClean="0">
-                <a:solidFill>
-                  <a:prstClr val="white"/>
-                </a:solidFill>
-              </a:rPr>
-              <a:t> Networks</a:t>
+              <a:t>Problems and Milestones</a:t>
             </a:r>
           </a:p>
         </p:txBody>
@@ -5433,14 +4982,20 @@
       </p:cxnSp>
       <p:sp>
         <p:nvSpPr>
-          <p:cNvPr id="4" name="TextBox 3"/>
+          <p:cNvPr id="5" name="TextBox 4">
+            <a:extLst>
+              <a:ext uri="{FF2B5EF4-FFF2-40B4-BE49-F238E27FC236}">
+                <a16:creationId xmlns:a16="http://schemas.microsoft.com/office/drawing/2014/main" id="{B6A2ED0C-D922-4AAD-80F4-689BB9B1BEA2}"/>
+              </a:ext>
+            </a:extLst>
+          </p:cNvPr>
           <p:cNvSpPr txBox="1"/>
           <p:nvPr/>
         </p:nvSpPr>
         <p:spPr>
           <a:xfrm>
-            <a:off x="3645018" y="6336631"/>
-            <a:ext cx="4908716" cy="276999"/>
+            <a:off x="2446863" y="2173574"/>
+            <a:ext cx="7287905" cy="3231654"/>
           </a:xfrm>
           <a:prstGeom prst="rect">
             <a:avLst/>
@@ -5448,28 +5003,1401 @@
           <a:noFill/>
         </p:spPr>
         <p:txBody>
+          <a:bodyPr wrap="square" rtlCol="0">
+            <a:spAutoFit/>
+          </a:bodyPr>
+          <a:lstStyle/>
+          <a:p>
+            <a:pPr marL="285750" indent="-285750" algn="ctr">
+              <a:buFont typeface="Arial" panose="020B0604020202020204" pitchFamily="34" charset="0"/>
+              <a:buChar char="•"/>
+            </a:pPr>
+            <a:r>
+              <a:rPr lang="en-US" altLang="ko-KR" sz="2000" dirty="0">
+                <a:solidFill>
+                  <a:schemeClr val="bg1"/>
+                </a:solidFill>
+              </a:rPr>
+              <a:t>P2P Network with 3 or more Nodes</a:t>
+            </a:r>
+          </a:p>
+          <a:p>
+            <a:pPr algn="ctr"/>
+            <a:r>
+              <a:rPr lang="en-US" altLang="ko-KR" sz="1600" dirty="0">
+                <a:solidFill>
+                  <a:schemeClr val="bg1"/>
+                </a:solidFill>
+              </a:rPr>
+              <a:t>Because of Resource Sharing</a:t>
+            </a:r>
+          </a:p>
+          <a:p>
+            <a:pPr marL="285750" indent="-285750" algn="ctr">
+              <a:buFont typeface="Arial" panose="020B0604020202020204" pitchFamily="34" charset="0"/>
+              <a:buChar char="•"/>
+            </a:pPr>
+            <a:endParaRPr lang="en-US" altLang="ko-KR" sz="2000" dirty="0">
+              <a:solidFill>
+                <a:schemeClr val="bg1"/>
+              </a:solidFill>
+            </a:endParaRPr>
+          </a:p>
+          <a:p>
+            <a:pPr marL="285750" indent="-285750" algn="ctr">
+              <a:buFont typeface="Arial" panose="020B0604020202020204" pitchFamily="34" charset="0"/>
+              <a:buChar char="•"/>
+            </a:pPr>
+            <a:r>
+              <a:rPr lang="en-US" altLang="ko-KR" sz="2000" dirty="0">
+                <a:solidFill>
+                  <a:schemeClr val="bg1"/>
+                </a:solidFill>
+              </a:rPr>
+              <a:t>Model Applying</a:t>
+            </a:r>
+          </a:p>
+          <a:p>
+            <a:pPr algn="ctr"/>
+            <a:r>
+              <a:rPr lang="en-US" altLang="ko-KR" sz="1600" dirty="0">
+                <a:solidFill>
+                  <a:schemeClr val="bg1"/>
+                </a:solidFill>
+              </a:rPr>
+              <a:t>How to Detail and Apply</a:t>
+            </a:r>
+          </a:p>
+          <a:p>
+            <a:pPr marL="285750" indent="-285750" algn="ctr">
+              <a:buFont typeface="Arial" panose="020B0604020202020204" pitchFamily="34" charset="0"/>
+              <a:buChar char="•"/>
+            </a:pPr>
+            <a:endParaRPr lang="en-US" altLang="ko-KR" sz="2000" dirty="0">
+              <a:solidFill>
+                <a:schemeClr val="bg1"/>
+              </a:solidFill>
+            </a:endParaRPr>
+          </a:p>
+          <a:p>
+            <a:pPr marL="285750" indent="-285750" algn="ctr">
+              <a:buFont typeface="Arial" panose="020B0604020202020204" pitchFamily="34" charset="0"/>
+              <a:buChar char="•"/>
+            </a:pPr>
+            <a:r>
+              <a:rPr lang="en-US" altLang="ko-KR" sz="2000" dirty="0">
+                <a:solidFill>
+                  <a:schemeClr val="bg1"/>
+                </a:solidFill>
+              </a:rPr>
+              <a:t>Optimization</a:t>
+            </a:r>
+          </a:p>
+          <a:p>
+            <a:pPr algn="ctr"/>
+            <a:r>
+              <a:rPr lang="en-US" altLang="ko-KR" sz="1600" dirty="0">
+                <a:solidFill>
+                  <a:schemeClr val="bg1"/>
+                </a:solidFill>
+              </a:rPr>
+              <a:t>Separating Codes for Maintainability</a:t>
+            </a:r>
+          </a:p>
+          <a:p>
+            <a:pPr marL="285750" indent="-285750" algn="ctr">
+              <a:buFont typeface="Arial" panose="020B0604020202020204" pitchFamily="34" charset="0"/>
+              <a:buChar char="•"/>
+            </a:pPr>
+            <a:endParaRPr lang="en-US" altLang="ko-KR" sz="2000" dirty="0">
+              <a:solidFill>
+                <a:schemeClr val="bg1"/>
+              </a:solidFill>
+            </a:endParaRPr>
+          </a:p>
+          <a:p>
+            <a:pPr marL="285750" indent="-285750" algn="ctr">
+              <a:buFont typeface="Arial" panose="020B0604020202020204" pitchFamily="34" charset="0"/>
+              <a:buChar char="•"/>
+            </a:pPr>
+            <a:r>
+              <a:rPr lang="en-US" altLang="ko-KR" sz="2000" dirty="0">
+                <a:solidFill>
+                  <a:schemeClr val="bg1"/>
+                </a:solidFill>
+              </a:rPr>
+              <a:t>Adding More Plausible Functions</a:t>
+            </a:r>
+          </a:p>
+          <a:p>
+            <a:pPr algn="ctr"/>
+            <a:r>
+              <a:rPr lang="en-US" altLang="ko-KR" sz="1600" dirty="0">
+                <a:solidFill>
+                  <a:schemeClr val="bg1"/>
+                </a:solidFill>
+              </a:rPr>
+              <a:t>Webpage for Introduction, Smart Contracts, More Consensus Algorithms</a:t>
+            </a:r>
+          </a:p>
+        </p:txBody>
+      </p:sp>
+    </p:spTree>
+    <p:extLst>
+      <p:ext uri="{BB962C8B-B14F-4D97-AF65-F5344CB8AC3E}">
+        <p14:creationId xmlns:p14="http://schemas.microsoft.com/office/powerpoint/2010/main" val="4189524918"/>
+      </p:ext>
+    </p:extLst>
+  </p:cSld>
+  <p:clrMapOvr>
+    <a:masterClrMapping/>
+  </p:clrMapOvr>
+  <mc:AlternateContent xmlns:mc="http://schemas.openxmlformats.org/markup-compatibility/2006" xmlns:p14="http://schemas.microsoft.com/office/powerpoint/2010/main">
+    <mc:Choice Requires="p14">
+      <p:transition spd="med" p14:dur="700">
+        <p:fade/>
+      </p:transition>
+    </mc:Choice>
+    <mc:Fallback xmlns="">
+      <p:transition spd="med">
+        <p:fade/>
+      </p:transition>
+    </mc:Fallback>
+  </mc:AlternateContent>
+</p:sld>
+</file>
+
+<file path=ppt/slides/slide2.xml><?xml version="1.0" encoding="utf-8"?>
+<p:sld xmlns:a="http://schemas.openxmlformats.org/drawingml/2006/main" xmlns:r="http://schemas.openxmlformats.org/officeDocument/2006/relationships" xmlns:p="http://schemas.openxmlformats.org/presentationml/2006/main">
+  <p:cSld>
+    <p:bg>
+      <p:bgPr>
+        <a:solidFill>
+          <a:srgbClr val="000E2B"/>
+        </a:solidFill>
+        <a:effectLst/>
+      </p:bgPr>
+    </p:bg>
+    <p:spTree>
+      <p:nvGrpSpPr>
+        <p:cNvPr id="1" name=""/>
+        <p:cNvGrpSpPr/>
+        <p:nvPr/>
+      </p:nvGrpSpPr>
+      <p:grpSpPr>
+        <a:xfrm>
+          <a:off x="0" y="0"/>
+          <a:ext cx="0" cy="0"/>
+          <a:chOff x="0" y="0"/>
+          <a:chExt cx="0" cy="0"/>
+        </a:xfrm>
+      </p:grpSpPr>
+      <p:sp>
+        <p:nvSpPr>
+          <p:cNvPr id="39" name="직사각형 38">
+            <a:extLst>
+              <a:ext uri="{FF2B5EF4-FFF2-40B4-BE49-F238E27FC236}">
+                <a16:creationId xmlns:a16="http://schemas.microsoft.com/office/drawing/2014/main" id="{8CACE114-6EF1-49F7-8904-2190389DC00D}"/>
+              </a:ext>
+            </a:extLst>
+          </p:cNvPr>
+          <p:cNvSpPr/>
+          <p:nvPr/>
+        </p:nvSpPr>
+        <p:spPr>
+          <a:xfrm>
+            <a:off x="8405316" y="4280075"/>
+            <a:ext cx="1634021" cy="1067917"/>
+          </a:xfrm>
+          <a:prstGeom prst="rect">
+            <a:avLst/>
+          </a:prstGeom>
+          <a:solidFill>
+            <a:srgbClr val="000E2B"/>
+          </a:solidFill>
+          <a:ln w="38100">
+            <a:solidFill>
+              <a:srgbClr val="03C6AB"/>
+            </a:solidFill>
+          </a:ln>
+        </p:spPr>
+        <p:style>
+          <a:lnRef idx="2">
+            <a:schemeClr val="accent1">
+              <a:shade val="50000"/>
+            </a:schemeClr>
+          </a:lnRef>
+          <a:fillRef idx="1">
+            <a:schemeClr val="accent1"/>
+          </a:fillRef>
+          <a:effectRef idx="0">
+            <a:schemeClr val="accent1"/>
+          </a:effectRef>
+          <a:fontRef idx="minor">
+            <a:schemeClr val="lt1"/>
+          </a:fontRef>
+        </p:style>
+        <p:txBody>
+          <a:bodyPr rtlCol="0" anchor="ctr"/>
+          <a:lstStyle/>
+          <a:p>
+            <a:pPr algn="ctr"/>
+            <a:r>
+              <a:rPr lang="en-US" altLang="ko-KR" dirty="0"/>
+              <a:t>Manufacturer</a:t>
+            </a:r>
+            <a:endParaRPr lang="ko-KR" altLang="en-US" dirty="0"/>
+          </a:p>
+        </p:txBody>
+      </p:sp>
+      <p:sp>
+        <p:nvSpPr>
+          <p:cNvPr id="6" name="직사각형 5">
+            <a:extLst>
+              <a:ext uri="{FF2B5EF4-FFF2-40B4-BE49-F238E27FC236}">
+                <a16:creationId xmlns:a16="http://schemas.microsoft.com/office/drawing/2014/main" id="{AB6B5046-07C0-43A9-AA7C-8D7835269858}"/>
+              </a:ext>
+            </a:extLst>
+          </p:cNvPr>
+          <p:cNvSpPr/>
+          <p:nvPr/>
+        </p:nvSpPr>
+        <p:spPr>
+          <a:xfrm>
+            <a:off x="0" y="-74950"/>
+            <a:ext cx="12192000" cy="1067917"/>
+          </a:xfrm>
+          <a:prstGeom prst="rect">
+            <a:avLst/>
+          </a:prstGeom>
+          <a:gradFill flip="none" rotWithShape="1">
+            <a:gsLst>
+              <a:gs pos="10000">
+                <a:srgbClr val="000E2B">
+                  <a:alpha val="0"/>
+                </a:srgbClr>
+              </a:gs>
+              <a:gs pos="100000">
+                <a:srgbClr val="03C6AB"/>
+              </a:gs>
+            </a:gsLst>
+            <a:lin ang="16200000" scaled="1"/>
+            <a:tileRect/>
+          </a:gradFill>
+          <a:ln>
+            <a:noFill/>
+          </a:ln>
+        </p:spPr>
+        <p:style>
+          <a:lnRef idx="2">
+            <a:schemeClr val="accent1">
+              <a:shade val="50000"/>
+            </a:schemeClr>
+          </a:lnRef>
+          <a:fillRef idx="1">
+            <a:schemeClr val="accent1"/>
+          </a:fillRef>
+          <a:effectRef idx="0">
+            <a:schemeClr val="accent1"/>
+          </a:effectRef>
+          <a:fontRef idx="minor">
+            <a:schemeClr val="lt1"/>
+          </a:fontRef>
+        </p:style>
+        <p:txBody>
+          <a:bodyPr rtlCol="0" anchor="ctr"/>
+          <a:lstStyle/>
+          <a:p>
+            <a:pPr algn="ctr" latinLnBrk="0">
+              <a:defRPr/>
+            </a:pPr>
+            <a:r>
+              <a:rPr lang="en-US" altLang="ko-KR" sz="2400" b="1" i="1" kern="0" dirty="0">
+                <a:solidFill>
+                  <a:prstClr val="white"/>
+                </a:solidFill>
+              </a:rPr>
+              <a:t>Candidates of Project Final Model</a:t>
+            </a:r>
+          </a:p>
+        </p:txBody>
+      </p:sp>
+      <p:cxnSp>
+        <p:nvCxnSpPr>
+          <p:cNvPr id="3" name="직선 연결선 2">
+            <a:extLst>
+              <a:ext uri="{FF2B5EF4-FFF2-40B4-BE49-F238E27FC236}">
+                <a16:creationId xmlns:a16="http://schemas.microsoft.com/office/drawing/2014/main" id="{58387BDA-24A2-4432-AEDE-4F5F1621D6D4}"/>
+              </a:ext>
+            </a:extLst>
+          </p:cNvPr>
+          <p:cNvCxnSpPr>
+            <a:cxnSpLocks/>
+          </p:cNvCxnSpPr>
+          <p:nvPr/>
+        </p:nvCxnSpPr>
+        <p:spPr>
+          <a:xfrm>
+            <a:off x="5550816" y="163430"/>
+            <a:ext cx="1080000" cy="0"/>
+          </a:xfrm>
+          <a:prstGeom prst="line">
+            <a:avLst/>
+          </a:prstGeom>
+          <a:ln w="12700">
+            <a:solidFill>
+              <a:srgbClr val="03C6AB"/>
+            </a:solidFill>
+          </a:ln>
+        </p:spPr>
+        <p:style>
+          <a:lnRef idx="1">
+            <a:schemeClr val="accent1"/>
+          </a:lnRef>
+          <a:fillRef idx="0">
+            <a:schemeClr val="accent1"/>
+          </a:fillRef>
+          <a:effectRef idx="0">
+            <a:schemeClr val="accent1"/>
+          </a:effectRef>
+          <a:fontRef idx="minor">
+            <a:schemeClr val="tx1"/>
+          </a:fontRef>
+        </p:style>
+      </p:cxnSp>
+      <p:pic>
+        <p:nvPicPr>
+          <p:cNvPr id="1030" name="Picture 6" descr="다모음캐시 - 휴대폰 결제 포인트"/>
+          <p:cNvPicPr>
+            <a:picLocks noChangeAspect="1" noChangeArrowheads="1"/>
+          </p:cNvPicPr>
+          <p:nvPr/>
+        </p:nvPicPr>
+        <p:blipFill>
+          <a:blip r:embed="rId2" cstate="print">
+            <a:extLst>
+              <a:ext uri="{28A0092B-C50C-407E-A947-70E740481C1C}">
+                <a14:useLocalDpi xmlns:a14="http://schemas.microsoft.com/office/drawing/2010/main" val="0"/>
+              </a:ext>
+            </a:extLst>
+          </a:blip>
+          <a:srcRect/>
+          <a:stretch>
+            <a:fillRect/>
+          </a:stretch>
+        </p:blipFill>
+        <p:spPr bwMode="auto">
+          <a:xfrm>
+            <a:off x="8614137" y="1231347"/>
+            <a:ext cx="1223538" cy="2301417"/>
+          </a:xfrm>
+          <a:prstGeom prst="rect">
+            <a:avLst/>
+          </a:prstGeom>
+          <a:noFill/>
+          <a:extLst>
+            <a:ext uri="{909E8E84-426E-40DD-AFC4-6F175D3DCCD1}">
+              <a14:hiddenFill xmlns:a14="http://schemas.microsoft.com/office/drawing/2010/main">
+                <a:solidFill>
+                  <a:srgbClr val="FFFFFF"/>
+                </a:solidFill>
+              </a14:hiddenFill>
+            </a:ext>
+          </a:extLst>
+        </p:spPr>
+      </p:pic>
+      <p:pic>
+        <p:nvPicPr>
+          <p:cNvPr id="1032" name="Picture 8" descr="스카이킥 메인보드 나사 세트-6개(통합) - (주)바이로봇 스토어"/>
+          <p:cNvPicPr>
+            <a:picLocks noChangeAspect="1" noChangeArrowheads="1"/>
+          </p:cNvPicPr>
+          <p:nvPr/>
+        </p:nvPicPr>
+        <p:blipFill>
+          <a:blip r:embed="rId3" cstate="print">
+            <a:extLst>
+              <a:ext uri="{28A0092B-C50C-407E-A947-70E740481C1C}">
+                <a14:useLocalDpi xmlns:a14="http://schemas.microsoft.com/office/drawing/2010/main" val="0"/>
+              </a:ext>
+            </a:extLst>
+          </a:blip>
+          <a:srcRect/>
+          <a:stretch>
+            <a:fillRect/>
+          </a:stretch>
+        </p:blipFill>
+        <p:spPr bwMode="auto">
+          <a:xfrm>
+            <a:off x="8614137" y="2586667"/>
+            <a:ext cx="472572" cy="472572"/>
+          </a:xfrm>
+          <a:prstGeom prst="rect">
+            <a:avLst/>
+          </a:prstGeom>
+          <a:noFill/>
+          <a:extLst>
+            <a:ext uri="{909E8E84-426E-40DD-AFC4-6F175D3DCCD1}">
+              <a14:hiddenFill xmlns:a14="http://schemas.microsoft.com/office/drawing/2010/main">
+                <a:solidFill>
+                  <a:srgbClr val="FFFFFF"/>
+                </a:solidFill>
+              </a14:hiddenFill>
+            </a:ext>
+          </a:extLst>
+        </p:spPr>
+      </p:pic>
+      <p:pic>
+        <p:nvPicPr>
+          <p:cNvPr id="1034" name="Picture 10" descr="CPU X - 장치 및 시스템 정보 - Google Play 앱"/>
+          <p:cNvPicPr>
+            <a:picLocks noChangeAspect="1" noChangeArrowheads="1"/>
+          </p:cNvPicPr>
+          <p:nvPr/>
+        </p:nvPicPr>
+        <p:blipFill>
+          <a:blip r:embed="rId4" cstate="print">
+            <a:extLst>
+              <a:ext uri="{28A0092B-C50C-407E-A947-70E740481C1C}">
+                <a14:useLocalDpi xmlns:a14="http://schemas.microsoft.com/office/drawing/2010/main" val="0"/>
+              </a:ext>
+            </a:extLst>
+          </a:blip>
+          <a:srcRect/>
+          <a:stretch>
+            <a:fillRect/>
+          </a:stretch>
+        </p:blipFill>
+        <p:spPr bwMode="auto">
+          <a:xfrm>
+            <a:off x="8704320" y="1680052"/>
+            <a:ext cx="708425" cy="708425"/>
+          </a:xfrm>
+          <a:prstGeom prst="rect">
+            <a:avLst/>
+          </a:prstGeom>
+          <a:noFill/>
+          <a:extLst>
+            <a:ext uri="{909E8E84-426E-40DD-AFC4-6F175D3DCCD1}">
+              <a14:hiddenFill xmlns:a14="http://schemas.microsoft.com/office/drawing/2010/main">
+                <a:solidFill>
+                  <a:srgbClr val="FFFFFF"/>
+                </a:solidFill>
+              </a14:hiddenFill>
+            </a:ext>
+          </a:extLst>
+        </p:spPr>
+      </p:pic>
+      <p:pic>
+        <p:nvPicPr>
+          <p:cNvPr id="1042" name="Picture 18" descr="Samsung Standard Battery for Samsung Galaxy Core Prime | Walmart Canada"/>
+          <p:cNvPicPr>
+            <a:picLocks noChangeAspect="1" noChangeArrowheads="1"/>
+          </p:cNvPicPr>
+          <p:nvPr/>
+        </p:nvPicPr>
+        <p:blipFill>
+          <a:blip r:embed="rId5" cstate="print">
+            <a:extLst>
+              <a:ext uri="{28A0092B-C50C-407E-A947-70E740481C1C}">
+                <a14:useLocalDpi xmlns:a14="http://schemas.microsoft.com/office/drawing/2010/main" val="0"/>
+              </a:ext>
+            </a:extLst>
+          </a:blip>
+          <a:srcRect/>
+          <a:stretch>
+            <a:fillRect/>
+          </a:stretch>
+        </p:blipFill>
+        <p:spPr bwMode="auto">
+          <a:xfrm>
+            <a:off x="9053065" y="2071924"/>
+            <a:ext cx="699276" cy="1420405"/>
+          </a:xfrm>
+          <a:prstGeom prst="rect">
+            <a:avLst/>
+          </a:prstGeom>
+          <a:noFill/>
+          <a:extLst>
+            <a:ext uri="{909E8E84-426E-40DD-AFC4-6F175D3DCCD1}">
+              <a14:hiddenFill xmlns:a14="http://schemas.microsoft.com/office/drawing/2010/main">
+                <a:solidFill>
+                  <a:srgbClr val="FFFFFF"/>
+                </a:solidFill>
+              </a14:hiddenFill>
+            </a:ext>
+          </a:extLst>
+        </p:spPr>
+      </p:pic>
+      <p:pic>
+        <p:nvPicPr>
+          <p:cNvPr id="1044" name="Picture 20" descr="고짱'을 아시나요?.. 고등어 이야기 : 네이버 블로그"/>
+          <p:cNvPicPr>
+            <a:picLocks noChangeAspect="1" noChangeArrowheads="1"/>
+          </p:cNvPicPr>
+          <p:nvPr/>
+        </p:nvPicPr>
+        <p:blipFill>
+          <a:blip r:embed="rId6">
+            <a:extLst>
+              <a:ext uri="{28A0092B-C50C-407E-A947-70E740481C1C}">
+                <a14:useLocalDpi xmlns:a14="http://schemas.microsoft.com/office/drawing/2010/main" val="0"/>
+              </a:ext>
+            </a:extLst>
+          </a:blip>
+          <a:srcRect/>
+          <a:stretch>
+            <a:fillRect/>
+          </a:stretch>
+        </p:blipFill>
+        <p:spPr bwMode="auto">
+          <a:xfrm>
+            <a:off x="969680" y="2223537"/>
+            <a:ext cx="3341186" cy="989827"/>
+          </a:xfrm>
+          <a:prstGeom prst="rect">
+            <a:avLst/>
+          </a:prstGeom>
+          <a:noFill/>
+          <a:extLst>
+            <a:ext uri="{909E8E84-426E-40DD-AFC4-6F175D3DCCD1}">
+              <a14:hiddenFill xmlns:a14="http://schemas.microsoft.com/office/drawing/2010/main">
+                <a:solidFill>
+                  <a:srgbClr val="FFFFFF"/>
+                </a:solidFill>
+              </a14:hiddenFill>
+            </a:ext>
+          </a:extLst>
+        </p:spPr>
+      </p:pic>
+      <p:sp>
+        <p:nvSpPr>
+          <p:cNvPr id="8" name="직사각형 7"/>
+          <p:cNvSpPr/>
+          <p:nvPr/>
+        </p:nvSpPr>
+        <p:spPr>
+          <a:xfrm>
+            <a:off x="370131" y="4263054"/>
+            <a:ext cx="1967346" cy="1331649"/>
+          </a:xfrm>
+          <a:prstGeom prst="rect">
+            <a:avLst/>
+          </a:prstGeom>
+          <a:solidFill>
+            <a:srgbClr val="000E2B"/>
+          </a:solidFill>
+          <a:ln w="38100">
+            <a:solidFill>
+              <a:srgbClr val="03C6AB"/>
+            </a:solidFill>
+          </a:ln>
+        </p:spPr>
+        <p:style>
+          <a:lnRef idx="2">
+            <a:schemeClr val="accent1">
+              <a:shade val="50000"/>
+            </a:schemeClr>
+          </a:lnRef>
+          <a:fillRef idx="1">
+            <a:schemeClr val="accent1"/>
+          </a:fillRef>
+          <a:effectRef idx="0">
+            <a:schemeClr val="accent1"/>
+          </a:effectRef>
+          <a:fontRef idx="minor">
+            <a:schemeClr val="lt1"/>
+          </a:fontRef>
+        </p:style>
+        <p:txBody>
+          <a:bodyPr rtlCol="0" anchor="ctr"/>
+          <a:lstStyle/>
+          <a:p>
+            <a:pPr algn="ctr"/>
+            <a:r>
+              <a:rPr lang="en-US" altLang="ko-KR" dirty="0"/>
+              <a:t>Fishing Boat</a:t>
+            </a:r>
+            <a:endParaRPr lang="ko-KR" altLang="en-US" dirty="0"/>
+          </a:p>
+        </p:txBody>
+      </p:sp>
+      <p:sp>
+        <p:nvSpPr>
+          <p:cNvPr id="152" name="직사각형 151"/>
+          <p:cNvSpPr/>
+          <p:nvPr/>
+        </p:nvSpPr>
+        <p:spPr>
+          <a:xfrm>
+            <a:off x="2794677" y="4263054"/>
+            <a:ext cx="1242291" cy="905164"/>
+          </a:xfrm>
+          <a:prstGeom prst="rect">
+            <a:avLst/>
+          </a:prstGeom>
+          <a:solidFill>
+            <a:srgbClr val="000E2B"/>
+          </a:solidFill>
+          <a:ln w="38100">
+            <a:solidFill>
+              <a:srgbClr val="03C6AB"/>
+            </a:solidFill>
+          </a:ln>
+        </p:spPr>
+        <p:style>
+          <a:lnRef idx="2">
+            <a:schemeClr val="accent1">
+              <a:shade val="50000"/>
+            </a:schemeClr>
+          </a:lnRef>
+          <a:fillRef idx="1">
+            <a:schemeClr val="accent1"/>
+          </a:fillRef>
+          <a:effectRef idx="0">
+            <a:schemeClr val="accent1"/>
+          </a:effectRef>
+          <a:fontRef idx="minor">
+            <a:schemeClr val="lt1"/>
+          </a:fontRef>
+        </p:style>
+        <p:txBody>
+          <a:bodyPr rtlCol="0" anchor="ctr"/>
+          <a:lstStyle/>
+          <a:p>
+            <a:pPr algn="ctr"/>
+            <a:r>
+              <a:rPr lang="en-US" altLang="ko-KR" dirty="0"/>
+              <a:t>Whole</a:t>
+            </a:r>
+          </a:p>
+          <a:p>
+            <a:pPr algn="ctr"/>
+            <a:r>
+              <a:rPr lang="en-US" altLang="ko-KR" dirty="0"/>
+              <a:t>sale</a:t>
+            </a:r>
+            <a:endParaRPr lang="ko-KR" altLang="en-US" dirty="0"/>
+          </a:p>
+        </p:txBody>
+      </p:sp>
+      <p:sp>
+        <p:nvSpPr>
+          <p:cNvPr id="153" name="직사각형 152"/>
+          <p:cNvSpPr/>
+          <p:nvPr/>
+        </p:nvSpPr>
+        <p:spPr>
+          <a:xfrm>
+            <a:off x="4472736" y="4263054"/>
+            <a:ext cx="822036" cy="531091"/>
+          </a:xfrm>
+          <a:prstGeom prst="rect">
+            <a:avLst/>
+          </a:prstGeom>
+          <a:solidFill>
+            <a:srgbClr val="000E2B"/>
+          </a:solidFill>
+          <a:ln w="38100">
+            <a:solidFill>
+              <a:srgbClr val="03C6AB"/>
+            </a:solidFill>
+          </a:ln>
+        </p:spPr>
+        <p:style>
+          <a:lnRef idx="2">
+            <a:schemeClr val="accent1">
+              <a:shade val="50000"/>
+            </a:schemeClr>
+          </a:lnRef>
+          <a:fillRef idx="1">
+            <a:schemeClr val="accent1"/>
+          </a:fillRef>
+          <a:effectRef idx="0">
+            <a:schemeClr val="accent1"/>
+          </a:effectRef>
+          <a:fontRef idx="minor">
+            <a:schemeClr val="lt1"/>
+          </a:fontRef>
+        </p:style>
+        <p:txBody>
+          <a:bodyPr rtlCol="0" anchor="ctr"/>
+          <a:lstStyle/>
+          <a:p>
+            <a:pPr algn="ctr"/>
+            <a:r>
+              <a:rPr lang="en-US" altLang="ko-KR" dirty="0"/>
+              <a:t>Retail</a:t>
+            </a:r>
+            <a:endParaRPr lang="ko-KR" altLang="en-US" dirty="0"/>
+          </a:p>
+        </p:txBody>
+      </p:sp>
+      <p:cxnSp>
+        <p:nvCxnSpPr>
+          <p:cNvPr id="10" name="직선 화살표 연결선 9"/>
+          <p:cNvCxnSpPr>
+            <a:cxnSpLocks/>
+          </p:cNvCxnSpPr>
+          <p:nvPr/>
+        </p:nvCxnSpPr>
+        <p:spPr>
+          <a:xfrm flipH="1">
+            <a:off x="2337477" y="4528599"/>
+            <a:ext cx="457200" cy="0"/>
+          </a:xfrm>
+          <a:prstGeom prst="straightConnector1">
+            <a:avLst/>
+          </a:prstGeom>
+          <a:ln w="28575">
+            <a:solidFill>
+              <a:schemeClr val="bg1"/>
+            </a:solidFill>
+            <a:tailEnd type="triangle"/>
+          </a:ln>
+        </p:spPr>
+        <p:style>
+          <a:lnRef idx="1">
+            <a:schemeClr val="accent1"/>
+          </a:lnRef>
+          <a:fillRef idx="0">
+            <a:schemeClr val="accent1"/>
+          </a:fillRef>
+          <a:effectRef idx="0">
+            <a:schemeClr val="accent1"/>
+          </a:effectRef>
+          <a:fontRef idx="minor">
+            <a:schemeClr val="tx1"/>
+          </a:fontRef>
+        </p:style>
+      </p:cxnSp>
+      <p:cxnSp>
+        <p:nvCxnSpPr>
+          <p:cNvPr id="154" name="직선 화살표 연결선 153"/>
+          <p:cNvCxnSpPr>
+            <a:cxnSpLocks/>
+          </p:cNvCxnSpPr>
+          <p:nvPr/>
+        </p:nvCxnSpPr>
+        <p:spPr>
+          <a:xfrm flipH="1">
+            <a:off x="4036968" y="4530907"/>
+            <a:ext cx="457200" cy="0"/>
+          </a:xfrm>
+          <a:prstGeom prst="straightConnector1">
+            <a:avLst/>
+          </a:prstGeom>
+          <a:ln w="28575">
+            <a:solidFill>
+              <a:schemeClr val="bg1"/>
+            </a:solidFill>
+            <a:tailEnd type="triangle"/>
+          </a:ln>
+        </p:spPr>
+        <p:style>
+          <a:lnRef idx="1">
+            <a:schemeClr val="accent1"/>
+          </a:lnRef>
+          <a:fillRef idx="0">
+            <a:schemeClr val="accent1"/>
+          </a:fillRef>
+          <a:effectRef idx="0">
+            <a:schemeClr val="accent1"/>
+          </a:effectRef>
+          <a:fontRef idx="minor">
+            <a:schemeClr val="tx1"/>
+          </a:fontRef>
+        </p:style>
+      </p:cxnSp>
+      <p:sp>
+        <p:nvSpPr>
+          <p:cNvPr id="14" name="TextBox 13">
+            <a:extLst>
+              <a:ext uri="{FF2B5EF4-FFF2-40B4-BE49-F238E27FC236}">
+                <a16:creationId xmlns:a16="http://schemas.microsoft.com/office/drawing/2014/main" id="{6B375C2C-BD36-4D41-A906-58F9E4EE2F0D}"/>
+              </a:ext>
+            </a:extLst>
+          </p:cNvPr>
+          <p:cNvSpPr txBox="1"/>
+          <p:nvPr/>
+        </p:nvSpPr>
+        <p:spPr>
+          <a:xfrm>
+            <a:off x="943048" y="5994084"/>
+            <a:ext cx="3703258" cy="400110"/>
+          </a:xfrm>
+          <a:prstGeom prst="rect">
+            <a:avLst/>
+          </a:prstGeom>
+          <a:noFill/>
+        </p:spPr>
+        <p:txBody>
           <a:bodyPr wrap="none" rtlCol="0">
             <a:spAutoFit/>
           </a:bodyPr>
           <a:lstStyle/>
           <a:p>
             <a:r>
-              <a:rPr lang="en-US" altLang="ko-KR" sz="1200" kern="0" dirty="0">
+              <a:rPr lang="en-US" altLang="ko-KR" sz="2000" kern="0" dirty="0">
                 <a:solidFill>
                   <a:prstClr val="white"/>
                 </a:solidFill>
               </a:rPr>
-              <a:t>Using internet networks and Wi-Fi, coverage is local and </a:t>
-            </a:r>
-            <a:r>
-              <a:rPr lang="en-US" altLang="ko-KR" sz="1200" kern="0" dirty="0" smtClean="0">
+              <a:t>Disassembling Industry Model</a:t>
+            </a:r>
+            <a:endParaRPr lang="ko-KR" altLang="en-US" sz="2000" dirty="0">
+              <a:solidFill>
+                <a:prstClr val="white"/>
+              </a:solidFill>
+            </a:endParaRPr>
+          </a:p>
+        </p:txBody>
+      </p:sp>
+      <p:sp>
+        <p:nvSpPr>
+          <p:cNvPr id="15" name="직사각형 14">
+            <a:extLst>
+              <a:ext uri="{FF2B5EF4-FFF2-40B4-BE49-F238E27FC236}">
+                <a16:creationId xmlns:a16="http://schemas.microsoft.com/office/drawing/2014/main" id="{956798F4-41B6-4CE7-AC0A-BEEED7372994}"/>
+              </a:ext>
+            </a:extLst>
+          </p:cNvPr>
+          <p:cNvSpPr/>
+          <p:nvPr/>
+        </p:nvSpPr>
+        <p:spPr>
+          <a:xfrm>
+            <a:off x="6234508" y="4128512"/>
+            <a:ext cx="414561" cy="341454"/>
+          </a:xfrm>
+          <a:prstGeom prst="rect">
+            <a:avLst/>
+          </a:prstGeom>
+          <a:solidFill>
+            <a:srgbClr val="000E2B"/>
+          </a:solidFill>
+          <a:ln w="38100">
+            <a:solidFill>
+              <a:srgbClr val="03C6AB"/>
+            </a:solidFill>
+          </a:ln>
+        </p:spPr>
+        <p:style>
+          <a:lnRef idx="2">
+            <a:schemeClr val="accent1">
+              <a:shade val="50000"/>
+            </a:schemeClr>
+          </a:lnRef>
+          <a:fillRef idx="1">
+            <a:schemeClr val="accent1"/>
+          </a:fillRef>
+          <a:effectRef idx="0">
+            <a:schemeClr val="accent1"/>
+          </a:effectRef>
+          <a:fontRef idx="minor">
+            <a:schemeClr val="lt1"/>
+          </a:fontRef>
+        </p:style>
+        <p:txBody>
+          <a:bodyPr rtlCol="0" anchor="ctr"/>
+          <a:lstStyle/>
+          <a:p>
+            <a:pPr algn="ctr"/>
+            <a:endParaRPr lang="ko-KR" altLang="en-US" dirty="0"/>
+          </a:p>
+        </p:txBody>
+      </p:sp>
+      <p:cxnSp>
+        <p:nvCxnSpPr>
+          <p:cNvPr id="18" name="직선 화살표 연결선 17">
+            <a:extLst>
+              <a:ext uri="{FF2B5EF4-FFF2-40B4-BE49-F238E27FC236}">
+                <a16:creationId xmlns:a16="http://schemas.microsoft.com/office/drawing/2014/main" id="{CE1DEB6B-E1CD-491C-B28C-BD6BF7086DF7}"/>
+              </a:ext>
+            </a:extLst>
+          </p:cNvPr>
+          <p:cNvCxnSpPr>
+            <a:cxnSpLocks/>
+          </p:cNvCxnSpPr>
+          <p:nvPr/>
+        </p:nvCxnSpPr>
+        <p:spPr>
+          <a:xfrm flipH="1" flipV="1">
+            <a:off x="6649069" y="4299238"/>
+            <a:ext cx="312901" cy="1"/>
+          </a:xfrm>
+          <a:prstGeom prst="straightConnector1">
+            <a:avLst/>
+          </a:prstGeom>
+          <a:ln w="28575">
+            <a:solidFill>
+              <a:schemeClr val="bg1"/>
+            </a:solidFill>
+            <a:tailEnd type="triangle"/>
+          </a:ln>
+        </p:spPr>
+        <p:style>
+          <a:lnRef idx="1">
+            <a:schemeClr val="accent1"/>
+          </a:lnRef>
+          <a:fillRef idx="0">
+            <a:schemeClr val="accent1"/>
+          </a:fillRef>
+          <a:effectRef idx="0">
+            <a:schemeClr val="accent1"/>
+          </a:effectRef>
+          <a:fontRef idx="minor">
+            <a:schemeClr val="tx1"/>
+          </a:fontRef>
+        </p:style>
+      </p:cxnSp>
+      <p:cxnSp>
+        <p:nvCxnSpPr>
+          <p:cNvPr id="19" name="직선 화살표 연결선 18">
+            <a:extLst>
+              <a:ext uri="{FF2B5EF4-FFF2-40B4-BE49-F238E27FC236}">
+                <a16:creationId xmlns:a16="http://schemas.microsoft.com/office/drawing/2014/main" id="{8CFD29AB-E8C9-4872-8178-1AA871A402D5}"/>
+              </a:ext>
+            </a:extLst>
+          </p:cNvPr>
+          <p:cNvCxnSpPr>
+            <a:cxnSpLocks/>
+          </p:cNvCxnSpPr>
+          <p:nvPr/>
+        </p:nvCxnSpPr>
+        <p:spPr>
+          <a:xfrm flipH="1">
+            <a:off x="7376531" y="4299238"/>
+            <a:ext cx="313005" cy="0"/>
+          </a:xfrm>
+          <a:prstGeom prst="straightConnector1">
+            <a:avLst/>
+          </a:prstGeom>
+          <a:ln w="28575">
+            <a:solidFill>
+              <a:schemeClr val="bg1"/>
+            </a:solidFill>
+            <a:tailEnd type="triangle"/>
+          </a:ln>
+        </p:spPr>
+        <p:style>
+          <a:lnRef idx="1">
+            <a:schemeClr val="accent1"/>
+          </a:lnRef>
+          <a:fillRef idx="0">
+            <a:schemeClr val="accent1"/>
+          </a:fillRef>
+          <a:effectRef idx="0">
+            <a:schemeClr val="accent1"/>
+          </a:effectRef>
+          <a:fontRef idx="minor">
+            <a:schemeClr val="tx1"/>
+          </a:fontRef>
+        </p:style>
+      </p:cxnSp>
+      <p:sp>
+        <p:nvSpPr>
+          <p:cNvPr id="22" name="직사각형 21">
+            <a:extLst>
+              <a:ext uri="{FF2B5EF4-FFF2-40B4-BE49-F238E27FC236}">
+                <a16:creationId xmlns:a16="http://schemas.microsoft.com/office/drawing/2014/main" id="{9042BFFA-613F-44F4-921B-7D4891A2D959}"/>
+              </a:ext>
+            </a:extLst>
+          </p:cNvPr>
+          <p:cNvSpPr/>
+          <p:nvPr/>
+        </p:nvSpPr>
+        <p:spPr>
+          <a:xfrm>
+            <a:off x="6961970" y="4128511"/>
+            <a:ext cx="414561" cy="341454"/>
+          </a:xfrm>
+          <a:prstGeom prst="rect">
+            <a:avLst/>
+          </a:prstGeom>
+          <a:solidFill>
+            <a:srgbClr val="000E2B"/>
+          </a:solidFill>
+          <a:ln w="38100">
+            <a:solidFill>
+              <a:srgbClr val="03C6AB"/>
+            </a:solidFill>
+          </a:ln>
+        </p:spPr>
+        <p:style>
+          <a:lnRef idx="2">
+            <a:schemeClr val="accent1">
+              <a:shade val="50000"/>
+            </a:schemeClr>
+          </a:lnRef>
+          <a:fillRef idx="1">
+            <a:schemeClr val="accent1"/>
+          </a:fillRef>
+          <a:effectRef idx="0">
+            <a:schemeClr val="accent1"/>
+          </a:effectRef>
+          <a:fontRef idx="minor">
+            <a:schemeClr val="lt1"/>
+          </a:fontRef>
+        </p:style>
+        <p:txBody>
+          <a:bodyPr rtlCol="0" anchor="ctr"/>
+          <a:lstStyle/>
+          <a:p>
+            <a:pPr algn="ctr"/>
+            <a:endParaRPr lang="ko-KR" altLang="en-US" dirty="0"/>
+          </a:p>
+        </p:txBody>
+      </p:sp>
+      <p:sp>
+        <p:nvSpPr>
+          <p:cNvPr id="23" name="직사각형 22">
+            <a:extLst>
+              <a:ext uri="{FF2B5EF4-FFF2-40B4-BE49-F238E27FC236}">
+                <a16:creationId xmlns:a16="http://schemas.microsoft.com/office/drawing/2014/main" id="{FD820DB0-33A1-4A66-B328-5C4EEBF27532}"/>
+              </a:ext>
+            </a:extLst>
+          </p:cNvPr>
+          <p:cNvSpPr/>
+          <p:nvPr/>
+        </p:nvSpPr>
+        <p:spPr>
+          <a:xfrm>
+            <a:off x="7689536" y="4128511"/>
+            <a:ext cx="414561" cy="341454"/>
+          </a:xfrm>
+          <a:prstGeom prst="rect">
+            <a:avLst/>
+          </a:prstGeom>
+          <a:solidFill>
+            <a:srgbClr val="000E2B"/>
+          </a:solidFill>
+          <a:ln w="38100">
+            <a:solidFill>
+              <a:srgbClr val="03C6AB"/>
+            </a:solidFill>
+          </a:ln>
+        </p:spPr>
+        <p:style>
+          <a:lnRef idx="2">
+            <a:schemeClr val="accent1">
+              <a:shade val="50000"/>
+            </a:schemeClr>
+          </a:lnRef>
+          <a:fillRef idx="1">
+            <a:schemeClr val="accent1"/>
+          </a:fillRef>
+          <a:effectRef idx="0">
+            <a:schemeClr val="accent1"/>
+          </a:effectRef>
+          <a:fontRef idx="minor">
+            <a:schemeClr val="lt1"/>
+          </a:fontRef>
+        </p:style>
+        <p:txBody>
+          <a:bodyPr rtlCol="0" anchor="ctr"/>
+          <a:lstStyle/>
+          <a:p>
+            <a:pPr algn="ctr"/>
+            <a:endParaRPr lang="ko-KR" altLang="en-US" dirty="0"/>
+          </a:p>
+        </p:txBody>
+      </p:sp>
+      <p:sp>
+        <p:nvSpPr>
+          <p:cNvPr id="34" name="직사각형 33">
+            <a:extLst>
+              <a:ext uri="{FF2B5EF4-FFF2-40B4-BE49-F238E27FC236}">
+                <a16:creationId xmlns:a16="http://schemas.microsoft.com/office/drawing/2014/main" id="{E3323929-CBD6-415F-AD41-81521AA5BF2C}"/>
+              </a:ext>
+            </a:extLst>
+          </p:cNvPr>
+          <p:cNvSpPr/>
+          <p:nvPr/>
+        </p:nvSpPr>
+        <p:spPr>
+          <a:xfrm>
+            <a:off x="6234508" y="5037585"/>
+            <a:ext cx="414561" cy="341454"/>
+          </a:xfrm>
+          <a:prstGeom prst="rect">
+            <a:avLst/>
+          </a:prstGeom>
+          <a:solidFill>
+            <a:srgbClr val="000E2B"/>
+          </a:solidFill>
+          <a:ln w="38100">
+            <a:solidFill>
+              <a:srgbClr val="03C6AB"/>
+            </a:solidFill>
+          </a:ln>
+        </p:spPr>
+        <p:style>
+          <a:lnRef idx="2">
+            <a:schemeClr val="accent1">
+              <a:shade val="50000"/>
+            </a:schemeClr>
+          </a:lnRef>
+          <a:fillRef idx="1">
+            <a:schemeClr val="accent1"/>
+          </a:fillRef>
+          <a:effectRef idx="0">
+            <a:schemeClr val="accent1"/>
+          </a:effectRef>
+          <a:fontRef idx="minor">
+            <a:schemeClr val="lt1"/>
+          </a:fontRef>
+        </p:style>
+        <p:txBody>
+          <a:bodyPr rtlCol="0" anchor="ctr"/>
+          <a:lstStyle/>
+          <a:p>
+            <a:pPr algn="ctr"/>
+            <a:endParaRPr lang="ko-KR" altLang="en-US" dirty="0"/>
+          </a:p>
+        </p:txBody>
+      </p:sp>
+      <p:cxnSp>
+        <p:nvCxnSpPr>
+          <p:cNvPr id="35" name="직선 화살표 연결선 34">
+            <a:extLst>
+              <a:ext uri="{FF2B5EF4-FFF2-40B4-BE49-F238E27FC236}">
+                <a16:creationId xmlns:a16="http://schemas.microsoft.com/office/drawing/2014/main" id="{BFE24960-2401-406B-B3D8-4C3737CFA306}"/>
+              </a:ext>
+            </a:extLst>
+          </p:cNvPr>
+          <p:cNvCxnSpPr>
+            <a:cxnSpLocks/>
+          </p:cNvCxnSpPr>
+          <p:nvPr/>
+        </p:nvCxnSpPr>
+        <p:spPr>
+          <a:xfrm flipH="1" flipV="1">
+            <a:off x="6649069" y="5208311"/>
+            <a:ext cx="312901" cy="1"/>
+          </a:xfrm>
+          <a:prstGeom prst="straightConnector1">
+            <a:avLst/>
+          </a:prstGeom>
+          <a:ln w="28575">
+            <a:solidFill>
+              <a:schemeClr val="bg1"/>
+            </a:solidFill>
+            <a:tailEnd type="triangle"/>
+          </a:ln>
+        </p:spPr>
+        <p:style>
+          <a:lnRef idx="1">
+            <a:schemeClr val="accent1"/>
+          </a:lnRef>
+          <a:fillRef idx="0">
+            <a:schemeClr val="accent1"/>
+          </a:fillRef>
+          <a:effectRef idx="0">
+            <a:schemeClr val="accent1"/>
+          </a:effectRef>
+          <a:fontRef idx="minor">
+            <a:schemeClr val="tx1"/>
+          </a:fontRef>
+        </p:style>
+      </p:cxnSp>
+      <p:cxnSp>
+        <p:nvCxnSpPr>
+          <p:cNvPr id="36" name="직선 화살표 연결선 35">
+            <a:extLst>
+              <a:ext uri="{FF2B5EF4-FFF2-40B4-BE49-F238E27FC236}">
+                <a16:creationId xmlns:a16="http://schemas.microsoft.com/office/drawing/2014/main" id="{AABF799E-7AA4-4446-A7AF-4EAF405B85EC}"/>
+              </a:ext>
+            </a:extLst>
+          </p:cNvPr>
+          <p:cNvCxnSpPr>
+            <a:cxnSpLocks/>
+          </p:cNvCxnSpPr>
+          <p:nvPr/>
+        </p:nvCxnSpPr>
+        <p:spPr>
+          <a:xfrm flipH="1">
+            <a:off x="7376531" y="5208311"/>
+            <a:ext cx="313005" cy="0"/>
+          </a:xfrm>
+          <a:prstGeom prst="straightConnector1">
+            <a:avLst/>
+          </a:prstGeom>
+          <a:ln w="28575">
+            <a:solidFill>
+              <a:schemeClr val="bg1"/>
+            </a:solidFill>
+            <a:tailEnd type="triangle"/>
+          </a:ln>
+        </p:spPr>
+        <p:style>
+          <a:lnRef idx="1">
+            <a:schemeClr val="accent1"/>
+          </a:lnRef>
+          <a:fillRef idx="0">
+            <a:schemeClr val="accent1"/>
+          </a:fillRef>
+          <a:effectRef idx="0">
+            <a:schemeClr val="accent1"/>
+          </a:effectRef>
+          <a:fontRef idx="minor">
+            <a:schemeClr val="tx1"/>
+          </a:fontRef>
+        </p:style>
+      </p:cxnSp>
+      <p:sp>
+        <p:nvSpPr>
+          <p:cNvPr id="37" name="직사각형 36">
+            <a:extLst>
+              <a:ext uri="{FF2B5EF4-FFF2-40B4-BE49-F238E27FC236}">
+                <a16:creationId xmlns:a16="http://schemas.microsoft.com/office/drawing/2014/main" id="{5568A9DB-6F90-486F-A40E-71C37D8403CE}"/>
+              </a:ext>
+            </a:extLst>
+          </p:cNvPr>
+          <p:cNvSpPr/>
+          <p:nvPr/>
+        </p:nvSpPr>
+        <p:spPr>
+          <a:xfrm>
+            <a:off x="6961970" y="5037584"/>
+            <a:ext cx="414561" cy="341454"/>
+          </a:xfrm>
+          <a:prstGeom prst="rect">
+            <a:avLst/>
+          </a:prstGeom>
+          <a:solidFill>
+            <a:srgbClr val="000E2B"/>
+          </a:solidFill>
+          <a:ln w="38100">
+            <a:solidFill>
+              <a:srgbClr val="03C6AB"/>
+            </a:solidFill>
+          </a:ln>
+        </p:spPr>
+        <p:style>
+          <a:lnRef idx="2">
+            <a:schemeClr val="accent1">
+              <a:shade val="50000"/>
+            </a:schemeClr>
+          </a:lnRef>
+          <a:fillRef idx="1">
+            <a:schemeClr val="accent1"/>
+          </a:fillRef>
+          <a:effectRef idx="0">
+            <a:schemeClr val="accent1"/>
+          </a:effectRef>
+          <a:fontRef idx="minor">
+            <a:schemeClr val="lt1"/>
+          </a:fontRef>
+        </p:style>
+        <p:txBody>
+          <a:bodyPr rtlCol="0" anchor="ctr"/>
+          <a:lstStyle/>
+          <a:p>
+            <a:pPr algn="ctr"/>
+            <a:endParaRPr lang="ko-KR" altLang="en-US" dirty="0"/>
+          </a:p>
+        </p:txBody>
+      </p:sp>
+      <p:sp>
+        <p:nvSpPr>
+          <p:cNvPr id="38" name="직사각형 37">
+            <a:extLst>
+              <a:ext uri="{FF2B5EF4-FFF2-40B4-BE49-F238E27FC236}">
+                <a16:creationId xmlns:a16="http://schemas.microsoft.com/office/drawing/2014/main" id="{EFCA4C50-FBE9-44C8-8AD5-6FCB6EA6C730}"/>
+              </a:ext>
+            </a:extLst>
+          </p:cNvPr>
+          <p:cNvSpPr/>
+          <p:nvPr/>
+        </p:nvSpPr>
+        <p:spPr>
+          <a:xfrm>
+            <a:off x="7689536" y="5037584"/>
+            <a:ext cx="414561" cy="341454"/>
+          </a:xfrm>
+          <a:prstGeom prst="rect">
+            <a:avLst/>
+          </a:prstGeom>
+          <a:solidFill>
+            <a:srgbClr val="000E2B"/>
+          </a:solidFill>
+          <a:ln w="38100">
+            <a:solidFill>
+              <a:srgbClr val="03C6AB"/>
+            </a:solidFill>
+          </a:ln>
+        </p:spPr>
+        <p:style>
+          <a:lnRef idx="2">
+            <a:schemeClr val="accent1">
+              <a:shade val="50000"/>
+            </a:schemeClr>
+          </a:lnRef>
+          <a:fillRef idx="1">
+            <a:schemeClr val="accent1"/>
+          </a:fillRef>
+          <a:effectRef idx="0">
+            <a:schemeClr val="accent1"/>
+          </a:effectRef>
+          <a:fontRef idx="minor">
+            <a:schemeClr val="lt1"/>
+          </a:fontRef>
+        </p:style>
+        <p:txBody>
+          <a:bodyPr rtlCol="0" anchor="ctr"/>
+          <a:lstStyle/>
+          <a:p>
+            <a:pPr algn="ctr"/>
+            <a:endParaRPr lang="ko-KR" altLang="en-US" dirty="0"/>
+          </a:p>
+        </p:txBody>
+      </p:sp>
+      <p:sp>
+        <p:nvSpPr>
+          <p:cNvPr id="40" name="TextBox 39">
+            <a:extLst>
+              <a:ext uri="{FF2B5EF4-FFF2-40B4-BE49-F238E27FC236}">
+                <a16:creationId xmlns:a16="http://schemas.microsoft.com/office/drawing/2014/main" id="{22A35124-1156-408A-8972-508502B5717C}"/>
+              </a:ext>
+            </a:extLst>
+          </p:cNvPr>
+          <p:cNvSpPr txBox="1"/>
+          <p:nvPr/>
+        </p:nvSpPr>
+        <p:spPr>
+          <a:xfrm>
+            <a:off x="6168815" y="4514424"/>
+            <a:ext cx="2000869" cy="369332"/>
+          </a:xfrm>
+          <a:prstGeom prst="rect">
+            <a:avLst/>
+          </a:prstGeom>
+          <a:noFill/>
+        </p:spPr>
+        <p:txBody>
+          <a:bodyPr wrap="none" rtlCol="0">
+            <a:spAutoFit/>
+          </a:bodyPr>
+          <a:lstStyle/>
+          <a:p>
+            <a:r>
+              <a:rPr lang="en-US" altLang="ko-KR" kern="0" dirty="0">
                 <a:solidFill>
                   <a:prstClr val="white"/>
                 </a:solidFill>
               </a:rPr>
-              <a:t>expensive</a:t>
-            </a:r>
-            <a:endParaRPr lang="ko-KR" altLang="en-US" sz="1200" dirty="0">
+              <a:t>CPU’s </a:t>
+            </a:r>
+            <a:r>
+              <a:rPr lang="en-US" altLang="ko-KR" kern="0" dirty="0" err="1">
+                <a:solidFill>
+                  <a:prstClr val="white"/>
+                </a:solidFill>
+              </a:rPr>
+              <a:t>BlockChain</a:t>
+            </a:r>
+            <a:endParaRPr lang="ko-KR" altLang="en-US" dirty="0">
               <a:solidFill>
                 <a:prstClr val="white"/>
               </a:solidFill>
@@ -5477,6 +6405,1635 @@
           </a:p>
         </p:txBody>
       </p:sp>
+      <p:sp>
+        <p:nvSpPr>
+          <p:cNvPr id="41" name="TextBox 40">
+            <a:extLst>
+              <a:ext uri="{FF2B5EF4-FFF2-40B4-BE49-F238E27FC236}">
+                <a16:creationId xmlns:a16="http://schemas.microsoft.com/office/drawing/2014/main" id="{866E2622-3DDF-409C-A8C3-84160CFEAF8A}"/>
+              </a:ext>
+            </a:extLst>
+          </p:cNvPr>
+          <p:cNvSpPr txBox="1"/>
+          <p:nvPr/>
+        </p:nvSpPr>
+        <p:spPr>
+          <a:xfrm>
+            <a:off x="6021338" y="5454309"/>
+            <a:ext cx="2295821" cy="369332"/>
+          </a:xfrm>
+          <a:prstGeom prst="rect">
+            <a:avLst/>
+          </a:prstGeom>
+          <a:noFill/>
+        </p:spPr>
+        <p:txBody>
+          <a:bodyPr wrap="none" rtlCol="0">
+            <a:spAutoFit/>
+          </a:bodyPr>
+          <a:lstStyle/>
+          <a:p>
+            <a:r>
+              <a:rPr lang="en-US" altLang="ko-KR" kern="0" dirty="0">
+                <a:solidFill>
+                  <a:prstClr val="white"/>
+                </a:solidFill>
+              </a:rPr>
+              <a:t>Battery’s </a:t>
+            </a:r>
+            <a:r>
+              <a:rPr lang="en-US" altLang="ko-KR" kern="0" dirty="0" err="1">
+                <a:solidFill>
+                  <a:prstClr val="white"/>
+                </a:solidFill>
+              </a:rPr>
+              <a:t>BlockChain</a:t>
+            </a:r>
+            <a:endParaRPr lang="ko-KR" altLang="en-US" dirty="0">
+              <a:solidFill>
+                <a:prstClr val="white"/>
+              </a:solidFill>
+            </a:endParaRPr>
+          </a:p>
+        </p:txBody>
+      </p:sp>
+      <p:sp>
+        <p:nvSpPr>
+          <p:cNvPr id="42" name="직사각형 41">
+            <a:extLst>
+              <a:ext uri="{FF2B5EF4-FFF2-40B4-BE49-F238E27FC236}">
+                <a16:creationId xmlns:a16="http://schemas.microsoft.com/office/drawing/2014/main" id="{9B213B6E-078F-43F7-9BFA-2ACA763726A9}"/>
+              </a:ext>
+            </a:extLst>
+          </p:cNvPr>
+          <p:cNvSpPr/>
+          <p:nvPr/>
+        </p:nvSpPr>
+        <p:spPr>
+          <a:xfrm>
+            <a:off x="10292782" y="4281359"/>
+            <a:ext cx="1634021" cy="1067917"/>
+          </a:xfrm>
+          <a:prstGeom prst="rect">
+            <a:avLst/>
+          </a:prstGeom>
+          <a:solidFill>
+            <a:srgbClr val="000E2B"/>
+          </a:solidFill>
+          <a:ln w="38100">
+            <a:solidFill>
+              <a:srgbClr val="03C6AB"/>
+            </a:solidFill>
+          </a:ln>
+        </p:spPr>
+        <p:style>
+          <a:lnRef idx="2">
+            <a:schemeClr val="accent1">
+              <a:shade val="50000"/>
+            </a:schemeClr>
+          </a:lnRef>
+          <a:fillRef idx="1">
+            <a:schemeClr val="accent1"/>
+          </a:fillRef>
+          <a:effectRef idx="0">
+            <a:schemeClr val="accent1"/>
+          </a:effectRef>
+          <a:fontRef idx="minor">
+            <a:schemeClr val="lt1"/>
+          </a:fontRef>
+        </p:style>
+        <p:txBody>
+          <a:bodyPr rtlCol="0" anchor="ctr"/>
+          <a:lstStyle/>
+          <a:p>
+            <a:pPr algn="ctr"/>
+            <a:r>
+              <a:rPr lang="en-US" altLang="ko-KR" dirty="0"/>
+              <a:t>Wholesale</a:t>
+            </a:r>
+            <a:endParaRPr lang="ko-KR" altLang="en-US" dirty="0"/>
+          </a:p>
+        </p:txBody>
+      </p:sp>
+      <p:cxnSp>
+        <p:nvCxnSpPr>
+          <p:cNvPr id="43" name="직선 화살표 연결선 42">
+            <a:extLst>
+              <a:ext uri="{FF2B5EF4-FFF2-40B4-BE49-F238E27FC236}">
+                <a16:creationId xmlns:a16="http://schemas.microsoft.com/office/drawing/2014/main" id="{D16FBC27-81B2-4799-903D-9CAE1BCC6DD4}"/>
+              </a:ext>
+            </a:extLst>
+          </p:cNvPr>
+          <p:cNvCxnSpPr>
+            <a:cxnSpLocks/>
+            <a:stCxn id="39" idx="1"/>
+            <a:endCxn id="23" idx="3"/>
+          </p:cNvCxnSpPr>
+          <p:nvPr/>
+        </p:nvCxnSpPr>
+        <p:spPr>
+          <a:xfrm flipH="1" flipV="1">
+            <a:off x="8104097" y="4299238"/>
+            <a:ext cx="301219" cy="514796"/>
+          </a:xfrm>
+          <a:prstGeom prst="straightConnector1">
+            <a:avLst/>
+          </a:prstGeom>
+          <a:ln w="28575">
+            <a:solidFill>
+              <a:schemeClr val="bg1"/>
+            </a:solidFill>
+            <a:tailEnd type="triangle"/>
+          </a:ln>
+        </p:spPr>
+        <p:style>
+          <a:lnRef idx="1">
+            <a:schemeClr val="accent1"/>
+          </a:lnRef>
+          <a:fillRef idx="0">
+            <a:schemeClr val="accent1"/>
+          </a:fillRef>
+          <a:effectRef idx="0">
+            <a:schemeClr val="accent1"/>
+          </a:effectRef>
+          <a:fontRef idx="minor">
+            <a:schemeClr val="tx1"/>
+          </a:fontRef>
+        </p:style>
+      </p:cxnSp>
+      <p:cxnSp>
+        <p:nvCxnSpPr>
+          <p:cNvPr id="46" name="직선 화살표 연결선 45">
+            <a:extLst>
+              <a:ext uri="{FF2B5EF4-FFF2-40B4-BE49-F238E27FC236}">
+                <a16:creationId xmlns:a16="http://schemas.microsoft.com/office/drawing/2014/main" id="{4090E63B-8471-4141-AE80-E50E552A4009}"/>
+              </a:ext>
+            </a:extLst>
+          </p:cNvPr>
+          <p:cNvCxnSpPr>
+            <a:cxnSpLocks/>
+            <a:stCxn id="39" idx="1"/>
+            <a:endCxn id="38" idx="3"/>
+          </p:cNvCxnSpPr>
+          <p:nvPr/>
+        </p:nvCxnSpPr>
+        <p:spPr>
+          <a:xfrm flipH="1">
+            <a:off x="8104097" y="4814034"/>
+            <a:ext cx="301219" cy="394277"/>
+          </a:xfrm>
+          <a:prstGeom prst="straightConnector1">
+            <a:avLst/>
+          </a:prstGeom>
+          <a:ln w="28575">
+            <a:solidFill>
+              <a:schemeClr val="bg1"/>
+            </a:solidFill>
+            <a:tailEnd type="triangle"/>
+          </a:ln>
+        </p:spPr>
+        <p:style>
+          <a:lnRef idx="1">
+            <a:schemeClr val="accent1"/>
+          </a:lnRef>
+          <a:fillRef idx="0">
+            <a:schemeClr val="accent1"/>
+          </a:fillRef>
+          <a:effectRef idx="0">
+            <a:schemeClr val="accent1"/>
+          </a:effectRef>
+          <a:fontRef idx="minor">
+            <a:schemeClr val="tx1"/>
+          </a:fontRef>
+        </p:style>
+      </p:cxnSp>
+      <p:cxnSp>
+        <p:nvCxnSpPr>
+          <p:cNvPr id="49" name="직선 화살표 연결선 48">
+            <a:extLst>
+              <a:ext uri="{FF2B5EF4-FFF2-40B4-BE49-F238E27FC236}">
+                <a16:creationId xmlns:a16="http://schemas.microsoft.com/office/drawing/2014/main" id="{23849041-B8A9-4380-AFBD-459ED18D947D}"/>
+              </a:ext>
+            </a:extLst>
+          </p:cNvPr>
+          <p:cNvCxnSpPr>
+            <a:cxnSpLocks/>
+            <a:stCxn id="42" idx="1"/>
+            <a:endCxn id="39" idx="3"/>
+          </p:cNvCxnSpPr>
+          <p:nvPr/>
+        </p:nvCxnSpPr>
+        <p:spPr>
+          <a:xfrm flipH="1" flipV="1">
+            <a:off x="10039337" y="4814034"/>
+            <a:ext cx="253445" cy="1284"/>
+          </a:xfrm>
+          <a:prstGeom prst="straightConnector1">
+            <a:avLst/>
+          </a:prstGeom>
+          <a:ln w="28575">
+            <a:solidFill>
+              <a:schemeClr val="bg1"/>
+            </a:solidFill>
+            <a:tailEnd type="triangle"/>
+          </a:ln>
+        </p:spPr>
+        <p:style>
+          <a:lnRef idx="1">
+            <a:schemeClr val="accent1"/>
+          </a:lnRef>
+          <a:fillRef idx="0">
+            <a:schemeClr val="accent1"/>
+          </a:fillRef>
+          <a:effectRef idx="0">
+            <a:schemeClr val="accent1"/>
+          </a:effectRef>
+          <a:fontRef idx="minor">
+            <a:schemeClr val="tx1"/>
+          </a:fontRef>
+        </p:style>
+      </p:cxnSp>
+      <p:sp>
+        <p:nvSpPr>
+          <p:cNvPr id="52" name="TextBox 51">
+            <a:extLst>
+              <a:ext uri="{FF2B5EF4-FFF2-40B4-BE49-F238E27FC236}">
+                <a16:creationId xmlns:a16="http://schemas.microsoft.com/office/drawing/2014/main" id="{C7696B99-0E2C-4401-85AE-7CAACF69C876}"/>
+              </a:ext>
+            </a:extLst>
+          </p:cNvPr>
+          <p:cNvSpPr txBox="1"/>
+          <p:nvPr/>
+        </p:nvSpPr>
+        <p:spPr>
+          <a:xfrm>
+            <a:off x="7537130" y="5994084"/>
+            <a:ext cx="3381054" cy="400110"/>
+          </a:xfrm>
+          <a:prstGeom prst="rect">
+            <a:avLst/>
+          </a:prstGeom>
+          <a:noFill/>
+        </p:spPr>
+        <p:txBody>
+          <a:bodyPr wrap="none" rtlCol="0">
+            <a:spAutoFit/>
+          </a:bodyPr>
+          <a:lstStyle/>
+          <a:p>
+            <a:r>
+              <a:rPr lang="en-US" altLang="ko-KR" sz="2000" kern="0" dirty="0">
+                <a:solidFill>
+                  <a:prstClr val="white"/>
+                </a:solidFill>
+              </a:rPr>
+              <a:t>Assembling Industry Model</a:t>
+            </a:r>
+            <a:endParaRPr lang="ko-KR" altLang="en-US" sz="2000" dirty="0">
+              <a:solidFill>
+                <a:prstClr val="white"/>
+              </a:solidFill>
+            </a:endParaRPr>
+          </a:p>
+        </p:txBody>
+      </p:sp>
+    </p:spTree>
+    <p:extLst>
+      <p:ext uri="{BB962C8B-B14F-4D97-AF65-F5344CB8AC3E}">
+        <p14:creationId xmlns:p14="http://schemas.microsoft.com/office/powerpoint/2010/main" val="400235158"/>
+      </p:ext>
+    </p:extLst>
+  </p:cSld>
+  <p:clrMapOvr>
+    <a:masterClrMapping/>
+  </p:clrMapOvr>
+  <mc:AlternateContent xmlns:mc="http://schemas.openxmlformats.org/markup-compatibility/2006" xmlns:p14="http://schemas.microsoft.com/office/powerpoint/2010/main">
+    <mc:Choice Requires="p14">
+      <p:transition spd="med" p14:dur="700">
+        <p:fade/>
+      </p:transition>
+    </mc:Choice>
+    <mc:Fallback xmlns="">
+      <p:transition spd="med">
+        <p:fade/>
+      </p:transition>
+    </mc:Fallback>
+  </mc:AlternateContent>
+</p:sld>
+</file>
+
+<file path=ppt/slides/slide3.xml><?xml version="1.0" encoding="utf-8"?>
+<p:sld xmlns:a="http://schemas.openxmlformats.org/drawingml/2006/main" xmlns:r="http://schemas.openxmlformats.org/officeDocument/2006/relationships" xmlns:p="http://schemas.openxmlformats.org/presentationml/2006/main">
+  <p:cSld>
+    <p:bg>
+      <p:bgPr>
+        <a:solidFill>
+          <a:srgbClr val="000E2B"/>
+        </a:solidFill>
+        <a:effectLst/>
+      </p:bgPr>
+    </p:bg>
+    <p:spTree>
+      <p:nvGrpSpPr>
+        <p:cNvPr id="1" name=""/>
+        <p:cNvGrpSpPr/>
+        <p:nvPr/>
+      </p:nvGrpSpPr>
+      <p:grpSpPr>
+        <a:xfrm>
+          <a:off x="0" y="0"/>
+          <a:ext cx="0" cy="0"/>
+          <a:chOff x="0" y="0"/>
+          <a:chExt cx="0" cy="0"/>
+        </a:xfrm>
+      </p:grpSpPr>
+      <p:sp>
+        <p:nvSpPr>
+          <p:cNvPr id="6" name="직사각형 5">
+            <a:extLst>
+              <a:ext uri="{FF2B5EF4-FFF2-40B4-BE49-F238E27FC236}">
+                <a16:creationId xmlns:a16="http://schemas.microsoft.com/office/drawing/2014/main" id="{AB6B5046-07C0-43A9-AA7C-8D7835269858}"/>
+              </a:ext>
+            </a:extLst>
+          </p:cNvPr>
+          <p:cNvSpPr/>
+          <p:nvPr/>
+        </p:nvSpPr>
+        <p:spPr>
+          <a:xfrm>
+            <a:off x="0" y="0"/>
+            <a:ext cx="12192000" cy="1067917"/>
+          </a:xfrm>
+          <a:prstGeom prst="rect">
+            <a:avLst/>
+          </a:prstGeom>
+          <a:gradFill flip="none" rotWithShape="1">
+            <a:gsLst>
+              <a:gs pos="10000">
+                <a:srgbClr val="000E2B">
+                  <a:alpha val="0"/>
+                </a:srgbClr>
+              </a:gs>
+              <a:gs pos="100000">
+                <a:srgbClr val="03C6AB"/>
+              </a:gs>
+            </a:gsLst>
+            <a:lin ang="16200000" scaled="1"/>
+            <a:tileRect/>
+          </a:gradFill>
+          <a:ln>
+            <a:noFill/>
+          </a:ln>
+        </p:spPr>
+        <p:style>
+          <a:lnRef idx="2">
+            <a:schemeClr val="accent1">
+              <a:shade val="50000"/>
+            </a:schemeClr>
+          </a:lnRef>
+          <a:fillRef idx="1">
+            <a:schemeClr val="accent1"/>
+          </a:fillRef>
+          <a:effectRef idx="0">
+            <a:schemeClr val="accent1"/>
+          </a:effectRef>
+          <a:fontRef idx="minor">
+            <a:schemeClr val="lt1"/>
+          </a:fontRef>
+        </p:style>
+        <p:txBody>
+          <a:bodyPr rtlCol="0" anchor="ctr"/>
+          <a:lstStyle/>
+          <a:p>
+            <a:pPr algn="ctr" latinLnBrk="0">
+              <a:defRPr/>
+            </a:pPr>
+            <a:r>
+              <a:rPr lang="en-US" altLang="ko-KR" sz="2400" b="1" i="1" kern="0" dirty="0">
+                <a:solidFill>
+                  <a:prstClr val="white"/>
+                </a:solidFill>
+              </a:rPr>
+              <a:t>Implemented Functions</a:t>
+            </a:r>
+          </a:p>
+        </p:txBody>
+      </p:sp>
+      <p:cxnSp>
+        <p:nvCxnSpPr>
+          <p:cNvPr id="3" name="직선 연결선 2">
+            <a:extLst>
+              <a:ext uri="{FF2B5EF4-FFF2-40B4-BE49-F238E27FC236}">
+                <a16:creationId xmlns:a16="http://schemas.microsoft.com/office/drawing/2014/main" id="{58387BDA-24A2-4432-AEDE-4F5F1621D6D4}"/>
+              </a:ext>
+            </a:extLst>
+          </p:cNvPr>
+          <p:cNvCxnSpPr>
+            <a:cxnSpLocks/>
+          </p:cNvCxnSpPr>
+          <p:nvPr/>
+        </p:nvCxnSpPr>
+        <p:spPr>
+          <a:xfrm>
+            <a:off x="5550816" y="163430"/>
+            <a:ext cx="1080000" cy="0"/>
+          </a:xfrm>
+          <a:prstGeom prst="line">
+            <a:avLst/>
+          </a:prstGeom>
+          <a:ln w="12700">
+            <a:solidFill>
+              <a:srgbClr val="03C6AB"/>
+            </a:solidFill>
+          </a:ln>
+        </p:spPr>
+        <p:style>
+          <a:lnRef idx="1">
+            <a:schemeClr val="accent1"/>
+          </a:lnRef>
+          <a:fillRef idx="0">
+            <a:schemeClr val="accent1"/>
+          </a:fillRef>
+          <a:effectRef idx="0">
+            <a:schemeClr val="accent1"/>
+          </a:effectRef>
+          <a:fontRef idx="minor">
+            <a:schemeClr val="tx1"/>
+          </a:fontRef>
+        </p:style>
+      </p:cxnSp>
+      <p:sp>
+        <p:nvSpPr>
+          <p:cNvPr id="4" name="TextBox 3">
+            <a:extLst>
+              <a:ext uri="{FF2B5EF4-FFF2-40B4-BE49-F238E27FC236}">
+                <a16:creationId xmlns:a16="http://schemas.microsoft.com/office/drawing/2014/main" id="{9120B45C-F48C-406B-875B-E808702D2ECF}"/>
+              </a:ext>
+            </a:extLst>
+          </p:cNvPr>
+          <p:cNvSpPr txBox="1"/>
+          <p:nvPr/>
+        </p:nvSpPr>
+        <p:spPr>
+          <a:xfrm>
+            <a:off x="3070298" y="2188564"/>
+            <a:ext cx="6041036" cy="3231654"/>
+          </a:xfrm>
+          <a:prstGeom prst="rect">
+            <a:avLst/>
+          </a:prstGeom>
+          <a:noFill/>
+        </p:spPr>
+        <p:txBody>
+          <a:bodyPr wrap="square" rtlCol="0">
+            <a:spAutoFit/>
+          </a:bodyPr>
+          <a:lstStyle/>
+          <a:p>
+            <a:pPr marL="285750" indent="-285750" algn="ctr">
+              <a:buFont typeface="Arial" panose="020B0604020202020204" pitchFamily="34" charset="0"/>
+              <a:buChar char="•"/>
+            </a:pPr>
+            <a:r>
+              <a:rPr lang="en-US" altLang="ko-KR" sz="2000" dirty="0">
+                <a:solidFill>
+                  <a:schemeClr val="bg1"/>
+                </a:solidFill>
+              </a:rPr>
+              <a:t>Save and Loading</a:t>
+            </a:r>
+            <a:r>
+              <a:rPr lang="ko-KR" altLang="en-US" sz="2000" dirty="0">
+                <a:solidFill>
+                  <a:schemeClr val="bg1"/>
+                </a:solidFill>
+              </a:rPr>
+              <a:t> </a:t>
+            </a:r>
+            <a:r>
+              <a:rPr lang="en-US" altLang="ko-KR" sz="2000" dirty="0">
+                <a:solidFill>
+                  <a:schemeClr val="bg1"/>
+                </a:solidFill>
+              </a:rPr>
+              <a:t>Blockchain</a:t>
+            </a:r>
+          </a:p>
+          <a:p>
+            <a:pPr algn="ctr"/>
+            <a:r>
+              <a:rPr lang="en-US" altLang="ko-KR" sz="1600" dirty="0">
+                <a:solidFill>
+                  <a:schemeClr val="bg1"/>
+                </a:solidFill>
+              </a:rPr>
+              <a:t>(Object</a:t>
+            </a:r>
+            <a:r>
+              <a:rPr lang="ko-KR" altLang="en-US" sz="1600" dirty="0">
+                <a:solidFill>
+                  <a:schemeClr val="bg1"/>
+                </a:solidFill>
+              </a:rPr>
+              <a:t> </a:t>
+            </a:r>
+            <a:r>
+              <a:rPr lang="en-US" altLang="ko-KR" sz="1600" dirty="0">
+                <a:solidFill>
+                  <a:schemeClr val="bg1"/>
+                </a:solidFill>
+              </a:rPr>
+              <a:t>Serialization)</a:t>
+            </a:r>
+          </a:p>
+          <a:p>
+            <a:pPr marL="285750" indent="-285750" algn="ctr">
+              <a:buFont typeface="Arial" panose="020B0604020202020204" pitchFamily="34" charset="0"/>
+              <a:buChar char="•"/>
+            </a:pPr>
+            <a:endParaRPr lang="en-US" altLang="ko-KR" sz="2000" dirty="0">
+              <a:solidFill>
+                <a:schemeClr val="bg1"/>
+              </a:solidFill>
+            </a:endParaRPr>
+          </a:p>
+          <a:p>
+            <a:pPr marL="285750" indent="-285750" algn="ctr">
+              <a:buFont typeface="Arial" panose="020B0604020202020204" pitchFamily="34" charset="0"/>
+              <a:buChar char="•"/>
+            </a:pPr>
+            <a:r>
+              <a:rPr lang="en-US" altLang="ko-KR" sz="2000" dirty="0">
+                <a:solidFill>
+                  <a:schemeClr val="bg1"/>
+                </a:solidFill>
+              </a:rPr>
+              <a:t>Mining and Distributing Block</a:t>
+            </a:r>
+          </a:p>
+          <a:p>
+            <a:pPr algn="ctr"/>
+            <a:r>
+              <a:rPr lang="en-US" altLang="ko-KR" sz="1600" dirty="0">
+                <a:solidFill>
+                  <a:schemeClr val="bg1"/>
+                </a:solidFill>
+              </a:rPr>
+              <a:t>(Hash, Object Serialization, Socket Comm)</a:t>
+            </a:r>
+          </a:p>
+          <a:p>
+            <a:pPr marL="285750" indent="-285750" algn="ctr">
+              <a:buFont typeface="Arial" panose="020B0604020202020204" pitchFamily="34" charset="0"/>
+              <a:buChar char="•"/>
+            </a:pPr>
+            <a:endParaRPr lang="en-US" altLang="ko-KR" sz="2000" dirty="0">
+              <a:solidFill>
+                <a:schemeClr val="bg1"/>
+              </a:solidFill>
+            </a:endParaRPr>
+          </a:p>
+          <a:p>
+            <a:pPr marL="285750" indent="-285750" algn="ctr">
+              <a:buFont typeface="Arial" panose="020B0604020202020204" pitchFamily="34" charset="0"/>
+              <a:buChar char="•"/>
+            </a:pPr>
+            <a:r>
+              <a:rPr lang="en-US" altLang="ko-KR" sz="2000" dirty="0">
+                <a:solidFill>
+                  <a:schemeClr val="bg1"/>
+                </a:solidFill>
+              </a:rPr>
+              <a:t>P2P Network</a:t>
+            </a:r>
+          </a:p>
+          <a:p>
+            <a:pPr algn="ctr"/>
+            <a:r>
+              <a:rPr lang="en-US" altLang="ko-KR" sz="1600" dirty="0">
+                <a:solidFill>
+                  <a:schemeClr val="bg1"/>
+                </a:solidFill>
+              </a:rPr>
+              <a:t>(Nodes IP Managing List, Thread)</a:t>
+            </a:r>
+          </a:p>
+          <a:p>
+            <a:pPr marL="285750" indent="-285750" algn="ctr">
+              <a:buFont typeface="Arial" panose="020B0604020202020204" pitchFamily="34" charset="0"/>
+              <a:buChar char="•"/>
+            </a:pPr>
+            <a:endParaRPr lang="en-US" altLang="ko-KR" sz="2000" dirty="0">
+              <a:solidFill>
+                <a:schemeClr val="bg1"/>
+              </a:solidFill>
+            </a:endParaRPr>
+          </a:p>
+          <a:p>
+            <a:pPr marL="285750" indent="-285750" algn="ctr">
+              <a:buFont typeface="Arial" panose="020B0604020202020204" pitchFamily="34" charset="0"/>
+              <a:buChar char="•"/>
+            </a:pPr>
+            <a:r>
+              <a:rPr lang="en-US" altLang="ko-KR" sz="2000" dirty="0">
+                <a:solidFill>
+                  <a:schemeClr val="bg1"/>
+                </a:solidFill>
+              </a:rPr>
+              <a:t>Validating and Applying Received Block</a:t>
+            </a:r>
+          </a:p>
+          <a:p>
+            <a:pPr algn="ctr"/>
+            <a:r>
+              <a:rPr lang="en-US" altLang="ko-KR" sz="1600" dirty="0">
+                <a:solidFill>
+                  <a:schemeClr val="bg1"/>
+                </a:solidFill>
+              </a:rPr>
+              <a:t>(Hash, Object Serialization, Socket Comm)</a:t>
+            </a:r>
+          </a:p>
+        </p:txBody>
+      </p:sp>
+    </p:spTree>
+    <p:extLst>
+      <p:ext uri="{BB962C8B-B14F-4D97-AF65-F5344CB8AC3E}">
+        <p14:creationId xmlns:p14="http://schemas.microsoft.com/office/powerpoint/2010/main" val="1367888206"/>
+      </p:ext>
+    </p:extLst>
+  </p:cSld>
+  <p:clrMapOvr>
+    <a:masterClrMapping/>
+  </p:clrMapOvr>
+  <mc:AlternateContent xmlns:mc="http://schemas.openxmlformats.org/markup-compatibility/2006" xmlns:p14="http://schemas.microsoft.com/office/powerpoint/2010/main">
+    <mc:Choice Requires="p14">
+      <p:transition spd="med" p14:dur="700">
+        <p:fade/>
+      </p:transition>
+    </mc:Choice>
+    <mc:Fallback xmlns="">
+      <p:transition spd="med">
+        <p:fade/>
+      </p:transition>
+    </mc:Fallback>
+  </mc:AlternateContent>
+</p:sld>
+</file>
+
+<file path=ppt/slides/slide4.xml><?xml version="1.0" encoding="utf-8"?>
+<p:sld xmlns:a="http://schemas.openxmlformats.org/drawingml/2006/main" xmlns:r="http://schemas.openxmlformats.org/officeDocument/2006/relationships" xmlns:p="http://schemas.openxmlformats.org/presentationml/2006/main">
+  <p:cSld>
+    <p:bg>
+      <p:bgPr>
+        <a:solidFill>
+          <a:srgbClr val="000E2B"/>
+        </a:solidFill>
+        <a:effectLst/>
+      </p:bgPr>
+    </p:bg>
+    <p:spTree>
+      <p:nvGrpSpPr>
+        <p:cNvPr id="1" name=""/>
+        <p:cNvGrpSpPr/>
+        <p:nvPr/>
+      </p:nvGrpSpPr>
+      <p:grpSpPr>
+        <a:xfrm>
+          <a:off x="0" y="0"/>
+          <a:ext cx="0" cy="0"/>
+          <a:chOff x="0" y="0"/>
+          <a:chExt cx="0" cy="0"/>
+        </a:xfrm>
+      </p:grpSpPr>
+      <p:sp>
+        <p:nvSpPr>
+          <p:cNvPr id="203" name="TextBox 202"/>
+          <p:cNvSpPr txBox="1"/>
+          <p:nvPr/>
+        </p:nvSpPr>
+        <p:spPr>
+          <a:xfrm>
+            <a:off x="1709028" y="4984218"/>
+            <a:ext cx="1568058" cy="369332"/>
+          </a:xfrm>
+          <a:prstGeom prst="rect">
+            <a:avLst/>
+          </a:prstGeom>
+          <a:noFill/>
+        </p:spPr>
+        <p:txBody>
+          <a:bodyPr wrap="none" rtlCol="0">
+            <a:spAutoFit/>
+          </a:bodyPr>
+          <a:lstStyle/>
+          <a:p>
+            <a:r>
+              <a:rPr lang="en-US" altLang="ko-KR" kern="0" dirty="0" err="1">
+                <a:solidFill>
+                  <a:prstClr val="white"/>
+                </a:solidFill>
+              </a:rPr>
+              <a:t>zxcvasdfqwer</a:t>
+            </a:r>
+            <a:endParaRPr lang="ko-KR" altLang="en-US" dirty="0">
+              <a:solidFill>
+                <a:prstClr val="white"/>
+              </a:solidFill>
+            </a:endParaRPr>
+          </a:p>
+        </p:txBody>
+      </p:sp>
+      <p:sp>
+        <p:nvSpPr>
+          <p:cNvPr id="12" name="TextBox 11">
+            <a:extLst>
+              <a:ext uri="{FF2B5EF4-FFF2-40B4-BE49-F238E27FC236}">
+                <a16:creationId xmlns:a16="http://schemas.microsoft.com/office/drawing/2014/main" id="{36784EF2-97B4-4031-BC12-ACDFF9428DE2}"/>
+              </a:ext>
+            </a:extLst>
+          </p:cNvPr>
+          <p:cNvSpPr txBox="1"/>
+          <p:nvPr/>
+        </p:nvSpPr>
+        <p:spPr>
+          <a:xfrm>
+            <a:off x="8711933" y="4984218"/>
+            <a:ext cx="1598515" cy="369332"/>
+          </a:xfrm>
+          <a:prstGeom prst="rect">
+            <a:avLst/>
+          </a:prstGeom>
+          <a:noFill/>
+        </p:spPr>
+        <p:txBody>
+          <a:bodyPr wrap="none" rtlCol="0">
+            <a:spAutoFit/>
+          </a:bodyPr>
+          <a:lstStyle/>
+          <a:p>
+            <a:r>
+              <a:rPr lang="en-US" altLang="ko-KR" kern="0" dirty="0" err="1">
+                <a:solidFill>
+                  <a:prstClr val="white"/>
+                </a:solidFill>
+              </a:rPr>
+              <a:t>poiulkjhmnbv</a:t>
+            </a:r>
+            <a:endParaRPr lang="ko-KR" altLang="en-US" dirty="0">
+              <a:solidFill>
+                <a:prstClr val="white"/>
+              </a:solidFill>
+            </a:endParaRPr>
+          </a:p>
+        </p:txBody>
+      </p:sp>
+      <p:sp>
+        <p:nvSpPr>
+          <p:cNvPr id="8" name="직사각형 7">
+            <a:extLst>
+              <a:ext uri="{FF2B5EF4-FFF2-40B4-BE49-F238E27FC236}">
+                <a16:creationId xmlns:a16="http://schemas.microsoft.com/office/drawing/2014/main" id="{95482110-FC2D-4606-B03D-47A2CA67CF33}"/>
+              </a:ext>
+            </a:extLst>
+          </p:cNvPr>
+          <p:cNvSpPr/>
+          <p:nvPr/>
+        </p:nvSpPr>
+        <p:spPr>
+          <a:xfrm>
+            <a:off x="5286670" y="1879085"/>
+            <a:ext cx="1967346" cy="1331649"/>
+          </a:xfrm>
+          <a:prstGeom prst="rect">
+            <a:avLst/>
+          </a:prstGeom>
+          <a:solidFill>
+            <a:srgbClr val="000E2B"/>
+          </a:solidFill>
+          <a:ln w="38100">
+            <a:solidFill>
+              <a:srgbClr val="03C6AB"/>
+            </a:solidFill>
+          </a:ln>
+        </p:spPr>
+        <p:style>
+          <a:lnRef idx="2">
+            <a:schemeClr val="accent1">
+              <a:shade val="50000"/>
+            </a:schemeClr>
+          </a:lnRef>
+          <a:fillRef idx="1">
+            <a:schemeClr val="accent1"/>
+          </a:fillRef>
+          <a:effectRef idx="0">
+            <a:schemeClr val="accent1"/>
+          </a:effectRef>
+          <a:fontRef idx="minor">
+            <a:schemeClr val="lt1"/>
+          </a:fontRef>
+        </p:style>
+        <p:txBody>
+          <a:bodyPr rtlCol="0" anchor="ctr"/>
+          <a:lstStyle/>
+          <a:p>
+            <a:pPr algn="ctr"/>
+            <a:r>
+              <a:rPr lang="en-US" altLang="ko-KR" dirty="0"/>
+              <a:t>Block 123</a:t>
+            </a:r>
+          </a:p>
+          <a:p>
+            <a:pPr algn="ctr"/>
+            <a:r>
+              <a:rPr lang="en-US" altLang="ko-KR" dirty="0"/>
+              <a:t>(0xaaaaaaaa)</a:t>
+            </a:r>
+            <a:endParaRPr lang="ko-KR" altLang="en-US" dirty="0"/>
+          </a:p>
+        </p:txBody>
+      </p:sp>
+      <p:sp>
+        <p:nvSpPr>
+          <p:cNvPr id="10" name="직사각형 9">
+            <a:extLst>
+              <a:ext uri="{FF2B5EF4-FFF2-40B4-BE49-F238E27FC236}">
+                <a16:creationId xmlns:a16="http://schemas.microsoft.com/office/drawing/2014/main" id="{4A8D31A7-EC33-43E9-8F8A-0E9C013E170C}"/>
+              </a:ext>
+            </a:extLst>
+          </p:cNvPr>
+          <p:cNvSpPr/>
+          <p:nvPr/>
+        </p:nvSpPr>
+        <p:spPr>
+          <a:xfrm>
+            <a:off x="1509384" y="1879085"/>
+            <a:ext cx="1967346" cy="1331649"/>
+          </a:xfrm>
+          <a:prstGeom prst="rect">
+            <a:avLst/>
+          </a:prstGeom>
+          <a:solidFill>
+            <a:srgbClr val="000E2B"/>
+          </a:solidFill>
+          <a:ln w="38100">
+            <a:solidFill>
+              <a:srgbClr val="03C6AB"/>
+            </a:solidFill>
+          </a:ln>
+        </p:spPr>
+        <p:style>
+          <a:lnRef idx="2">
+            <a:schemeClr val="accent1">
+              <a:shade val="50000"/>
+            </a:schemeClr>
+          </a:lnRef>
+          <a:fillRef idx="1">
+            <a:schemeClr val="accent1"/>
+          </a:fillRef>
+          <a:effectRef idx="0">
+            <a:schemeClr val="accent1"/>
+          </a:effectRef>
+          <a:fontRef idx="minor">
+            <a:schemeClr val="lt1"/>
+          </a:fontRef>
+        </p:style>
+        <p:txBody>
+          <a:bodyPr rtlCol="0" anchor="ctr"/>
+          <a:lstStyle/>
+          <a:p>
+            <a:pPr algn="ctr"/>
+            <a:r>
+              <a:rPr lang="en-US" altLang="ko-KR" dirty="0"/>
+              <a:t>Block 123</a:t>
+            </a:r>
+          </a:p>
+          <a:p>
+            <a:pPr algn="ctr"/>
+            <a:r>
+              <a:rPr lang="en-US" altLang="ko-KR" dirty="0"/>
+              <a:t>(0x11111111)</a:t>
+            </a:r>
+            <a:endParaRPr lang="ko-KR" altLang="en-US" dirty="0"/>
+          </a:p>
+        </p:txBody>
+      </p:sp>
+      <p:sp>
+        <p:nvSpPr>
+          <p:cNvPr id="6" name="직사각형 5">
+            <a:extLst>
+              <a:ext uri="{FF2B5EF4-FFF2-40B4-BE49-F238E27FC236}">
+                <a16:creationId xmlns:a16="http://schemas.microsoft.com/office/drawing/2014/main" id="{AB6B5046-07C0-43A9-AA7C-8D7835269858}"/>
+              </a:ext>
+            </a:extLst>
+          </p:cNvPr>
+          <p:cNvSpPr/>
+          <p:nvPr/>
+        </p:nvSpPr>
+        <p:spPr>
+          <a:xfrm>
+            <a:off x="0" y="0"/>
+            <a:ext cx="12192000" cy="1067917"/>
+          </a:xfrm>
+          <a:prstGeom prst="rect">
+            <a:avLst/>
+          </a:prstGeom>
+          <a:gradFill flip="none" rotWithShape="1">
+            <a:gsLst>
+              <a:gs pos="10000">
+                <a:srgbClr val="000E2B">
+                  <a:alpha val="0"/>
+                </a:srgbClr>
+              </a:gs>
+              <a:gs pos="100000">
+                <a:srgbClr val="03C6AB"/>
+              </a:gs>
+            </a:gsLst>
+            <a:lin ang="16200000" scaled="1"/>
+            <a:tileRect/>
+          </a:gradFill>
+          <a:ln>
+            <a:noFill/>
+          </a:ln>
+        </p:spPr>
+        <p:style>
+          <a:lnRef idx="2">
+            <a:schemeClr val="accent1">
+              <a:shade val="50000"/>
+            </a:schemeClr>
+          </a:lnRef>
+          <a:fillRef idx="1">
+            <a:schemeClr val="accent1"/>
+          </a:fillRef>
+          <a:effectRef idx="0">
+            <a:schemeClr val="accent1"/>
+          </a:effectRef>
+          <a:fontRef idx="minor">
+            <a:schemeClr val="lt1"/>
+          </a:fontRef>
+        </p:style>
+        <p:txBody>
+          <a:bodyPr rtlCol="0" anchor="ctr"/>
+          <a:lstStyle/>
+          <a:p>
+            <a:pPr algn="ctr" latinLnBrk="0">
+              <a:defRPr/>
+            </a:pPr>
+            <a:r>
+              <a:rPr lang="en-US" altLang="ko-KR" sz="2400" b="1" i="1" kern="0" dirty="0">
+                <a:solidFill>
+                  <a:prstClr val="white"/>
+                </a:solidFill>
+              </a:rPr>
+              <a:t>Most Troublesome Problem</a:t>
+            </a:r>
+          </a:p>
+        </p:txBody>
+      </p:sp>
+      <p:cxnSp>
+        <p:nvCxnSpPr>
+          <p:cNvPr id="3" name="직선 연결선 2">
+            <a:extLst>
+              <a:ext uri="{FF2B5EF4-FFF2-40B4-BE49-F238E27FC236}">
+                <a16:creationId xmlns:a16="http://schemas.microsoft.com/office/drawing/2014/main" id="{58387BDA-24A2-4432-AEDE-4F5F1621D6D4}"/>
+              </a:ext>
+            </a:extLst>
+          </p:cNvPr>
+          <p:cNvCxnSpPr>
+            <a:cxnSpLocks/>
+          </p:cNvCxnSpPr>
+          <p:nvPr/>
+        </p:nvCxnSpPr>
+        <p:spPr>
+          <a:xfrm>
+            <a:off x="5550816" y="163430"/>
+            <a:ext cx="1080000" cy="0"/>
+          </a:xfrm>
+          <a:prstGeom prst="line">
+            <a:avLst/>
+          </a:prstGeom>
+          <a:ln w="12700">
+            <a:solidFill>
+              <a:srgbClr val="03C6AB"/>
+            </a:solidFill>
+          </a:ln>
+        </p:spPr>
+        <p:style>
+          <a:lnRef idx="1">
+            <a:schemeClr val="accent1"/>
+          </a:lnRef>
+          <a:fillRef idx="0">
+            <a:schemeClr val="accent1"/>
+          </a:fillRef>
+          <a:effectRef idx="0">
+            <a:schemeClr val="accent1"/>
+          </a:effectRef>
+          <a:fontRef idx="minor">
+            <a:schemeClr val="tx1"/>
+          </a:fontRef>
+        </p:style>
+      </p:cxnSp>
+      <p:sp>
+        <p:nvSpPr>
+          <p:cNvPr id="7" name="직사각형 6">
+            <a:extLst>
+              <a:ext uri="{FF2B5EF4-FFF2-40B4-BE49-F238E27FC236}">
+                <a16:creationId xmlns:a16="http://schemas.microsoft.com/office/drawing/2014/main" id="{A44BAC03-7284-4C44-9199-042EC5D1BE9A}"/>
+              </a:ext>
+            </a:extLst>
+          </p:cNvPr>
+          <p:cNvSpPr/>
+          <p:nvPr/>
+        </p:nvSpPr>
+        <p:spPr>
+          <a:xfrm>
+            <a:off x="1509384" y="1879085"/>
+            <a:ext cx="1967346" cy="1331649"/>
+          </a:xfrm>
+          <a:prstGeom prst="rect">
+            <a:avLst/>
+          </a:prstGeom>
+          <a:solidFill>
+            <a:srgbClr val="000E2B"/>
+          </a:solidFill>
+          <a:ln w="38100">
+            <a:solidFill>
+              <a:srgbClr val="03C6AB"/>
+            </a:solidFill>
+          </a:ln>
+        </p:spPr>
+        <p:style>
+          <a:lnRef idx="2">
+            <a:schemeClr val="accent1">
+              <a:shade val="50000"/>
+            </a:schemeClr>
+          </a:lnRef>
+          <a:fillRef idx="1">
+            <a:schemeClr val="accent1"/>
+          </a:fillRef>
+          <a:effectRef idx="0">
+            <a:schemeClr val="accent1"/>
+          </a:effectRef>
+          <a:fontRef idx="minor">
+            <a:schemeClr val="lt1"/>
+          </a:fontRef>
+        </p:style>
+        <p:txBody>
+          <a:bodyPr rtlCol="0" anchor="ctr"/>
+          <a:lstStyle/>
+          <a:p>
+            <a:pPr algn="ctr"/>
+            <a:r>
+              <a:rPr lang="en-US" altLang="ko-KR" dirty="0"/>
+              <a:t>Block 123</a:t>
+            </a:r>
+          </a:p>
+          <a:p>
+            <a:pPr algn="ctr"/>
+            <a:r>
+              <a:rPr lang="en-US" altLang="ko-KR" dirty="0"/>
+              <a:t>(0x11111111)</a:t>
+            </a:r>
+            <a:endParaRPr lang="ko-KR" altLang="en-US" dirty="0"/>
+          </a:p>
+        </p:txBody>
+      </p:sp>
+      <p:sp>
+        <p:nvSpPr>
+          <p:cNvPr id="2" name="구름 1">
+            <a:extLst>
+              <a:ext uri="{FF2B5EF4-FFF2-40B4-BE49-F238E27FC236}">
+                <a16:creationId xmlns:a16="http://schemas.microsoft.com/office/drawing/2014/main" id="{DE6478E5-2BCF-4609-AC4D-63C303476550}"/>
+              </a:ext>
+            </a:extLst>
+          </p:cNvPr>
+          <p:cNvSpPr/>
+          <p:nvPr/>
+        </p:nvSpPr>
+        <p:spPr>
+          <a:xfrm>
+            <a:off x="4350082" y="1390976"/>
+            <a:ext cx="3510739" cy="2307866"/>
+          </a:xfrm>
+          <a:prstGeom prst="cloud">
+            <a:avLst/>
+          </a:prstGeom>
+          <a:solidFill>
+            <a:schemeClr val="accent1">
+              <a:lumMod val="20000"/>
+              <a:lumOff val="80000"/>
+            </a:schemeClr>
+          </a:solidFill>
+          <a:ln>
+            <a:noFill/>
+          </a:ln>
+        </p:spPr>
+        <p:style>
+          <a:lnRef idx="2">
+            <a:schemeClr val="accent1">
+              <a:shade val="50000"/>
+            </a:schemeClr>
+          </a:lnRef>
+          <a:fillRef idx="1">
+            <a:schemeClr val="accent1"/>
+          </a:fillRef>
+          <a:effectRef idx="0">
+            <a:schemeClr val="accent1"/>
+          </a:effectRef>
+          <a:fontRef idx="minor">
+            <a:schemeClr val="lt1"/>
+          </a:fontRef>
+        </p:style>
+        <p:txBody>
+          <a:bodyPr rtlCol="0" anchor="ctr"/>
+          <a:lstStyle/>
+          <a:p>
+            <a:pPr algn="ctr"/>
+            <a:r>
+              <a:rPr lang="en-US" altLang="ko-KR" dirty="0">
+                <a:solidFill>
+                  <a:schemeClr val="tx2"/>
+                </a:solidFill>
+              </a:rPr>
+              <a:t>Some</a:t>
+            </a:r>
+          </a:p>
+          <a:p>
+            <a:pPr algn="ctr"/>
+            <a:r>
+              <a:rPr lang="en-US" altLang="ko-KR" dirty="0">
+                <a:solidFill>
+                  <a:schemeClr val="tx2"/>
+                </a:solidFill>
+              </a:rPr>
+              <a:t>State Change</a:t>
+            </a:r>
+          </a:p>
+          <a:p>
+            <a:pPr algn="ctr"/>
+            <a:r>
+              <a:rPr lang="en-US" altLang="ko-KR" dirty="0">
+                <a:solidFill>
+                  <a:schemeClr val="tx2"/>
+                </a:solidFill>
+              </a:rPr>
+              <a:t>(i.e. Network Comm, Process on/off)</a:t>
+            </a:r>
+            <a:endParaRPr lang="ko-KR" altLang="en-US" dirty="0">
+              <a:solidFill>
+                <a:schemeClr val="tx2"/>
+              </a:solidFill>
+            </a:endParaRPr>
+          </a:p>
+        </p:txBody>
+      </p:sp>
+      <p:sp>
+        <p:nvSpPr>
+          <p:cNvPr id="11" name="직사각형 10">
+            <a:extLst>
+              <a:ext uri="{FF2B5EF4-FFF2-40B4-BE49-F238E27FC236}">
+                <a16:creationId xmlns:a16="http://schemas.microsoft.com/office/drawing/2014/main" id="{9BEDC2A9-9FCC-47BA-98D2-4879CB8BD80E}"/>
+              </a:ext>
+            </a:extLst>
+          </p:cNvPr>
+          <p:cNvSpPr/>
+          <p:nvPr/>
+        </p:nvSpPr>
+        <p:spPr>
+          <a:xfrm>
+            <a:off x="1246212" y="3867463"/>
+            <a:ext cx="9636647" cy="1486088"/>
+          </a:xfrm>
+          <a:prstGeom prst="rect">
+            <a:avLst/>
+          </a:prstGeom>
+          <a:solidFill>
+            <a:srgbClr val="000E2B"/>
+          </a:solidFill>
+          <a:ln w="38100">
+            <a:solidFill>
+              <a:srgbClr val="03C6AB"/>
+            </a:solidFill>
+          </a:ln>
+        </p:spPr>
+        <p:style>
+          <a:lnRef idx="2">
+            <a:schemeClr val="accent1">
+              <a:shade val="50000"/>
+            </a:schemeClr>
+          </a:lnRef>
+          <a:fillRef idx="1">
+            <a:schemeClr val="accent1"/>
+          </a:fillRef>
+          <a:effectRef idx="0">
+            <a:schemeClr val="accent1"/>
+          </a:effectRef>
+          <a:fontRef idx="minor">
+            <a:schemeClr val="lt1"/>
+          </a:fontRef>
+        </p:style>
+        <p:txBody>
+          <a:bodyPr rtlCol="0" anchor="ctr"/>
+          <a:lstStyle/>
+          <a:p>
+            <a:pPr algn="ctr"/>
+            <a:r>
+              <a:rPr lang="en-US" altLang="ko-KR" dirty="0"/>
+              <a:t>hashing(Object o) {…}</a:t>
+            </a:r>
+            <a:endParaRPr lang="ko-KR" altLang="en-US" dirty="0"/>
+          </a:p>
+        </p:txBody>
+      </p:sp>
+    </p:spTree>
+    <p:extLst>
+      <p:ext uri="{BB962C8B-B14F-4D97-AF65-F5344CB8AC3E}">
+        <p14:creationId xmlns:p14="http://schemas.microsoft.com/office/powerpoint/2010/main" val="1541223334"/>
+      </p:ext>
+    </p:extLst>
+  </p:cSld>
+  <p:clrMapOvr>
+    <a:masterClrMapping/>
+  </p:clrMapOvr>
+  <mc:AlternateContent xmlns:mc="http://schemas.openxmlformats.org/markup-compatibility/2006" xmlns:p14="http://schemas.microsoft.com/office/powerpoint/2010/main">
+    <mc:Choice Requires="p14">
+      <p:transition spd="med" p14:dur="700">
+        <p:fade/>
+      </p:transition>
+    </mc:Choice>
+    <mc:Fallback xmlns="">
+      <p:transition spd="med">
+        <p:fade/>
+      </p:transition>
+    </mc:Fallback>
+  </mc:AlternateContent>
+  <p:timing>
+    <p:tnLst>
+      <p:par>
+        <p:cTn id="1" dur="indefinite" restart="never" nodeType="tmRoot">
+          <p:childTnLst>
+            <p:seq concurrent="1" nextAc="seek">
+              <p:cTn id="2" dur="indefinite" nodeType="mainSeq">
+                <p:childTnLst>
+                  <p:par>
+                    <p:cTn id="3" fill="hold">
+                      <p:stCondLst>
+                        <p:cond delay="indefinite"/>
+                      </p:stCondLst>
+                      <p:childTnLst>
+                        <p:par>
+                          <p:cTn id="4" fill="hold">
+                            <p:stCondLst>
+                              <p:cond delay="0"/>
+                            </p:stCondLst>
+                            <p:childTnLst>
+                              <p:par>
+                                <p:cTn id="5" presetID="42" presetClass="path" presetSubtype="0" accel="50000" decel="50000" fill="hold" grpId="0" nodeType="clickEffect">
+                                  <p:stCondLst>
+                                    <p:cond delay="0"/>
+                                  </p:stCondLst>
+                                  <p:childTnLst>
+                                    <p:animMotion origin="layout" path="M 2.91667E-6 -4.81481E-6 L 0.26653 0.00487 " pathEditMode="relative" rAng="0" ptsTypes="AA">
+                                      <p:cBhvr>
+                                        <p:cTn id="6" dur="1000" fill="hold"/>
+                                        <p:tgtEl>
+                                          <p:spTgt spid="10"/>
+                                        </p:tgtEl>
+                                        <p:attrNameLst>
+                                          <p:attrName>ppt_x</p:attrName>
+                                          <p:attrName>ppt_y</p:attrName>
+                                        </p:attrNameLst>
+                                      </p:cBhvr>
+                                      <p:rCtr x="13320" y="231"/>
+                                    </p:animMotion>
+                                  </p:childTnLst>
+                                </p:cTn>
+                              </p:par>
+                            </p:childTnLst>
+                          </p:cTn>
+                        </p:par>
+                        <p:par>
+                          <p:cTn id="7" fill="hold">
+                            <p:stCondLst>
+                              <p:cond delay="1000"/>
+                            </p:stCondLst>
+                            <p:childTnLst>
+                              <p:par>
+                                <p:cTn id="8" presetID="42" presetClass="path" presetSubtype="0" accel="50000" decel="50000" fill="hold" grpId="0" nodeType="afterEffect">
+                                  <p:stCondLst>
+                                    <p:cond delay="0"/>
+                                  </p:stCondLst>
+                                  <p:childTnLst>
+                                    <p:animMotion origin="layout" path="M -2.70833E-6 -4.81481E-6 L 0.26771 0.00278 " pathEditMode="relative" rAng="0" ptsTypes="AA">
+                                      <p:cBhvr>
+                                        <p:cTn id="9" dur="1000" fill="hold"/>
+                                        <p:tgtEl>
+                                          <p:spTgt spid="8"/>
+                                        </p:tgtEl>
+                                        <p:attrNameLst>
+                                          <p:attrName>ppt_x</p:attrName>
+                                          <p:attrName>ppt_y</p:attrName>
+                                        </p:attrNameLst>
+                                      </p:cBhvr>
+                                      <p:rCtr x="13385" y="139"/>
+                                    </p:animMotion>
+                                  </p:childTnLst>
+                                </p:cTn>
+                              </p:par>
+                            </p:childTnLst>
+                          </p:cTn>
+                        </p:par>
+                      </p:childTnLst>
+                    </p:cTn>
+                  </p:par>
+                  <p:par>
+                    <p:cTn id="10" fill="hold">
+                      <p:stCondLst>
+                        <p:cond delay="indefinite"/>
+                      </p:stCondLst>
+                      <p:childTnLst>
+                        <p:par>
+                          <p:cTn id="11" fill="hold">
+                            <p:stCondLst>
+                              <p:cond delay="0"/>
+                            </p:stCondLst>
+                            <p:childTnLst>
+                              <p:par>
+                                <p:cTn id="12" presetID="42" presetClass="path" presetSubtype="0" accel="50000" decel="50000" fill="hold" grpId="0" nodeType="clickEffect">
+                                  <p:stCondLst>
+                                    <p:cond delay="0"/>
+                                  </p:stCondLst>
+                                  <p:childTnLst>
+                                    <p:animMotion origin="layout" path="M 2.91667E-6 -4.81481E-6 L -0.00039 0.31088 " pathEditMode="relative" rAng="0" ptsTypes="AA">
+                                      <p:cBhvr>
+                                        <p:cTn id="13" dur="1000" fill="hold"/>
+                                        <p:tgtEl>
+                                          <p:spTgt spid="7"/>
+                                        </p:tgtEl>
+                                        <p:attrNameLst>
+                                          <p:attrName>ppt_x</p:attrName>
+                                          <p:attrName>ppt_y</p:attrName>
+                                        </p:attrNameLst>
+                                      </p:cBhvr>
+                                      <p:rCtr x="-26" y="15532"/>
+                                    </p:animMotion>
+                                  </p:childTnLst>
+                                </p:cTn>
+                              </p:par>
+                              <p:par>
+                                <p:cTn id="14" presetID="42" presetClass="path" presetSubtype="0" accel="50000" decel="50000" fill="hold" grpId="1" nodeType="withEffect">
+                                  <p:stCondLst>
+                                    <p:cond delay="0"/>
+                                  </p:stCondLst>
+                                  <p:childTnLst>
+                                    <p:animMotion origin="layout" path="M 0.26771 0.00278 L 0.26784 0.31088 " pathEditMode="relative" rAng="0" ptsTypes="AA">
+                                      <p:cBhvr>
+                                        <p:cTn id="15" dur="1000" fill="hold"/>
+                                        <p:tgtEl>
+                                          <p:spTgt spid="8"/>
+                                        </p:tgtEl>
+                                        <p:attrNameLst>
+                                          <p:attrName>ppt_x</p:attrName>
+                                          <p:attrName>ppt_y</p:attrName>
+                                        </p:attrNameLst>
+                                      </p:cBhvr>
+                                      <p:rCtr x="0" y="15394"/>
+                                    </p:animMotion>
+                                  </p:childTnLst>
+                                </p:cTn>
+                              </p:par>
+                            </p:childTnLst>
+                          </p:cTn>
+                        </p:par>
+                        <p:par>
+                          <p:cTn id="16" fill="hold">
+                            <p:stCondLst>
+                              <p:cond delay="1000"/>
+                            </p:stCondLst>
+                            <p:childTnLst>
+                              <p:par>
+                                <p:cTn id="17" presetID="42" presetClass="path" presetSubtype="0" accel="50000" decel="50000" fill="hold" grpId="0" nodeType="afterEffect">
+                                  <p:stCondLst>
+                                    <p:cond delay="0"/>
+                                  </p:stCondLst>
+                                  <p:childTnLst>
+                                    <p:animMotion origin="layout" path="M 2.91667E-6 -3.7037E-6 L -0.00039 0.10741 " pathEditMode="relative" rAng="0" ptsTypes="AA">
+                                      <p:cBhvr>
+                                        <p:cTn id="18" dur="1000" fill="hold"/>
+                                        <p:tgtEl>
+                                          <p:spTgt spid="203"/>
+                                        </p:tgtEl>
+                                        <p:attrNameLst>
+                                          <p:attrName>ppt_x</p:attrName>
+                                          <p:attrName>ppt_y</p:attrName>
+                                        </p:attrNameLst>
+                                      </p:cBhvr>
+                                      <p:rCtr x="-26" y="5370"/>
+                                    </p:animMotion>
+                                  </p:childTnLst>
+                                </p:cTn>
+                              </p:par>
+                              <p:par>
+                                <p:cTn id="19" presetID="42" presetClass="path" presetSubtype="0" accel="50000" decel="50000" fill="hold" grpId="0" nodeType="withEffect">
+                                  <p:stCondLst>
+                                    <p:cond delay="0"/>
+                                  </p:stCondLst>
+                                  <p:childTnLst>
+                                    <p:animMotion origin="layout" path="M 1.875E-6 -3.7037E-6 L -0.003 0.10324 " pathEditMode="relative" rAng="0" ptsTypes="AA">
+                                      <p:cBhvr>
+                                        <p:cTn id="20" dur="1000" fill="hold"/>
+                                        <p:tgtEl>
+                                          <p:spTgt spid="12"/>
+                                        </p:tgtEl>
+                                        <p:attrNameLst>
+                                          <p:attrName>ppt_x</p:attrName>
+                                          <p:attrName>ppt_y</p:attrName>
+                                        </p:attrNameLst>
+                                      </p:cBhvr>
+                                      <p:rCtr x="-156" y="5162"/>
+                                    </p:animMotion>
+                                  </p:childTnLst>
+                                </p:cTn>
+                              </p:par>
+                            </p:childTnLst>
+                          </p:cTn>
+                        </p:par>
+                      </p:childTnLst>
+                    </p:cTn>
+                  </p:par>
+                </p:childTnLst>
+              </p:cTn>
+              <p:prevCondLst>
+                <p:cond evt="onPrev" delay="0">
+                  <p:tgtEl>
+                    <p:sldTgt/>
+                  </p:tgtEl>
+                </p:cond>
+              </p:prevCondLst>
+              <p:nextCondLst>
+                <p:cond evt="onNext" delay="0">
+                  <p:tgtEl>
+                    <p:sldTgt/>
+                  </p:tgtEl>
+                </p:cond>
+              </p:nextCondLst>
+            </p:seq>
+          </p:childTnLst>
+        </p:cTn>
+      </p:par>
+    </p:tnLst>
+    <p:bldLst>
+      <p:bldP spid="203" grpId="0"/>
+      <p:bldP spid="12" grpId="0"/>
+      <p:bldP spid="8" grpId="0" animBg="1"/>
+      <p:bldP spid="8" grpId="1" animBg="1"/>
+      <p:bldP spid="10" grpId="0" animBg="1"/>
+      <p:bldP spid="7" grpId="0" animBg="1"/>
+    </p:bldLst>
+  </p:timing>
+</p:sld>
+</file>
+
+<file path=ppt/slides/slide5.xml><?xml version="1.0" encoding="utf-8"?>
+<p:sld xmlns:a="http://schemas.openxmlformats.org/drawingml/2006/main" xmlns:r="http://schemas.openxmlformats.org/officeDocument/2006/relationships" xmlns:p="http://schemas.openxmlformats.org/presentationml/2006/main">
+  <p:cSld>
+    <p:bg>
+      <p:bgPr>
+        <a:solidFill>
+          <a:srgbClr val="000E2B"/>
+        </a:solidFill>
+        <a:effectLst/>
+      </p:bgPr>
+    </p:bg>
+    <p:spTree>
+      <p:nvGrpSpPr>
+        <p:cNvPr id="1" name=""/>
+        <p:cNvGrpSpPr/>
+        <p:nvPr/>
+      </p:nvGrpSpPr>
+      <p:grpSpPr>
+        <a:xfrm>
+          <a:off x="0" y="0"/>
+          <a:ext cx="0" cy="0"/>
+          <a:chOff x="0" y="0"/>
+          <a:chExt cx="0" cy="0"/>
+        </a:xfrm>
+      </p:grpSpPr>
+      <p:sp>
+        <p:nvSpPr>
+          <p:cNvPr id="6" name="직사각형 5">
+            <a:extLst>
+              <a:ext uri="{FF2B5EF4-FFF2-40B4-BE49-F238E27FC236}">
+                <a16:creationId xmlns:a16="http://schemas.microsoft.com/office/drawing/2014/main" id="{AB6B5046-07C0-43A9-AA7C-8D7835269858}"/>
+              </a:ext>
+            </a:extLst>
+          </p:cNvPr>
+          <p:cNvSpPr/>
+          <p:nvPr/>
+        </p:nvSpPr>
+        <p:spPr>
+          <a:xfrm>
+            <a:off x="0" y="0"/>
+            <a:ext cx="12192000" cy="1067917"/>
+          </a:xfrm>
+          <a:prstGeom prst="rect">
+            <a:avLst/>
+          </a:prstGeom>
+          <a:gradFill flip="none" rotWithShape="1">
+            <a:gsLst>
+              <a:gs pos="10000">
+                <a:srgbClr val="000E2B">
+                  <a:alpha val="0"/>
+                </a:srgbClr>
+              </a:gs>
+              <a:gs pos="100000">
+                <a:srgbClr val="03C6AB"/>
+              </a:gs>
+            </a:gsLst>
+            <a:lin ang="16200000" scaled="1"/>
+            <a:tileRect/>
+          </a:gradFill>
+          <a:ln>
+            <a:noFill/>
+          </a:ln>
+        </p:spPr>
+        <p:style>
+          <a:lnRef idx="2">
+            <a:schemeClr val="accent1">
+              <a:shade val="50000"/>
+            </a:schemeClr>
+          </a:lnRef>
+          <a:fillRef idx="1">
+            <a:schemeClr val="accent1"/>
+          </a:fillRef>
+          <a:effectRef idx="0">
+            <a:schemeClr val="accent1"/>
+          </a:effectRef>
+          <a:fontRef idx="minor">
+            <a:schemeClr val="lt1"/>
+          </a:fontRef>
+        </p:style>
+        <p:txBody>
+          <a:bodyPr rtlCol="0" anchor="ctr"/>
+          <a:lstStyle/>
+          <a:p>
+            <a:pPr algn="ctr" latinLnBrk="0">
+              <a:defRPr/>
+            </a:pPr>
+            <a:r>
+              <a:rPr lang="en-US" altLang="ko-KR" sz="2400" b="1" i="1" kern="0" dirty="0">
+                <a:solidFill>
+                  <a:prstClr val="white"/>
+                </a:solidFill>
+              </a:rPr>
+              <a:t>Element-wise Hashing</a:t>
+            </a:r>
+          </a:p>
+        </p:txBody>
+      </p:sp>
+      <p:cxnSp>
+        <p:nvCxnSpPr>
+          <p:cNvPr id="3" name="직선 연결선 2">
+            <a:extLst>
+              <a:ext uri="{FF2B5EF4-FFF2-40B4-BE49-F238E27FC236}">
+                <a16:creationId xmlns:a16="http://schemas.microsoft.com/office/drawing/2014/main" id="{58387BDA-24A2-4432-AEDE-4F5F1621D6D4}"/>
+              </a:ext>
+            </a:extLst>
+          </p:cNvPr>
+          <p:cNvCxnSpPr>
+            <a:cxnSpLocks/>
+          </p:cNvCxnSpPr>
+          <p:nvPr/>
+        </p:nvCxnSpPr>
+        <p:spPr>
+          <a:xfrm>
+            <a:off x="5550816" y="163430"/>
+            <a:ext cx="1080000" cy="0"/>
+          </a:xfrm>
+          <a:prstGeom prst="line">
+            <a:avLst/>
+          </a:prstGeom>
+          <a:ln w="12700">
+            <a:solidFill>
+              <a:srgbClr val="03C6AB"/>
+            </a:solidFill>
+          </a:ln>
+        </p:spPr>
+        <p:style>
+          <a:lnRef idx="1">
+            <a:schemeClr val="accent1"/>
+          </a:lnRef>
+          <a:fillRef idx="0">
+            <a:schemeClr val="accent1"/>
+          </a:fillRef>
+          <a:effectRef idx="0">
+            <a:schemeClr val="accent1"/>
+          </a:effectRef>
+          <a:fontRef idx="minor">
+            <a:schemeClr val="tx1"/>
+          </a:fontRef>
+        </p:style>
+      </p:cxnSp>
       <p:pic>
         <p:nvPicPr>
           <p:cNvPr id="7" name="그림 6"/>
@@ -5547,17 +8104,10 @@
       </p:transition>
     </mc:Fallback>
   </mc:AlternateContent>
-  <p:timing>
-    <p:tnLst>
-      <p:par>
-        <p:cTn id="1" dur="indefinite" restart="never" nodeType="tmRoot"/>
-      </p:par>
-    </p:tnLst>
-  </p:timing>
 </p:sld>
 </file>
 
-<file path=ppt/slides/slide4.xml><?xml version="1.0" encoding="utf-8"?>
+<file path=ppt/slides/slide6.xml><?xml version="1.0" encoding="utf-8"?>
 <p:sld xmlns:a="http://schemas.openxmlformats.org/drawingml/2006/main" xmlns:r="http://schemas.openxmlformats.org/officeDocument/2006/relationships" xmlns:p="http://schemas.openxmlformats.org/presentationml/2006/main">
   <p:cSld>
     <p:bg>
@@ -5644,28 +8194,20 @@
               <a:defRPr/>
             </a:pPr>
             <a:r>
-              <a:rPr lang="en-US" altLang="ko-KR" sz="2400" b="1" i="1" kern="0" dirty="0" smtClean="0">
+              <a:rPr lang="en-US" altLang="ko-KR" sz="2400" b="1" i="1" kern="0">
                 <a:solidFill>
                   <a:prstClr val="white"/>
                 </a:solidFill>
               </a:rPr>
-              <a:t>Existing Industrial </a:t>
-            </a:r>
-            <a:r>
-              <a:rPr lang="en-US" altLang="ko-KR" sz="2400" b="1" i="1" kern="0" dirty="0" err="1" smtClean="0">
+              <a:t>Element-wise </a:t>
+            </a:r>
+            <a:r>
+              <a:rPr lang="en-US" altLang="ko-KR" sz="2400" b="1" i="1" kern="0" dirty="0">
                 <a:solidFill>
                   <a:prstClr val="white"/>
                 </a:solidFill>
               </a:rPr>
-              <a:t>IoT</a:t>
-            </a:r>
-            <a:r>
-              <a:rPr lang="en-US" altLang="ko-KR" sz="2400" b="1" i="1" kern="0" dirty="0" smtClean="0">
-                <a:solidFill>
-                  <a:prstClr val="white"/>
-                </a:solidFill>
-              </a:rPr>
-              <a:t> Networks</a:t>
+              <a:t>Hashing</a:t>
             </a:r>
           </a:p>
         </p:txBody>
@@ -5713,52 +8255,6 @@
           </a:fontRef>
         </p:style>
       </p:cxnSp>
-      <p:sp>
-        <p:nvSpPr>
-          <p:cNvPr id="4" name="TextBox 3"/>
-          <p:cNvSpPr txBox="1"/>
-          <p:nvPr/>
-        </p:nvSpPr>
-        <p:spPr>
-          <a:xfrm>
-            <a:off x="3645018" y="6336631"/>
-            <a:ext cx="4908716" cy="276999"/>
-          </a:xfrm>
-          <a:prstGeom prst="rect">
-            <a:avLst/>
-          </a:prstGeom>
-          <a:noFill/>
-        </p:spPr>
-        <p:txBody>
-          <a:bodyPr wrap="none" rtlCol="0">
-            <a:spAutoFit/>
-          </a:bodyPr>
-          <a:lstStyle/>
-          <a:p>
-            <a:r>
-              <a:rPr lang="en-US" altLang="ko-KR" sz="1200" kern="0" dirty="0">
-                <a:solidFill>
-                  <a:prstClr val="white"/>
-                </a:solidFill>
-              </a:rPr>
-              <a:t>Using internet networks and Wi-Fi, coverage is local and </a:t>
-            </a:r>
-            <a:r>
-              <a:rPr lang="en-US" altLang="ko-KR" sz="1200" kern="0" dirty="0" smtClean="0">
-                <a:solidFill>
-                  <a:prstClr val="white"/>
-                </a:solidFill>
-              </a:rPr>
-              <a:t>expensive</a:t>
-            </a:r>
-            <a:endParaRPr lang="ko-KR" altLang="en-US" sz="1200" dirty="0">
-              <a:solidFill>
-                <a:prstClr val="white"/>
-              </a:solidFill>
-            </a:endParaRPr>
-          </a:p>
-        </p:txBody>
-      </p:sp>
       <p:pic>
         <p:nvPicPr>
           <p:cNvPr id="7" name="그림 6"/>
@@ -5829,17 +8325,10 @@
       </p:transition>
     </mc:Fallback>
   </mc:AlternateContent>
-  <p:timing>
-    <p:tnLst>
-      <p:par>
-        <p:cTn id="1" dur="indefinite" restart="never" nodeType="tmRoot"/>
-      </p:par>
-    </p:tnLst>
-  </p:timing>
 </p:sld>
 </file>
 
-<file path=ppt/slides/slide5.xml><?xml version="1.0" encoding="utf-8"?>
+<file path=ppt/slides/slide7.xml><?xml version="1.0" encoding="utf-8"?>
 <p:sld xmlns:a="http://schemas.openxmlformats.org/drawingml/2006/main" xmlns:r="http://schemas.openxmlformats.org/officeDocument/2006/relationships" xmlns:p="http://schemas.openxmlformats.org/presentationml/2006/main">
   <p:cSld>
     <p:bg>
@@ -5926,28 +8415,12 @@
               <a:defRPr/>
             </a:pPr>
             <a:r>
-              <a:rPr lang="en-US" altLang="ko-KR" sz="2400" b="1" i="1" kern="0" dirty="0" smtClean="0">
+              <a:rPr lang="en-US" altLang="ko-KR" sz="2400" b="1" i="1" kern="0" dirty="0">
                 <a:solidFill>
                   <a:prstClr val="white"/>
                 </a:solidFill>
               </a:rPr>
-              <a:t>Existing Industrial </a:t>
-            </a:r>
-            <a:r>
-              <a:rPr lang="en-US" altLang="ko-KR" sz="2400" b="1" i="1" kern="0" dirty="0" err="1" smtClean="0">
-                <a:solidFill>
-                  <a:prstClr val="white"/>
-                </a:solidFill>
-              </a:rPr>
-              <a:t>IoT</a:t>
-            </a:r>
-            <a:r>
-              <a:rPr lang="en-US" altLang="ko-KR" sz="2400" b="1" i="1" kern="0" dirty="0" smtClean="0">
-                <a:solidFill>
-                  <a:prstClr val="white"/>
-                </a:solidFill>
-              </a:rPr>
-              <a:t> Networks</a:t>
+              <a:t>Main Functional Threads</a:t>
             </a:r>
           </a:p>
         </p:txBody>
@@ -5995,52 +8468,6 @@
           </a:fontRef>
         </p:style>
       </p:cxnSp>
-      <p:sp>
-        <p:nvSpPr>
-          <p:cNvPr id="4" name="TextBox 3"/>
-          <p:cNvSpPr txBox="1"/>
-          <p:nvPr/>
-        </p:nvSpPr>
-        <p:spPr>
-          <a:xfrm>
-            <a:off x="3645018" y="6336631"/>
-            <a:ext cx="4908716" cy="276999"/>
-          </a:xfrm>
-          <a:prstGeom prst="rect">
-            <a:avLst/>
-          </a:prstGeom>
-          <a:noFill/>
-        </p:spPr>
-        <p:txBody>
-          <a:bodyPr wrap="none" rtlCol="0">
-            <a:spAutoFit/>
-          </a:bodyPr>
-          <a:lstStyle/>
-          <a:p>
-            <a:r>
-              <a:rPr lang="en-US" altLang="ko-KR" sz="1200" kern="0" dirty="0">
-                <a:solidFill>
-                  <a:prstClr val="white"/>
-                </a:solidFill>
-              </a:rPr>
-              <a:t>Using internet networks and Wi-Fi, coverage is local and </a:t>
-            </a:r>
-            <a:r>
-              <a:rPr lang="en-US" altLang="ko-KR" sz="1200" kern="0" dirty="0" smtClean="0">
-                <a:solidFill>
-                  <a:prstClr val="white"/>
-                </a:solidFill>
-              </a:rPr>
-              <a:t>expensive</a:t>
-            </a:r>
-            <a:endParaRPr lang="ko-KR" altLang="en-US" sz="1200" dirty="0">
-              <a:solidFill>
-                <a:prstClr val="white"/>
-              </a:solidFill>
-            </a:endParaRPr>
-          </a:p>
-        </p:txBody>
-      </p:sp>
       <p:pic>
         <p:nvPicPr>
           <p:cNvPr id="11" name="그림 10"/>
@@ -6087,17 +8514,10 @@
       </p:transition>
     </mc:Fallback>
   </mc:AlternateContent>
-  <p:timing>
-    <p:tnLst>
-      <p:par>
-        <p:cTn id="1" dur="indefinite" restart="never" nodeType="tmRoot"/>
-      </p:par>
-    </p:tnLst>
-  </p:timing>
 </p:sld>
 </file>
 
-<file path=ppt/slides/slide6.xml><?xml version="1.0" encoding="utf-8"?>
+<file path=ppt/slides/slide8.xml><?xml version="1.0" encoding="utf-8"?>
 <p:sld xmlns:a="http://schemas.openxmlformats.org/drawingml/2006/main" xmlns:r="http://schemas.openxmlformats.org/officeDocument/2006/relationships" xmlns:p="http://schemas.openxmlformats.org/presentationml/2006/main">
   <p:cSld>
     <p:bg>
@@ -6184,28 +8604,12 @@
               <a:defRPr/>
             </a:pPr>
             <a:r>
-              <a:rPr lang="en-US" altLang="ko-KR" sz="2400" b="1" i="1" kern="0" dirty="0" smtClean="0">
+              <a:rPr lang="en-US" altLang="ko-KR" sz="2400" b="1" i="1" kern="0" dirty="0">
                 <a:solidFill>
                   <a:prstClr val="white"/>
                 </a:solidFill>
               </a:rPr>
-              <a:t>Existing Industrial </a:t>
-            </a:r>
-            <a:r>
-              <a:rPr lang="en-US" altLang="ko-KR" sz="2400" b="1" i="1" kern="0" dirty="0" err="1" smtClean="0">
-                <a:solidFill>
-                  <a:prstClr val="white"/>
-                </a:solidFill>
-              </a:rPr>
-              <a:t>IoT</a:t>
-            </a:r>
-            <a:r>
-              <a:rPr lang="en-US" altLang="ko-KR" sz="2400" b="1" i="1" kern="0" dirty="0" smtClean="0">
-                <a:solidFill>
-                  <a:prstClr val="white"/>
-                </a:solidFill>
-              </a:rPr>
-              <a:t> Networks</a:t>
+              <a:t>Codes for Initializing and Server</a:t>
             </a:r>
           </a:p>
         </p:txBody>
@@ -6253,52 +8657,6 @@
           </a:fontRef>
         </p:style>
       </p:cxnSp>
-      <p:sp>
-        <p:nvSpPr>
-          <p:cNvPr id="4" name="TextBox 3"/>
-          <p:cNvSpPr txBox="1"/>
-          <p:nvPr/>
-        </p:nvSpPr>
-        <p:spPr>
-          <a:xfrm>
-            <a:off x="3645018" y="6336631"/>
-            <a:ext cx="4908716" cy="276999"/>
-          </a:xfrm>
-          <a:prstGeom prst="rect">
-            <a:avLst/>
-          </a:prstGeom>
-          <a:noFill/>
-        </p:spPr>
-        <p:txBody>
-          <a:bodyPr wrap="none" rtlCol="0">
-            <a:spAutoFit/>
-          </a:bodyPr>
-          <a:lstStyle/>
-          <a:p>
-            <a:r>
-              <a:rPr lang="en-US" altLang="ko-KR" sz="1200" kern="0" dirty="0">
-                <a:solidFill>
-                  <a:prstClr val="white"/>
-                </a:solidFill>
-              </a:rPr>
-              <a:t>Using internet networks and Wi-Fi, coverage is local and </a:t>
-            </a:r>
-            <a:r>
-              <a:rPr lang="en-US" altLang="ko-KR" sz="1200" kern="0" dirty="0" smtClean="0">
-                <a:solidFill>
-                  <a:prstClr val="white"/>
-                </a:solidFill>
-              </a:rPr>
-              <a:t>expensive</a:t>
-            </a:r>
-            <a:endParaRPr lang="ko-KR" altLang="en-US" sz="1200" dirty="0">
-              <a:solidFill>
-                <a:prstClr val="white"/>
-              </a:solidFill>
-            </a:endParaRPr>
-          </a:p>
-        </p:txBody>
-      </p:sp>
       <p:pic>
         <p:nvPicPr>
           <p:cNvPr id="137" name="그림 136"/>
@@ -6315,7 +8673,7 @@
         </p:blipFill>
         <p:spPr>
           <a:xfrm>
-            <a:off x="418900" y="1187990"/>
+            <a:off x="1033497" y="1241541"/>
             <a:ext cx="4142914" cy="4677741"/>
           </a:xfrm>
           <a:prstGeom prst="rect">
@@ -6339,7 +8697,7 @@
         </p:blipFill>
         <p:spPr>
           <a:xfrm>
-            <a:off x="5321378" y="1177796"/>
+            <a:off x="5935975" y="1231347"/>
             <a:ext cx="5077534" cy="5048955"/>
           </a:xfrm>
           <a:prstGeom prst="rect">
@@ -6369,17 +8727,10 @@
       </p:transition>
     </mc:Fallback>
   </mc:AlternateContent>
-  <p:timing>
-    <p:tnLst>
-      <p:par>
-        <p:cTn id="1" dur="indefinite" restart="never" nodeType="tmRoot"/>
-      </p:par>
-    </p:tnLst>
-  </p:timing>
 </p:sld>
 </file>
 
-<file path=ppt/slides/slide7.xml><?xml version="1.0" encoding="utf-8"?>
+<file path=ppt/slides/slide9.xml><?xml version="1.0" encoding="utf-8"?>
 <p:sld xmlns:a="http://schemas.openxmlformats.org/drawingml/2006/main" xmlns:r="http://schemas.openxmlformats.org/officeDocument/2006/relationships" xmlns:p="http://schemas.openxmlformats.org/presentationml/2006/main">
   <p:cSld>
     <p:bg>
@@ -6466,28 +8817,25 @@
               <a:defRPr/>
             </a:pPr>
             <a:r>
-              <a:rPr lang="en-US" altLang="ko-KR" sz="2400" b="1" i="1" kern="0" dirty="0" smtClean="0">
+              <a:rPr lang="en-US" altLang="ko-KR" sz="2400" b="1" i="1" kern="0" dirty="0">
                 <a:solidFill>
                   <a:prstClr val="white"/>
                 </a:solidFill>
               </a:rPr>
-              <a:t>Existing Industrial </a:t>
-            </a:r>
-            <a:r>
-              <a:rPr lang="en-US" altLang="ko-KR" sz="2400" b="1" i="1" kern="0" dirty="0" err="1" smtClean="0">
+              <a:t>Codes for Mining and Distribution/Receiving</a:t>
+            </a:r>
+          </a:p>
+          <a:p>
+            <a:pPr algn="ctr" latinLnBrk="0">
+              <a:defRPr/>
+            </a:pPr>
+            <a:r>
+              <a:rPr lang="en-US" altLang="ko-KR" sz="2400" b="1" i="1" kern="0" dirty="0">
                 <a:solidFill>
                   <a:prstClr val="white"/>
                 </a:solidFill>
               </a:rPr>
-              <a:t>IoT</a:t>
-            </a:r>
-            <a:r>
-              <a:rPr lang="en-US" altLang="ko-KR" sz="2400" b="1" i="1" kern="0" dirty="0" smtClean="0">
-                <a:solidFill>
-                  <a:prstClr val="white"/>
-                </a:solidFill>
-              </a:rPr>
-              <a:t> Networks</a:t>
+              <a:t>(with validation)</a:t>
             </a:r>
           </a:p>
         </p:txBody>
@@ -6535,52 +8883,6 @@
           </a:fontRef>
         </p:style>
       </p:cxnSp>
-      <p:sp>
-        <p:nvSpPr>
-          <p:cNvPr id="4" name="TextBox 3"/>
-          <p:cNvSpPr txBox="1"/>
-          <p:nvPr/>
-        </p:nvSpPr>
-        <p:spPr>
-          <a:xfrm>
-            <a:off x="3645018" y="6336631"/>
-            <a:ext cx="4908716" cy="276999"/>
-          </a:xfrm>
-          <a:prstGeom prst="rect">
-            <a:avLst/>
-          </a:prstGeom>
-          <a:noFill/>
-        </p:spPr>
-        <p:txBody>
-          <a:bodyPr wrap="none" rtlCol="0">
-            <a:spAutoFit/>
-          </a:bodyPr>
-          <a:lstStyle/>
-          <a:p>
-            <a:r>
-              <a:rPr lang="en-US" altLang="ko-KR" sz="1200" kern="0" dirty="0">
-                <a:solidFill>
-                  <a:prstClr val="white"/>
-                </a:solidFill>
-              </a:rPr>
-              <a:t>Using internet networks and Wi-Fi, coverage is local and </a:t>
-            </a:r>
-            <a:r>
-              <a:rPr lang="en-US" altLang="ko-KR" sz="1200" kern="0" dirty="0" smtClean="0">
-                <a:solidFill>
-                  <a:prstClr val="white"/>
-                </a:solidFill>
-              </a:rPr>
-              <a:t>expensive</a:t>
-            </a:r>
-            <a:endParaRPr lang="ko-KR" altLang="en-US" sz="1200" dirty="0">
-              <a:solidFill>
-                <a:prstClr val="white"/>
-              </a:solidFill>
-            </a:endParaRPr>
-          </a:p>
-        </p:txBody>
-      </p:sp>
       <p:pic>
         <p:nvPicPr>
           <p:cNvPr id="7" name="그림 6"/>
@@ -6651,581 +8953,6 @@
       </p:transition>
     </mc:Fallback>
   </mc:AlternateContent>
-  <p:timing>
-    <p:tnLst>
-      <p:par>
-        <p:cTn id="1" dur="indefinite" restart="never" nodeType="tmRoot"/>
-      </p:par>
-    </p:tnLst>
-  </p:timing>
-</p:sld>
-</file>
-
-<file path=ppt/slides/slide8.xml><?xml version="1.0" encoding="utf-8"?>
-<p:sld xmlns:a="http://schemas.openxmlformats.org/drawingml/2006/main" xmlns:r="http://schemas.openxmlformats.org/officeDocument/2006/relationships" xmlns:p="http://schemas.openxmlformats.org/presentationml/2006/main">
-  <p:cSld>
-    <p:bg>
-      <p:bgPr>
-        <a:solidFill>
-          <a:srgbClr val="000E2B"/>
-        </a:solidFill>
-        <a:effectLst/>
-      </p:bgPr>
-    </p:bg>
-    <p:spTree>
-      <p:nvGrpSpPr>
-        <p:cNvPr id="1" name=""/>
-        <p:cNvGrpSpPr/>
-        <p:nvPr/>
-      </p:nvGrpSpPr>
-      <p:grpSpPr>
-        <a:xfrm>
-          <a:off x="0" y="0"/>
-          <a:ext cx="0" cy="0"/>
-          <a:chOff x="0" y="0"/>
-          <a:chExt cx="0" cy="0"/>
-        </a:xfrm>
-      </p:grpSpPr>
-      <p:sp>
-        <p:nvSpPr>
-          <p:cNvPr id="6" name="직사각형 5">
-            <a:extLst>
-              <a:ext uri="{FF2B5EF4-FFF2-40B4-BE49-F238E27FC236}">
-                <a16:creationId xmlns:a16="http://schemas.microsoft.com/office/drawing/2014/main" id="{AB6B5046-07C0-43A9-AA7C-8D7835269858}"/>
-              </a:ext>
-            </a:extLst>
-          </p:cNvPr>
-          <p:cNvSpPr/>
-          <p:nvPr/>
-        </p:nvSpPr>
-        <p:spPr>
-          <a:xfrm>
-            <a:off x="0" y="0"/>
-            <a:ext cx="12192000" cy="1067917"/>
-          </a:xfrm>
-          <a:prstGeom prst="rect">
-            <a:avLst/>
-          </a:prstGeom>
-          <a:gradFill flip="none" rotWithShape="1">
-            <a:gsLst>
-              <a:gs pos="10000">
-                <a:srgbClr val="000E2B">
-                  <a:alpha val="0"/>
-                </a:srgbClr>
-              </a:gs>
-              <a:gs pos="100000">
-                <a:srgbClr val="03C6AB"/>
-              </a:gs>
-            </a:gsLst>
-            <a:lin ang="16200000" scaled="1"/>
-            <a:tileRect/>
-          </a:gradFill>
-          <a:ln>
-            <a:noFill/>
-          </a:ln>
-        </p:spPr>
-        <p:style>
-          <a:lnRef idx="2">
-            <a:schemeClr val="accent1">
-              <a:shade val="50000"/>
-            </a:schemeClr>
-          </a:lnRef>
-          <a:fillRef idx="1">
-            <a:schemeClr val="accent1"/>
-          </a:fillRef>
-          <a:effectRef idx="0">
-            <a:schemeClr val="accent1"/>
-          </a:effectRef>
-          <a:fontRef idx="minor">
-            <a:schemeClr val="lt1"/>
-          </a:fontRef>
-        </p:style>
-        <p:txBody>
-          <a:bodyPr rtlCol="0" anchor="ctr"/>
-          <a:lstStyle/>
-          <a:p>
-            <a:pPr algn="ctr" latinLnBrk="0">
-              <a:defRPr/>
-            </a:pPr>
-            <a:r>
-              <a:rPr lang="en-US" altLang="ko-KR" sz="2400" b="1" i="1" kern="0" dirty="0" smtClean="0">
-                <a:solidFill>
-                  <a:prstClr val="white"/>
-                </a:solidFill>
-              </a:rPr>
-              <a:t>Industrial </a:t>
-            </a:r>
-            <a:r>
-              <a:rPr lang="en-US" altLang="ko-KR" sz="2400" b="1" i="1" kern="0" dirty="0" err="1" smtClean="0">
-                <a:solidFill>
-                  <a:prstClr val="white"/>
-                </a:solidFill>
-              </a:rPr>
-              <a:t>IoT</a:t>
-            </a:r>
-            <a:r>
-              <a:rPr lang="en-US" altLang="ko-KR" sz="2400" b="1" i="1" kern="0" dirty="0" smtClean="0">
-                <a:solidFill>
-                  <a:prstClr val="white"/>
-                </a:solidFill>
-              </a:rPr>
-              <a:t> model</a:t>
-            </a:r>
-          </a:p>
-          <a:p>
-            <a:pPr algn="ctr" latinLnBrk="0">
-              <a:defRPr/>
-            </a:pPr>
-            <a:r>
-              <a:rPr lang="en-US" altLang="ko-KR" sz="2400" b="1" i="1" kern="0" dirty="0" smtClean="0">
-                <a:solidFill>
-                  <a:prstClr val="white"/>
-                </a:solidFill>
-              </a:rPr>
-              <a:t>With </a:t>
-            </a:r>
-            <a:r>
-              <a:rPr lang="en-US" altLang="ko-KR" sz="2400" b="1" i="1" kern="0" dirty="0" err="1" smtClean="0">
-                <a:solidFill>
-                  <a:prstClr val="white"/>
-                </a:solidFill>
-              </a:rPr>
-              <a:t>LoRa</a:t>
-            </a:r>
-            <a:r>
-              <a:rPr lang="en-US" altLang="ko-KR" sz="2400" b="1" i="1" kern="0" dirty="0" smtClean="0">
-                <a:solidFill>
-                  <a:prstClr val="white"/>
-                </a:solidFill>
-              </a:rPr>
-              <a:t> protocol</a:t>
-            </a:r>
-            <a:endParaRPr lang="en-US" altLang="ko-KR" sz="2400" b="1" i="1" kern="0" dirty="0">
-              <a:solidFill>
-                <a:prstClr val="white"/>
-              </a:solidFill>
-            </a:endParaRPr>
-          </a:p>
-        </p:txBody>
-      </p:sp>
-      <p:cxnSp>
-        <p:nvCxnSpPr>
-          <p:cNvPr id="3" name="직선 연결선 2">
-            <a:extLst>
-              <a:ext uri="{FF2B5EF4-FFF2-40B4-BE49-F238E27FC236}">
-                <a16:creationId xmlns:a16="http://schemas.microsoft.com/office/drawing/2014/main" id="{58387BDA-24A2-4432-AEDE-4F5F1621D6D4}"/>
-              </a:ext>
-            </a:extLst>
-          </p:cNvPr>
-          <p:cNvCxnSpPr>
-            <a:cxnSpLocks/>
-          </p:cNvCxnSpPr>
-          <p:nvPr/>
-        </p:nvCxnSpPr>
-        <p:spPr>
-          <a:xfrm>
-            <a:off x="5550816" y="163430"/>
-            <a:ext cx="1080000" cy="0"/>
-          </a:xfrm>
-          <a:prstGeom prst="line">
-            <a:avLst/>
-          </a:prstGeom>
-          <a:ln w="12700">
-            <a:solidFill>
-              <a:srgbClr val="03C6AB"/>
-            </a:solidFill>
-          </a:ln>
-        </p:spPr>
-        <p:style>
-          <a:lnRef idx="1">
-            <a:schemeClr val="accent1"/>
-          </a:lnRef>
-          <a:fillRef idx="0">
-            <a:schemeClr val="accent1"/>
-          </a:fillRef>
-          <a:effectRef idx="0">
-            <a:schemeClr val="accent1"/>
-          </a:effectRef>
-          <a:fontRef idx="minor">
-            <a:schemeClr val="tx1"/>
-          </a:fontRef>
-        </p:style>
-      </p:cxnSp>
-      <p:sp>
-        <p:nvSpPr>
-          <p:cNvPr id="203" name="TextBox 202"/>
-          <p:cNvSpPr txBox="1"/>
-          <p:nvPr/>
-        </p:nvSpPr>
-        <p:spPr>
-          <a:xfrm>
-            <a:off x="3784736" y="6329769"/>
-            <a:ext cx="4612160" cy="276999"/>
-          </a:xfrm>
-          <a:prstGeom prst="rect">
-            <a:avLst/>
-          </a:prstGeom>
-          <a:noFill/>
-        </p:spPr>
-        <p:txBody>
-          <a:bodyPr wrap="none" rtlCol="0">
-            <a:spAutoFit/>
-          </a:bodyPr>
-          <a:lstStyle/>
-          <a:p>
-            <a:r>
-              <a:rPr lang="en-US" altLang="ko-KR" sz="1200" kern="0" dirty="0" smtClean="0">
-                <a:solidFill>
-                  <a:prstClr val="white"/>
-                </a:solidFill>
-              </a:rPr>
-              <a:t>Although the speed is limited, it is free and has wide coverage</a:t>
-            </a:r>
-            <a:endParaRPr lang="ko-KR" altLang="en-US" sz="1200" dirty="0">
-              <a:solidFill>
-                <a:prstClr val="white"/>
-              </a:solidFill>
-            </a:endParaRPr>
-          </a:p>
-        </p:txBody>
-      </p:sp>
-      <p:pic>
-        <p:nvPicPr>
-          <p:cNvPr id="9" name="그림 8"/>
-          <p:cNvPicPr>
-            <a:picLocks noChangeAspect="1"/>
-          </p:cNvPicPr>
-          <p:nvPr/>
-        </p:nvPicPr>
-        <p:blipFill>
-          <a:blip r:embed="rId2"/>
-          <a:stretch>
-            <a:fillRect/>
-          </a:stretch>
-        </p:blipFill>
-        <p:spPr>
-          <a:xfrm>
-            <a:off x="600075" y="1171575"/>
-            <a:ext cx="10991850" cy="4514850"/>
-          </a:xfrm>
-          <a:prstGeom prst="rect">
-            <a:avLst/>
-          </a:prstGeom>
-        </p:spPr>
-      </p:pic>
-    </p:spTree>
-    <p:extLst>
-      <p:ext uri="{BB962C8B-B14F-4D97-AF65-F5344CB8AC3E}">
-        <p14:creationId xmlns:p14="http://schemas.microsoft.com/office/powerpoint/2010/main" val="1541223334"/>
-      </p:ext>
-    </p:extLst>
-  </p:cSld>
-  <p:clrMapOvr>
-    <a:masterClrMapping/>
-  </p:clrMapOvr>
-  <mc:AlternateContent xmlns:mc="http://schemas.openxmlformats.org/markup-compatibility/2006" xmlns:p14="http://schemas.microsoft.com/office/powerpoint/2010/main">
-    <mc:Choice Requires="p14">
-      <p:transition spd="med" p14:dur="700">
-        <p:fade/>
-      </p:transition>
-    </mc:Choice>
-    <mc:Fallback xmlns="">
-      <p:transition spd="med">
-        <p:fade/>
-      </p:transition>
-    </mc:Fallback>
-  </mc:AlternateContent>
-  <p:timing>
-    <p:tnLst>
-      <p:par>
-        <p:cTn id="1" dur="indefinite" restart="never" nodeType="tmRoot"/>
-      </p:par>
-    </p:tnLst>
-  </p:timing>
-</p:sld>
-</file>
-
-<file path=ppt/slides/slide9.xml><?xml version="1.0" encoding="utf-8"?>
-<p:sld xmlns:a="http://schemas.openxmlformats.org/drawingml/2006/main" xmlns:r="http://schemas.openxmlformats.org/officeDocument/2006/relationships" xmlns:p="http://schemas.openxmlformats.org/presentationml/2006/main">
-  <p:cSld>
-    <p:bg>
-      <p:bgPr>
-        <a:solidFill>
-          <a:srgbClr val="000E2B"/>
-        </a:solidFill>
-        <a:effectLst/>
-      </p:bgPr>
-    </p:bg>
-    <p:spTree>
-      <p:nvGrpSpPr>
-        <p:cNvPr id="1" name=""/>
-        <p:cNvGrpSpPr/>
-        <p:nvPr/>
-      </p:nvGrpSpPr>
-      <p:grpSpPr>
-        <a:xfrm>
-          <a:off x="0" y="0"/>
-          <a:ext cx="0" cy="0"/>
-          <a:chOff x="0" y="0"/>
-          <a:chExt cx="0" cy="0"/>
-        </a:xfrm>
-      </p:grpSpPr>
-      <p:sp>
-        <p:nvSpPr>
-          <p:cNvPr id="6" name="직사각형 5">
-            <a:extLst>
-              <a:ext uri="{FF2B5EF4-FFF2-40B4-BE49-F238E27FC236}">
-                <a16:creationId xmlns:a16="http://schemas.microsoft.com/office/drawing/2014/main" id="{AB6B5046-07C0-43A9-AA7C-8D7835269858}"/>
-              </a:ext>
-            </a:extLst>
-          </p:cNvPr>
-          <p:cNvSpPr/>
-          <p:nvPr/>
-        </p:nvSpPr>
-        <p:spPr>
-          <a:xfrm>
-            <a:off x="0" y="0"/>
-            <a:ext cx="12192000" cy="1067917"/>
-          </a:xfrm>
-          <a:prstGeom prst="rect">
-            <a:avLst/>
-          </a:prstGeom>
-          <a:gradFill flip="none" rotWithShape="1">
-            <a:gsLst>
-              <a:gs pos="10000">
-                <a:srgbClr val="000E2B">
-                  <a:alpha val="0"/>
-                </a:srgbClr>
-              </a:gs>
-              <a:gs pos="100000">
-                <a:srgbClr val="03C6AB"/>
-              </a:gs>
-            </a:gsLst>
-            <a:lin ang="16200000" scaled="1"/>
-            <a:tileRect/>
-          </a:gradFill>
-          <a:ln>
-            <a:noFill/>
-          </a:ln>
-        </p:spPr>
-        <p:style>
-          <a:lnRef idx="2">
-            <a:schemeClr val="accent1">
-              <a:shade val="50000"/>
-            </a:schemeClr>
-          </a:lnRef>
-          <a:fillRef idx="1">
-            <a:schemeClr val="accent1"/>
-          </a:fillRef>
-          <a:effectRef idx="0">
-            <a:schemeClr val="accent1"/>
-          </a:effectRef>
-          <a:fontRef idx="minor">
-            <a:schemeClr val="lt1"/>
-          </a:fontRef>
-        </p:style>
-        <p:txBody>
-          <a:bodyPr rtlCol="0" anchor="ctr"/>
-          <a:lstStyle/>
-          <a:p>
-            <a:pPr algn="ctr" latinLnBrk="0">
-              <a:defRPr/>
-            </a:pPr>
-            <a:r>
-              <a:rPr lang="en-US" altLang="ko-KR" sz="2400" b="1" i="1" kern="0" dirty="0" smtClean="0">
-                <a:solidFill>
-                  <a:prstClr val="white"/>
-                </a:solidFill>
-              </a:rPr>
-              <a:t>Industrial </a:t>
-            </a:r>
-            <a:r>
-              <a:rPr lang="en-US" altLang="ko-KR" sz="2400" b="1" i="1" kern="0" dirty="0" err="1" smtClean="0">
-                <a:solidFill>
-                  <a:prstClr val="white"/>
-                </a:solidFill>
-              </a:rPr>
-              <a:t>IoT</a:t>
-            </a:r>
-            <a:r>
-              <a:rPr lang="en-US" altLang="ko-KR" sz="2400" b="1" i="1" kern="0" dirty="0" smtClean="0">
-                <a:solidFill>
-                  <a:prstClr val="white"/>
-                </a:solidFill>
-              </a:rPr>
-              <a:t> model</a:t>
-            </a:r>
-          </a:p>
-          <a:p>
-            <a:pPr algn="ctr" latinLnBrk="0">
-              <a:defRPr/>
-            </a:pPr>
-            <a:r>
-              <a:rPr lang="en-US" altLang="ko-KR" sz="2400" b="1" i="1" kern="0" dirty="0" smtClean="0">
-                <a:solidFill>
-                  <a:prstClr val="white"/>
-                </a:solidFill>
-              </a:rPr>
-              <a:t>With </a:t>
-            </a:r>
-            <a:r>
-              <a:rPr lang="en-US" altLang="ko-KR" sz="2400" b="1" i="1" kern="0" dirty="0" err="1" smtClean="0">
-                <a:solidFill>
-                  <a:prstClr val="white"/>
-                </a:solidFill>
-              </a:rPr>
-              <a:t>LoRa</a:t>
-            </a:r>
-            <a:r>
-              <a:rPr lang="en-US" altLang="ko-KR" sz="2400" b="1" i="1" kern="0" dirty="0" smtClean="0">
-                <a:solidFill>
-                  <a:prstClr val="white"/>
-                </a:solidFill>
-              </a:rPr>
-              <a:t> protocol</a:t>
-            </a:r>
-            <a:endParaRPr lang="en-US" altLang="ko-KR" sz="2400" b="1" i="1" kern="0" dirty="0">
-              <a:solidFill>
-                <a:prstClr val="white"/>
-              </a:solidFill>
-            </a:endParaRPr>
-          </a:p>
-        </p:txBody>
-      </p:sp>
-      <p:cxnSp>
-        <p:nvCxnSpPr>
-          <p:cNvPr id="3" name="직선 연결선 2">
-            <a:extLst>
-              <a:ext uri="{FF2B5EF4-FFF2-40B4-BE49-F238E27FC236}">
-                <a16:creationId xmlns:a16="http://schemas.microsoft.com/office/drawing/2014/main" id="{58387BDA-24A2-4432-AEDE-4F5F1621D6D4}"/>
-              </a:ext>
-            </a:extLst>
-          </p:cNvPr>
-          <p:cNvCxnSpPr>
-            <a:cxnSpLocks/>
-          </p:cNvCxnSpPr>
-          <p:nvPr/>
-        </p:nvCxnSpPr>
-        <p:spPr>
-          <a:xfrm>
-            <a:off x="5550816" y="163430"/>
-            <a:ext cx="1080000" cy="0"/>
-          </a:xfrm>
-          <a:prstGeom prst="line">
-            <a:avLst/>
-          </a:prstGeom>
-          <a:ln w="12700">
-            <a:solidFill>
-              <a:srgbClr val="03C6AB"/>
-            </a:solidFill>
-          </a:ln>
-        </p:spPr>
-        <p:style>
-          <a:lnRef idx="1">
-            <a:schemeClr val="accent1"/>
-          </a:lnRef>
-          <a:fillRef idx="0">
-            <a:schemeClr val="accent1"/>
-          </a:fillRef>
-          <a:effectRef idx="0">
-            <a:schemeClr val="accent1"/>
-          </a:effectRef>
-          <a:fontRef idx="minor">
-            <a:schemeClr val="tx1"/>
-          </a:fontRef>
-        </p:style>
-      </p:cxnSp>
-      <p:sp>
-        <p:nvSpPr>
-          <p:cNvPr id="203" name="TextBox 202"/>
-          <p:cNvSpPr txBox="1"/>
-          <p:nvPr/>
-        </p:nvSpPr>
-        <p:spPr>
-          <a:xfrm>
-            <a:off x="3784736" y="6329769"/>
-            <a:ext cx="4612160" cy="276999"/>
-          </a:xfrm>
-          <a:prstGeom prst="rect">
-            <a:avLst/>
-          </a:prstGeom>
-          <a:noFill/>
-        </p:spPr>
-        <p:txBody>
-          <a:bodyPr wrap="none" rtlCol="0">
-            <a:spAutoFit/>
-          </a:bodyPr>
-          <a:lstStyle/>
-          <a:p>
-            <a:r>
-              <a:rPr lang="en-US" altLang="ko-KR" sz="1200" kern="0" dirty="0" smtClean="0">
-                <a:solidFill>
-                  <a:prstClr val="white"/>
-                </a:solidFill>
-              </a:rPr>
-              <a:t>Although the speed is limited, it is free and has wide coverage</a:t>
-            </a:r>
-            <a:endParaRPr lang="ko-KR" altLang="en-US" sz="1200" dirty="0">
-              <a:solidFill>
-                <a:prstClr val="white"/>
-              </a:solidFill>
-            </a:endParaRPr>
-          </a:p>
-        </p:txBody>
-      </p:sp>
-      <p:pic>
-        <p:nvPicPr>
-          <p:cNvPr id="9" name="그림 8"/>
-          <p:cNvPicPr>
-            <a:picLocks noChangeAspect="1"/>
-          </p:cNvPicPr>
-          <p:nvPr/>
-        </p:nvPicPr>
-        <p:blipFill>
-          <a:blip r:embed="rId2"/>
-          <a:stretch>
-            <a:fillRect/>
-          </a:stretch>
-        </p:blipFill>
-        <p:spPr>
-          <a:xfrm>
-            <a:off x="600075" y="1171575"/>
-            <a:ext cx="10991850" cy="4514850"/>
-          </a:xfrm>
-          <a:prstGeom prst="rect">
-            <a:avLst/>
-          </a:prstGeom>
-        </p:spPr>
-      </p:pic>
-    </p:spTree>
-    <p:extLst>
-      <p:ext uri="{BB962C8B-B14F-4D97-AF65-F5344CB8AC3E}">
-        <p14:creationId xmlns:p14="http://schemas.microsoft.com/office/powerpoint/2010/main" val="1052501632"/>
-      </p:ext>
-    </p:extLst>
-  </p:cSld>
-  <p:clrMapOvr>
-    <a:masterClrMapping/>
-  </p:clrMapOvr>
-  <mc:AlternateContent xmlns:mc="http://schemas.openxmlformats.org/markup-compatibility/2006" xmlns:p14="http://schemas.microsoft.com/office/powerpoint/2010/main">
-    <mc:Choice Requires="p14">
-      <p:transition spd="med" p14:dur="700">
-        <p:fade/>
-      </p:transition>
-    </mc:Choice>
-    <mc:Fallback xmlns="">
-      <p:transition spd="med">
-        <p:fade/>
-      </p:transition>
-    </mc:Fallback>
-  </mc:AlternateContent>
-  <p:timing>
-    <p:tnLst>
-      <p:par>
-        <p:cTn id="1" dur="indefinite" restart="never" nodeType="tmRoot"/>
-      </p:par>
-    </p:tnLst>
-  </p:timing>
 </p:sld>
 </file>
 

--- a/Advanced Buisness Communicating Design/구현.pptx
+++ b/Advanced Buisness Communicating Design/구현.pptx
@@ -4,6 +4,9 @@
   <p:sldMasterIdLst>
     <p:sldMasterId id="2147483660" r:id="rId1"/>
   </p:sldMasterIdLst>
+  <p:notesMasterIdLst>
+    <p:notesMasterId r:id="rId13"/>
+  </p:notesMasterIdLst>
   <p:sldIdLst>
     <p:sldId id="261" r:id="rId2"/>
     <p:sldId id="270" r:id="rId3"/>
@@ -122,6 +125,356 @@
 </p:presentation>
 </file>
 
+<file path=ppt/notesMasters/notesMaster1.xml><?xml version="1.0" encoding="utf-8"?>
+<p:notesMaster xmlns:a="http://schemas.openxmlformats.org/drawingml/2006/main" xmlns:r="http://schemas.openxmlformats.org/officeDocument/2006/relationships" xmlns:p="http://schemas.openxmlformats.org/presentationml/2006/main">
+  <p:cSld>
+    <p:bg>
+      <p:bgRef idx="1001">
+        <a:schemeClr val="bg1"/>
+      </p:bgRef>
+    </p:bg>
+    <p:spTree>
+      <p:nvGrpSpPr>
+        <p:cNvPr id="1" name=""/>
+        <p:cNvGrpSpPr/>
+        <p:nvPr/>
+      </p:nvGrpSpPr>
+      <p:grpSpPr>
+        <a:xfrm>
+          <a:off x="0" y="0"/>
+          <a:ext cx="0" cy="0"/>
+          <a:chOff x="0" y="0"/>
+          <a:chExt cx="0" cy="0"/>
+        </a:xfrm>
+      </p:grpSpPr>
+      <p:sp>
+        <p:nvSpPr>
+          <p:cNvPr id="2" name="머리글 개체 틀 1"/>
+          <p:cNvSpPr>
+            <a:spLocks noGrp="1"/>
+          </p:cNvSpPr>
+          <p:nvPr>
+            <p:ph type="hdr" sz="quarter"/>
+          </p:nvPr>
+        </p:nvSpPr>
+        <p:spPr>
+          <a:xfrm>
+            <a:off x="0" y="0"/>
+            <a:ext cx="2971800" cy="458788"/>
+          </a:xfrm>
+          <a:prstGeom prst="rect">
+            <a:avLst/>
+          </a:prstGeom>
+        </p:spPr>
+        <p:txBody>
+          <a:bodyPr vert="horz" lIns="91440" tIns="45720" rIns="91440" bIns="45720" rtlCol="0"/>
+          <a:lstStyle>
+            <a:lvl1pPr algn="l">
+              <a:defRPr sz="1200"/>
+            </a:lvl1pPr>
+          </a:lstStyle>
+          <a:p>
+            <a:endParaRPr lang="ko-KR" altLang="en-US"/>
+          </a:p>
+        </p:txBody>
+      </p:sp>
+      <p:sp>
+        <p:nvSpPr>
+          <p:cNvPr id="3" name="날짜 개체 틀 2"/>
+          <p:cNvSpPr>
+            <a:spLocks noGrp="1"/>
+          </p:cNvSpPr>
+          <p:nvPr>
+            <p:ph type="dt" idx="1"/>
+          </p:nvPr>
+        </p:nvSpPr>
+        <p:spPr>
+          <a:xfrm>
+            <a:off x="3884613" y="0"/>
+            <a:ext cx="2971800" cy="458788"/>
+          </a:xfrm>
+          <a:prstGeom prst="rect">
+            <a:avLst/>
+          </a:prstGeom>
+        </p:spPr>
+        <p:txBody>
+          <a:bodyPr vert="horz" lIns="91440" tIns="45720" rIns="91440" bIns="45720" rtlCol="0"/>
+          <a:lstStyle>
+            <a:lvl1pPr algn="r">
+              <a:defRPr sz="1200"/>
+            </a:lvl1pPr>
+          </a:lstStyle>
+          <a:p>
+            <a:fld id="{21C143D6-111D-41FF-985A-AED492DD8400}" type="datetimeFigureOut">
+              <a:rPr lang="ko-KR" altLang="en-US" smtClean="0"/>
+              <a:t>2022-04-04</a:t>
+            </a:fld>
+            <a:endParaRPr lang="ko-KR" altLang="en-US"/>
+          </a:p>
+        </p:txBody>
+      </p:sp>
+      <p:sp>
+        <p:nvSpPr>
+          <p:cNvPr id="4" name="슬라이드 이미지 개체 틀 3"/>
+          <p:cNvSpPr>
+            <a:spLocks noGrp="1" noRot="1" noChangeAspect="1"/>
+          </p:cNvSpPr>
+          <p:nvPr>
+            <p:ph type="sldImg" idx="2"/>
+          </p:nvPr>
+        </p:nvSpPr>
+        <p:spPr>
+          <a:xfrm>
+            <a:off x="685800" y="1143000"/>
+            <a:ext cx="5486400" cy="3086100"/>
+          </a:xfrm>
+          <a:prstGeom prst="rect">
+            <a:avLst/>
+          </a:prstGeom>
+          <a:noFill/>
+          <a:ln w="12700">
+            <a:solidFill>
+              <a:prstClr val="black"/>
+            </a:solidFill>
+          </a:ln>
+        </p:spPr>
+        <p:txBody>
+          <a:bodyPr vert="horz" lIns="91440" tIns="45720" rIns="91440" bIns="45720" rtlCol="0" anchor="ctr"/>
+          <a:lstStyle/>
+          <a:p>
+            <a:endParaRPr lang="ko-KR" altLang="en-US"/>
+          </a:p>
+        </p:txBody>
+      </p:sp>
+      <p:sp>
+        <p:nvSpPr>
+          <p:cNvPr id="5" name="슬라이드 노트 개체 틀 4"/>
+          <p:cNvSpPr>
+            <a:spLocks noGrp="1"/>
+          </p:cNvSpPr>
+          <p:nvPr>
+            <p:ph type="body" sz="quarter" idx="3"/>
+          </p:nvPr>
+        </p:nvSpPr>
+        <p:spPr>
+          <a:xfrm>
+            <a:off x="685800" y="4400550"/>
+            <a:ext cx="5486400" cy="3600450"/>
+          </a:xfrm>
+          <a:prstGeom prst="rect">
+            <a:avLst/>
+          </a:prstGeom>
+        </p:spPr>
+        <p:txBody>
+          <a:bodyPr vert="horz" lIns="91440" tIns="45720" rIns="91440" bIns="45720" rtlCol="0"/>
+          <a:lstStyle/>
+          <a:p>
+            <a:pPr lvl="0"/>
+            <a:r>
+              <a:rPr lang="ko-KR" altLang="en-US" smtClean="0"/>
+              <a:t>마스터 텍스트 스타일 편집</a:t>
+            </a:r>
+          </a:p>
+          <a:p>
+            <a:pPr lvl="1"/>
+            <a:r>
+              <a:rPr lang="ko-KR" altLang="en-US" smtClean="0"/>
+              <a:t>둘째 수준</a:t>
+            </a:r>
+          </a:p>
+          <a:p>
+            <a:pPr lvl="2"/>
+            <a:r>
+              <a:rPr lang="ko-KR" altLang="en-US" smtClean="0"/>
+              <a:t>셋째 수준</a:t>
+            </a:r>
+          </a:p>
+          <a:p>
+            <a:pPr lvl="3"/>
+            <a:r>
+              <a:rPr lang="ko-KR" altLang="en-US" smtClean="0"/>
+              <a:t>넷째 수준</a:t>
+            </a:r>
+          </a:p>
+          <a:p>
+            <a:pPr lvl="4"/>
+            <a:r>
+              <a:rPr lang="ko-KR" altLang="en-US" smtClean="0"/>
+              <a:t>다섯째 수준</a:t>
+            </a:r>
+            <a:endParaRPr lang="ko-KR" altLang="en-US"/>
+          </a:p>
+        </p:txBody>
+      </p:sp>
+      <p:sp>
+        <p:nvSpPr>
+          <p:cNvPr id="6" name="바닥글 개체 틀 5"/>
+          <p:cNvSpPr>
+            <a:spLocks noGrp="1"/>
+          </p:cNvSpPr>
+          <p:nvPr>
+            <p:ph type="ftr" sz="quarter" idx="4"/>
+          </p:nvPr>
+        </p:nvSpPr>
+        <p:spPr>
+          <a:xfrm>
+            <a:off x="0" y="8685213"/>
+            <a:ext cx="2971800" cy="458787"/>
+          </a:xfrm>
+          <a:prstGeom prst="rect">
+            <a:avLst/>
+          </a:prstGeom>
+        </p:spPr>
+        <p:txBody>
+          <a:bodyPr vert="horz" lIns="91440" tIns="45720" rIns="91440" bIns="45720" rtlCol="0" anchor="b"/>
+          <a:lstStyle>
+            <a:lvl1pPr algn="l">
+              <a:defRPr sz="1200"/>
+            </a:lvl1pPr>
+          </a:lstStyle>
+          <a:p>
+            <a:endParaRPr lang="ko-KR" altLang="en-US"/>
+          </a:p>
+        </p:txBody>
+      </p:sp>
+      <p:sp>
+        <p:nvSpPr>
+          <p:cNvPr id="7" name="슬라이드 번호 개체 틀 6"/>
+          <p:cNvSpPr>
+            <a:spLocks noGrp="1"/>
+          </p:cNvSpPr>
+          <p:nvPr>
+            <p:ph type="sldNum" sz="quarter" idx="5"/>
+          </p:nvPr>
+        </p:nvSpPr>
+        <p:spPr>
+          <a:xfrm>
+            <a:off x="3884613" y="8685213"/>
+            <a:ext cx="2971800" cy="458787"/>
+          </a:xfrm>
+          <a:prstGeom prst="rect">
+            <a:avLst/>
+          </a:prstGeom>
+        </p:spPr>
+        <p:txBody>
+          <a:bodyPr vert="horz" lIns="91440" tIns="45720" rIns="91440" bIns="45720" rtlCol="0" anchor="b"/>
+          <a:lstStyle>
+            <a:lvl1pPr algn="r">
+              <a:defRPr sz="1200"/>
+            </a:lvl1pPr>
+          </a:lstStyle>
+          <a:p>
+            <a:fld id="{AC7CCDA9-4522-4C6E-B788-F7998354E2F0}" type="slidenum">
+              <a:rPr lang="ko-KR" altLang="en-US" smtClean="0"/>
+              <a:t>‹#›</a:t>
+            </a:fld>
+            <a:endParaRPr lang="ko-KR" altLang="en-US"/>
+          </a:p>
+        </p:txBody>
+      </p:sp>
+    </p:spTree>
+    <p:extLst>
+      <p:ext uri="{BB962C8B-B14F-4D97-AF65-F5344CB8AC3E}">
+        <p14:creationId xmlns:p14="http://schemas.microsoft.com/office/powerpoint/2010/main" val="2281818097"/>
+      </p:ext>
+    </p:extLst>
+  </p:cSld>
+  <p:clrMap bg1="lt1" tx1="dk1" bg2="lt2" tx2="dk2" accent1="accent1" accent2="accent2" accent3="accent3" accent4="accent4" accent5="accent5" accent6="accent6" hlink="hlink" folHlink="folHlink"/>
+  <p:notesStyle>
+    <a:lvl1pPr marL="0" algn="l" defTabSz="914400" rtl="0" eaLnBrk="1" latinLnBrk="1" hangingPunct="1">
+      <a:defRPr sz="1200" kern="1200">
+        <a:solidFill>
+          <a:schemeClr val="tx1"/>
+        </a:solidFill>
+        <a:latin typeface="+mn-lt"/>
+        <a:ea typeface="+mn-ea"/>
+        <a:cs typeface="+mn-cs"/>
+      </a:defRPr>
+    </a:lvl1pPr>
+    <a:lvl2pPr marL="457200" algn="l" defTabSz="914400" rtl="0" eaLnBrk="1" latinLnBrk="1" hangingPunct="1">
+      <a:defRPr sz="1200" kern="1200">
+        <a:solidFill>
+          <a:schemeClr val="tx1"/>
+        </a:solidFill>
+        <a:latin typeface="+mn-lt"/>
+        <a:ea typeface="+mn-ea"/>
+        <a:cs typeface="+mn-cs"/>
+      </a:defRPr>
+    </a:lvl2pPr>
+    <a:lvl3pPr marL="914400" algn="l" defTabSz="914400" rtl="0" eaLnBrk="1" latinLnBrk="1" hangingPunct="1">
+      <a:defRPr sz="1200" kern="1200">
+        <a:solidFill>
+          <a:schemeClr val="tx1"/>
+        </a:solidFill>
+        <a:latin typeface="+mn-lt"/>
+        <a:ea typeface="+mn-ea"/>
+        <a:cs typeface="+mn-cs"/>
+      </a:defRPr>
+    </a:lvl3pPr>
+    <a:lvl4pPr marL="1371600" algn="l" defTabSz="914400" rtl="0" eaLnBrk="1" latinLnBrk="1" hangingPunct="1">
+      <a:defRPr sz="1200" kern="1200">
+        <a:solidFill>
+          <a:schemeClr val="tx1"/>
+        </a:solidFill>
+        <a:latin typeface="+mn-lt"/>
+        <a:ea typeface="+mn-ea"/>
+        <a:cs typeface="+mn-cs"/>
+      </a:defRPr>
+    </a:lvl4pPr>
+    <a:lvl5pPr marL="1828800" algn="l" defTabSz="914400" rtl="0" eaLnBrk="1" latinLnBrk="1" hangingPunct="1">
+      <a:defRPr sz="1200" kern="1200">
+        <a:solidFill>
+          <a:schemeClr val="tx1"/>
+        </a:solidFill>
+        <a:latin typeface="+mn-lt"/>
+        <a:ea typeface="+mn-ea"/>
+        <a:cs typeface="+mn-cs"/>
+      </a:defRPr>
+    </a:lvl5pPr>
+    <a:lvl6pPr marL="2286000" algn="l" defTabSz="914400" rtl="0" eaLnBrk="1" latinLnBrk="1" hangingPunct="1">
+      <a:defRPr sz="1200" kern="1200">
+        <a:solidFill>
+          <a:schemeClr val="tx1"/>
+        </a:solidFill>
+        <a:latin typeface="+mn-lt"/>
+        <a:ea typeface="+mn-ea"/>
+        <a:cs typeface="+mn-cs"/>
+      </a:defRPr>
+    </a:lvl6pPr>
+    <a:lvl7pPr marL="2743200" algn="l" defTabSz="914400" rtl="0" eaLnBrk="1" latinLnBrk="1" hangingPunct="1">
+      <a:defRPr sz="1200" kern="1200">
+        <a:solidFill>
+          <a:schemeClr val="tx1"/>
+        </a:solidFill>
+        <a:latin typeface="+mn-lt"/>
+        <a:ea typeface="+mn-ea"/>
+        <a:cs typeface="+mn-cs"/>
+      </a:defRPr>
+    </a:lvl7pPr>
+    <a:lvl8pPr marL="3200400" algn="l" defTabSz="914400" rtl="0" eaLnBrk="1" latinLnBrk="1" hangingPunct="1">
+      <a:defRPr sz="1200" kern="1200">
+        <a:solidFill>
+          <a:schemeClr val="tx1"/>
+        </a:solidFill>
+        <a:latin typeface="+mn-lt"/>
+        <a:ea typeface="+mn-ea"/>
+        <a:cs typeface="+mn-cs"/>
+      </a:defRPr>
+    </a:lvl8pPr>
+    <a:lvl9pPr marL="3657600" algn="l" defTabSz="914400" rtl="0" eaLnBrk="1" latinLnBrk="1" hangingPunct="1">
+      <a:defRPr sz="1200" kern="1200">
+        <a:solidFill>
+          <a:schemeClr val="tx1"/>
+        </a:solidFill>
+        <a:latin typeface="+mn-lt"/>
+        <a:ea typeface="+mn-ea"/>
+        <a:cs typeface="+mn-cs"/>
+      </a:defRPr>
+    </a:lvl9pPr>
+  </p:notesStyle>
+</p:notesMaster>
+</file>
+
 <file path=ppt/slideLayouts/slideLayout1.xml><?xml version="1.0" encoding="utf-8"?>
 <p:sldLayout xmlns:a="http://schemas.openxmlformats.org/drawingml/2006/main" xmlns:r="http://schemas.openxmlformats.org/officeDocument/2006/relationships" xmlns:p="http://schemas.openxmlformats.org/presentationml/2006/main" type="title" preserve="1">
   <p:cSld name="제목 슬라이드">
@@ -267,7 +620,7 @@
           <a:bodyPr/>
           <a:lstStyle/>
           <a:p>
-            <a:fld id="{45A40FD1-0EE3-4101-8160-1422DBE4B71F}" type="datetimeFigureOut">
+            <a:fld id="{C5B754A4-0F3F-4C88-957C-75FED4C8145E}" type="datetime1">
               <a:rPr lang="ko-KR" altLang="en-US" smtClean="0">
                 <a:solidFill>
                   <a:prstClr val="black">
@@ -275,8 +628,7 @@
                   </a:prstClr>
                 </a:solidFill>
               </a:rPr>
-              <a:pPr/>
-              <a:t>2022-04-02</a:t>
+              <a:t>2022-04-04</a:t>
             </a:fld>
             <a:endParaRPr lang="ko-KR" altLang="en-US">
               <a:solidFill>
@@ -497,7 +849,7 @@
           <a:bodyPr/>
           <a:lstStyle/>
           <a:p>
-            <a:fld id="{45A40FD1-0EE3-4101-8160-1422DBE4B71F}" type="datetimeFigureOut">
+            <a:fld id="{ADE22267-06C4-4C5C-A57C-78B59D3772DF}" type="datetime1">
               <a:rPr lang="ko-KR" altLang="en-US" smtClean="0">
                 <a:solidFill>
                   <a:prstClr val="black">
@@ -505,8 +857,7 @@
                   </a:prstClr>
                 </a:solidFill>
               </a:rPr>
-              <a:pPr/>
-              <a:t>2022-04-02</a:t>
+              <a:t>2022-04-04</a:t>
             </a:fld>
             <a:endParaRPr lang="ko-KR" altLang="en-US">
               <a:solidFill>
@@ -737,7 +1088,7 @@
           <a:bodyPr/>
           <a:lstStyle/>
           <a:p>
-            <a:fld id="{45A40FD1-0EE3-4101-8160-1422DBE4B71F}" type="datetimeFigureOut">
+            <a:fld id="{A19B0EE7-782A-46F8-BF2C-DA4E8DC47664}" type="datetime1">
               <a:rPr lang="ko-KR" altLang="en-US" smtClean="0">
                 <a:solidFill>
                   <a:prstClr val="black">
@@ -745,8 +1096,7 @@
                   </a:prstClr>
                 </a:solidFill>
               </a:rPr>
-              <a:pPr/>
-              <a:t>2022-04-02</a:t>
+              <a:t>2022-04-04</a:t>
             </a:fld>
             <a:endParaRPr lang="ko-KR" altLang="en-US">
               <a:solidFill>
@@ -967,7 +1317,7 @@
           <a:bodyPr/>
           <a:lstStyle/>
           <a:p>
-            <a:fld id="{45A40FD1-0EE3-4101-8160-1422DBE4B71F}" type="datetimeFigureOut">
+            <a:fld id="{E40A1E3B-6CF9-4D50-ADCC-B5C669AB8BD0}" type="datetime1">
               <a:rPr lang="ko-KR" altLang="en-US" smtClean="0">
                 <a:solidFill>
                   <a:prstClr val="black">
@@ -975,8 +1325,7 @@
                   </a:prstClr>
                 </a:solidFill>
               </a:rPr>
-              <a:pPr/>
-              <a:t>2022-04-02</a:t>
+              <a:t>2022-04-04</a:t>
             </a:fld>
             <a:endParaRPr lang="ko-KR" altLang="en-US">
               <a:solidFill>
@@ -1274,7 +1623,7 @@
           <a:bodyPr/>
           <a:lstStyle/>
           <a:p>
-            <a:fld id="{45A40FD1-0EE3-4101-8160-1422DBE4B71F}" type="datetimeFigureOut">
+            <a:fld id="{CC141836-8376-47DF-8F05-B90F47AEA40F}" type="datetime1">
               <a:rPr lang="ko-KR" altLang="en-US" smtClean="0">
                 <a:solidFill>
                   <a:prstClr val="black">
@@ -1282,8 +1631,7 @@
                   </a:prstClr>
                 </a:solidFill>
               </a:rPr>
-              <a:pPr/>
-              <a:t>2022-04-02</a:t>
+              <a:t>2022-04-04</a:t>
             </a:fld>
             <a:endParaRPr lang="ko-KR" altLang="en-US">
               <a:solidFill>
@@ -1571,7 +1919,7 @@
           <a:bodyPr/>
           <a:lstStyle/>
           <a:p>
-            <a:fld id="{45A40FD1-0EE3-4101-8160-1422DBE4B71F}" type="datetimeFigureOut">
+            <a:fld id="{EAFE054B-F637-4267-AA73-04DCE0CE4A6F}" type="datetime1">
               <a:rPr lang="ko-KR" altLang="en-US" smtClean="0">
                 <a:solidFill>
                   <a:prstClr val="black">
@@ -1579,8 +1927,7 @@
                   </a:prstClr>
                 </a:solidFill>
               </a:rPr>
-              <a:pPr/>
-              <a:t>2022-04-02</a:t>
+              <a:t>2022-04-04</a:t>
             </a:fld>
             <a:endParaRPr lang="ko-KR" altLang="en-US">
               <a:solidFill>
@@ -2015,7 +2362,7 @@
           <a:bodyPr/>
           <a:lstStyle/>
           <a:p>
-            <a:fld id="{45A40FD1-0EE3-4101-8160-1422DBE4B71F}" type="datetimeFigureOut">
+            <a:fld id="{B6DB06D2-972E-497B-93DC-F8202DF9A9CB}" type="datetime1">
               <a:rPr lang="ko-KR" altLang="en-US" smtClean="0">
                 <a:solidFill>
                   <a:prstClr val="black">
@@ -2023,8 +2370,7 @@
                   </a:prstClr>
                 </a:solidFill>
               </a:rPr>
-              <a:pPr/>
-              <a:t>2022-04-02</a:t>
+              <a:t>2022-04-04</a:t>
             </a:fld>
             <a:endParaRPr lang="ko-KR" altLang="en-US">
               <a:solidFill>
@@ -2188,7 +2534,7 @@
           <a:bodyPr/>
           <a:lstStyle/>
           <a:p>
-            <a:fld id="{45A40FD1-0EE3-4101-8160-1422DBE4B71F}" type="datetimeFigureOut">
+            <a:fld id="{5206710B-65F2-4C20-86A3-A0B57CD32661}" type="datetime1">
               <a:rPr lang="ko-KR" altLang="en-US" smtClean="0">
                 <a:solidFill>
                   <a:prstClr val="black">
@@ -2196,8 +2542,7 @@
                   </a:prstClr>
                 </a:solidFill>
               </a:rPr>
-              <a:pPr/>
-              <a:t>2022-04-02</a:t>
+              <a:t>2022-04-04</a:t>
             </a:fld>
             <a:endParaRPr lang="ko-KR" altLang="en-US">
               <a:solidFill>
@@ -2333,7 +2678,7 @@
           <a:bodyPr/>
           <a:lstStyle/>
           <a:p>
-            <a:fld id="{45A40FD1-0EE3-4101-8160-1422DBE4B71F}" type="datetimeFigureOut">
+            <a:fld id="{37222F1A-9866-4C22-B2C8-70D07B6C69E5}" type="datetime1">
               <a:rPr lang="ko-KR" altLang="en-US" smtClean="0">
                 <a:solidFill>
                   <a:prstClr val="black">
@@ -2341,8 +2686,7 @@
                   </a:prstClr>
                 </a:solidFill>
               </a:rPr>
-              <a:pPr/>
-              <a:t>2022-04-02</a:t>
+              <a:t>2022-04-04</a:t>
             </a:fld>
             <a:endParaRPr lang="ko-KR" altLang="en-US">
               <a:solidFill>
@@ -2676,7 +3020,7 @@
           <a:bodyPr/>
           <a:lstStyle/>
           <a:p>
-            <a:fld id="{45A40FD1-0EE3-4101-8160-1422DBE4B71F}" type="datetimeFigureOut">
+            <a:fld id="{598407AD-D919-49E7-89B5-CBA62A3F4235}" type="datetime1">
               <a:rPr lang="ko-KR" altLang="en-US" smtClean="0">
                 <a:solidFill>
                   <a:prstClr val="black">
@@ -2684,8 +3028,7 @@
                   </a:prstClr>
                 </a:solidFill>
               </a:rPr>
-              <a:pPr/>
-              <a:t>2022-04-02</a:t>
+              <a:t>2022-04-04</a:t>
             </a:fld>
             <a:endParaRPr lang="ko-KR" altLang="en-US">
               <a:solidFill>
@@ -2996,7 +3339,7 @@
           <a:bodyPr/>
           <a:lstStyle/>
           <a:p>
-            <a:fld id="{45A40FD1-0EE3-4101-8160-1422DBE4B71F}" type="datetimeFigureOut">
+            <a:fld id="{2BE5DDDA-6235-4785-B54E-0CDFEF83C105}" type="datetime1">
               <a:rPr lang="ko-KR" altLang="en-US" smtClean="0">
                 <a:solidFill>
                   <a:prstClr val="black">
@@ -3004,8 +3347,7 @@
                   </a:prstClr>
                 </a:solidFill>
               </a:rPr>
-              <a:pPr/>
-              <a:t>2022-04-02</a:t>
+              <a:t>2022-04-04</a:t>
             </a:fld>
             <a:endParaRPr lang="ko-KR" altLang="en-US">
               <a:solidFill>
@@ -3269,7 +3611,7 @@
             </a:lvl1pPr>
           </a:lstStyle>
           <a:p>
-            <a:fld id="{45A40FD1-0EE3-4101-8160-1422DBE4B71F}" type="datetimeFigureOut">
+            <a:fld id="{3CA23B6D-8345-48DF-B7A7-21E606249E99}" type="datetime1">
               <a:rPr lang="ko-KR" altLang="en-US" smtClean="0">
                 <a:solidFill>
                   <a:prstClr val="black">
@@ -3277,8 +3619,7 @@
                   </a:prstClr>
                 </a:solidFill>
               </a:rPr>
-              <a:pPr/>
-              <a:t>2022-04-02</a:t>
+              <a:t>2022-04-04</a:t>
             </a:fld>
             <a:endParaRPr lang="ko-KR" altLang="en-US">
               <a:solidFill>
@@ -3420,6 +3761,7 @@
     <p:sldLayoutId id="2147483670" r:id="rId10"/>
     <p:sldLayoutId id="2147483671" r:id="rId11"/>
   </p:sldLayoutIdLst>
+  <p:hf hdr="0" ftr="0" dt="0"/>
   <p:txStyles>
     <p:titleStyle>
       <a:lvl1pPr algn="l" defTabSz="914400" rtl="0" eaLnBrk="1" latinLnBrk="1" hangingPunct="1">
@@ -4555,6 +4897,42 @@
           </p:txBody>
         </p:sp>
       </p:grpSp>
+      <p:sp>
+        <p:nvSpPr>
+          <p:cNvPr id="4" name="슬라이드 번호 개체 틀 3"/>
+          <p:cNvSpPr>
+            <a:spLocks noGrp="1"/>
+          </p:cNvSpPr>
+          <p:nvPr>
+            <p:ph type="sldNum" sz="quarter" idx="12"/>
+          </p:nvPr>
+        </p:nvSpPr>
+        <p:spPr/>
+        <p:txBody>
+          <a:bodyPr/>
+          <a:lstStyle/>
+          <a:p>
+            <a:fld id="{A304987C-29F7-432B-B883-ED8D01B47793}" type="slidenum">
+              <a:rPr lang="ko-KR" altLang="en-US" smtClean="0">
+                <a:solidFill>
+                  <a:prstClr val="black">
+                    <a:tint val="75000"/>
+                  </a:prstClr>
+                </a:solidFill>
+              </a:rPr>
+              <a:pPr/>
+              <a:t>1</a:t>
+            </a:fld>
+            <a:endParaRPr lang="ko-KR" altLang="en-US">
+              <a:solidFill>
+                <a:prstClr val="black">
+                  <a:tint val="75000"/>
+                </a:prstClr>
+              </a:solidFill>
+            </a:endParaRPr>
+          </a:p>
+        </p:txBody>
+      </p:sp>
     </p:spTree>
     <p:extLst>
       <p:ext uri="{BB962C8B-B14F-4D97-AF65-F5344CB8AC3E}">
@@ -4815,6 +5193,42 @@
           </a:prstGeom>
         </p:spPr>
       </p:pic>
+      <p:sp>
+        <p:nvSpPr>
+          <p:cNvPr id="2" name="슬라이드 번호 개체 틀 1"/>
+          <p:cNvSpPr>
+            <a:spLocks noGrp="1"/>
+          </p:cNvSpPr>
+          <p:nvPr>
+            <p:ph type="sldNum" sz="quarter" idx="12"/>
+          </p:nvPr>
+        </p:nvSpPr>
+        <p:spPr/>
+        <p:txBody>
+          <a:bodyPr/>
+          <a:lstStyle/>
+          <a:p>
+            <a:fld id="{A304987C-29F7-432B-B883-ED8D01B47793}" type="slidenum">
+              <a:rPr lang="ko-KR" altLang="en-US" smtClean="0">
+                <a:solidFill>
+                  <a:prstClr val="black">
+                    <a:tint val="75000"/>
+                  </a:prstClr>
+                </a:solidFill>
+              </a:rPr>
+              <a:pPr/>
+              <a:t>10</a:t>
+            </a:fld>
+            <a:endParaRPr lang="ko-KR" altLang="en-US">
+              <a:solidFill>
+                <a:prstClr val="black">
+                  <a:tint val="75000"/>
+                </a:prstClr>
+              </a:solidFill>
+            </a:endParaRPr>
+          </a:p>
+        </p:txBody>
+      </p:sp>
     </p:spTree>
     <p:extLst>
       <p:ext uri="{BB962C8B-B14F-4D97-AF65-F5344CB8AC3E}">
@@ -4837,6 +5251,13 @@
       </p:transition>
     </mc:Fallback>
   </mc:AlternateContent>
+  <p:timing>
+    <p:tnLst>
+      <p:par>
+        <p:cTn id="1" dur="indefinite" restart="never" nodeType="tmRoot"/>
+      </p:par>
+    </p:tnLst>
+  </p:timing>
 </p:sld>
 </file>
 
@@ -5142,6 +5563,42 @@
           </a:p>
         </p:txBody>
       </p:sp>
+      <p:sp>
+        <p:nvSpPr>
+          <p:cNvPr id="2" name="슬라이드 번호 개체 틀 1"/>
+          <p:cNvSpPr>
+            <a:spLocks noGrp="1"/>
+          </p:cNvSpPr>
+          <p:nvPr>
+            <p:ph type="sldNum" sz="quarter" idx="12"/>
+          </p:nvPr>
+        </p:nvSpPr>
+        <p:spPr/>
+        <p:txBody>
+          <a:bodyPr/>
+          <a:lstStyle/>
+          <a:p>
+            <a:fld id="{A304987C-29F7-432B-B883-ED8D01B47793}" type="slidenum">
+              <a:rPr lang="ko-KR" altLang="en-US" smtClean="0">
+                <a:solidFill>
+                  <a:prstClr val="black">
+                    <a:tint val="75000"/>
+                  </a:prstClr>
+                </a:solidFill>
+              </a:rPr>
+              <a:pPr/>
+              <a:t>11</a:t>
+            </a:fld>
+            <a:endParaRPr lang="ko-KR" altLang="en-US">
+              <a:solidFill>
+                <a:prstClr val="black">
+                  <a:tint val="75000"/>
+                </a:prstClr>
+              </a:solidFill>
+            </a:endParaRPr>
+          </a:p>
+        </p:txBody>
+      </p:sp>
     </p:spTree>
     <p:extLst>
       <p:ext uri="{BB962C8B-B14F-4D97-AF65-F5344CB8AC3E}">
@@ -5164,6 +5621,13 @@
       </p:transition>
     </mc:Fallback>
   </mc:AlternateContent>
+  <p:timing>
+    <p:tnLst>
+      <p:par>
+        <p:cTn id="1" dur="indefinite" restart="never" nodeType="tmRoot"/>
+      </p:par>
+    </p:tnLst>
+  </p:timing>
 </p:sld>
 </file>
 
@@ -5689,7 +6153,7 @@
         </p:nvSpPr>
         <p:spPr>
           <a:xfrm>
-            <a:off x="4472736" y="4263054"/>
+            <a:off x="4491405" y="4263054"/>
             <a:ext cx="822036" cy="531091"/>
           </a:xfrm>
           <a:prstGeom prst="rect">
@@ -6697,6 +7161,42 @@
           </a:p>
         </p:txBody>
       </p:sp>
+      <p:sp>
+        <p:nvSpPr>
+          <p:cNvPr id="2" name="슬라이드 번호 개체 틀 1"/>
+          <p:cNvSpPr>
+            <a:spLocks noGrp="1"/>
+          </p:cNvSpPr>
+          <p:nvPr>
+            <p:ph type="sldNum" sz="quarter" idx="12"/>
+          </p:nvPr>
+        </p:nvSpPr>
+        <p:spPr/>
+        <p:txBody>
+          <a:bodyPr/>
+          <a:lstStyle/>
+          <a:p>
+            <a:fld id="{A304987C-29F7-432B-B883-ED8D01B47793}" type="slidenum">
+              <a:rPr lang="ko-KR" altLang="en-US" smtClean="0">
+                <a:solidFill>
+                  <a:prstClr val="black">
+                    <a:tint val="75000"/>
+                  </a:prstClr>
+                </a:solidFill>
+              </a:rPr>
+              <a:pPr/>
+              <a:t>2</a:t>
+            </a:fld>
+            <a:endParaRPr lang="ko-KR" altLang="en-US">
+              <a:solidFill>
+                <a:prstClr val="black">
+                  <a:tint val="75000"/>
+                </a:prstClr>
+              </a:solidFill>
+            </a:endParaRPr>
+          </a:p>
+        </p:txBody>
+      </p:sp>
     </p:spTree>
     <p:extLst>
       <p:ext uri="{BB962C8B-B14F-4D97-AF65-F5344CB8AC3E}">
@@ -6719,6 +7219,13 @@
       </p:transition>
     </mc:Fallback>
   </mc:AlternateContent>
+  <p:timing>
+    <p:tnLst>
+      <p:par>
+        <p:cTn id="1" dur="indefinite" restart="never" nodeType="tmRoot"/>
+      </p:par>
+    </p:tnLst>
+  </p:timing>
 </p:sld>
 </file>
 
@@ -6895,15 +7402,39 @@
               <a:buChar char="•"/>
             </a:pPr>
             <a:r>
+              <a:rPr lang="en-US" altLang="ko-KR" sz="2000" dirty="0" smtClean="0">
+                <a:solidFill>
+                  <a:schemeClr val="bg1"/>
+                </a:solidFill>
+              </a:rPr>
+              <a:t>Saving </a:t>
+            </a:r>
+            <a:r>
               <a:rPr lang="en-US" altLang="ko-KR" sz="2000" dirty="0">
                 <a:solidFill>
                   <a:schemeClr val="bg1"/>
                 </a:solidFill>
               </a:rPr>
-              <a:t>Save and Loading</a:t>
-            </a:r>
-            <a:r>
-              <a:rPr lang="ko-KR" altLang="en-US" sz="2000" dirty="0">
+              <a:t>and </a:t>
+            </a:r>
+            <a:r>
+              <a:rPr lang="en-US" altLang="ko-KR" sz="2000" dirty="0" smtClean="0">
+                <a:solidFill>
+                  <a:schemeClr val="bg1"/>
+                </a:solidFill>
+              </a:rPr>
+              <a:t>Load</a:t>
+            </a:r>
+            <a:r>
+              <a:rPr lang="en-US" altLang="ko-KR" sz="2000" dirty="0" smtClean="0">
+                <a:solidFill>
+                  <a:schemeClr val="bg1"/>
+                </a:solidFill>
+              </a:rPr>
+              <a:t>ing</a:t>
+            </a:r>
+            <a:r>
+              <a:rPr lang="en-US" altLang="ko-KR" sz="2000" dirty="0" smtClean="0">
                 <a:solidFill>
                   <a:schemeClr val="bg1"/>
                 </a:solidFill>
@@ -6911,13 +7442,18 @@
               <a:t> </a:t>
             </a:r>
             <a:r>
-              <a:rPr lang="en-US" altLang="ko-KR" sz="2000" dirty="0">
+              <a:rPr lang="en-US" altLang="ko-KR" sz="2000" dirty="0" err="1" smtClean="0">
                 <a:solidFill>
                   <a:schemeClr val="bg1"/>
                 </a:solidFill>
               </a:rPr>
-              <a:t>Blockchain</a:t>
-            </a:r>
+              <a:t>BlockChain</a:t>
+            </a:r>
+            <a:endParaRPr lang="en-US" altLang="ko-KR" sz="2000" dirty="0">
+              <a:solidFill>
+                <a:schemeClr val="bg1"/>
+              </a:solidFill>
+            </a:endParaRPr>
           </a:p>
           <a:p>
             <a:pPr algn="ctr"/>
@@ -7053,6 +7589,42 @@
               </a:rPr>
               <a:t>(Hash, Object Serialization, Socket Comm)</a:t>
             </a:r>
+          </a:p>
+        </p:txBody>
+      </p:sp>
+      <p:sp>
+        <p:nvSpPr>
+          <p:cNvPr id="2" name="슬라이드 번호 개체 틀 1"/>
+          <p:cNvSpPr>
+            <a:spLocks noGrp="1"/>
+          </p:cNvSpPr>
+          <p:nvPr>
+            <p:ph type="sldNum" sz="quarter" idx="12"/>
+          </p:nvPr>
+        </p:nvSpPr>
+        <p:spPr/>
+        <p:txBody>
+          <a:bodyPr/>
+          <a:lstStyle/>
+          <a:p>
+            <a:fld id="{A304987C-29F7-432B-B883-ED8D01B47793}" type="slidenum">
+              <a:rPr lang="ko-KR" altLang="en-US" smtClean="0">
+                <a:solidFill>
+                  <a:prstClr val="black">
+                    <a:tint val="75000"/>
+                  </a:prstClr>
+                </a:solidFill>
+              </a:rPr>
+              <a:pPr/>
+              <a:t>3</a:t>
+            </a:fld>
+            <a:endParaRPr lang="ko-KR" altLang="en-US">
+              <a:solidFill>
+                <a:prstClr val="black">
+                  <a:tint val="75000"/>
+                </a:prstClr>
+              </a:solidFill>
+            </a:endParaRPr>
           </a:p>
         </p:txBody>
       </p:sp>
@@ -7078,6 +7650,13 @@
       </p:transition>
     </mc:Fallback>
   </mc:AlternateContent>
+  <p:timing>
+    <p:tnLst>
+      <p:par>
+        <p:cTn id="1" dur="indefinite" restart="never" nodeType="tmRoot"/>
+      </p:par>
+    </p:tnLst>
+  </p:timing>
 </p:sld>
 </file>
 
@@ -7561,13 +8140,18 @@
           <a:p>
             <a:pPr algn="ctr"/>
             <a:r>
-              <a:rPr lang="en-US" altLang="ko-KR" dirty="0">
+              <a:rPr lang="en-US" altLang="ko-KR" dirty="0" smtClean="0">
                 <a:solidFill>
                   <a:schemeClr val="tx2"/>
                 </a:solidFill>
               </a:rPr>
               <a:t>State Change</a:t>
             </a:r>
+            <a:endParaRPr lang="en-US" altLang="ko-KR" dirty="0">
+              <a:solidFill>
+                <a:schemeClr val="tx2"/>
+              </a:solidFill>
+            </a:endParaRPr>
           </a:p>
           <a:p>
             <a:pPr algn="ctr"/>
@@ -7577,7 +8161,15 @@
                   <a:schemeClr val="tx2"/>
                 </a:solidFill>
               </a:rPr>
-              <a:t>(i.e. Network Comm, Process on/off)</a:t>
+              <a:t>(i.e. Network Comm, </a:t>
+            </a:r>
+            <a:r>
+              <a:rPr lang="en-US" altLang="ko-KR" dirty="0" smtClean="0">
+                <a:solidFill>
+                  <a:schemeClr val="tx2"/>
+                </a:solidFill>
+              </a:rPr>
+              <a:t>Reloading)</a:t>
             </a:r>
             <a:endParaRPr lang="ko-KR" altLang="en-US" dirty="0">
               <a:solidFill>
@@ -7642,6 +8234,42 @@
               <a:t>hashing(Object o) {…}</a:t>
             </a:r>
             <a:endParaRPr lang="ko-KR" altLang="en-US" dirty="0"/>
+          </a:p>
+        </p:txBody>
+      </p:sp>
+      <p:sp>
+        <p:nvSpPr>
+          <p:cNvPr id="4" name="슬라이드 번호 개체 틀 3"/>
+          <p:cNvSpPr>
+            <a:spLocks noGrp="1"/>
+          </p:cNvSpPr>
+          <p:nvPr>
+            <p:ph type="sldNum" sz="quarter" idx="12"/>
+          </p:nvPr>
+        </p:nvSpPr>
+        <p:spPr/>
+        <p:txBody>
+          <a:bodyPr/>
+          <a:lstStyle/>
+          <a:p>
+            <a:fld id="{A304987C-29F7-432B-B883-ED8D01B47793}" type="slidenum">
+              <a:rPr lang="ko-KR" altLang="en-US" smtClean="0">
+                <a:solidFill>
+                  <a:prstClr val="black">
+                    <a:tint val="75000"/>
+                  </a:prstClr>
+                </a:solidFill>
+              </a:rPr>
+              <a:pPr/>
+              <a:t>4</a:t>
+            </a:fld>
+            <a:endParaRPr lang="ko-KR" altLang="en-US">
+              <a:solidFill>
+                <a:prstClr val="black">
+                  <a:tint val="75000"/>
+                </a:prstClr>
+              </a:solidFill>
+            </a:endParaRPr>
           </a:p>
         </p:txBody>
       </p:sp>
@@ -8050,7 +8678,7 @@
         </p:blipFill>
         <p:spPr>
           <a:xfrm>
-            <a:off x="641813" y="1067917"/>
+            <a:off x="1175035" y="1067917"/>
             <a:ext cx="4375781" cy="5024045"/>
           </a:xfrm>
           <a:prstGeom prst="rect">
@@ -8074,7 +8702,7 @@
         </p:blipFill>
         <p:spPr>
           <a:xfrm>
-            <a:off x="5351241" y="1067917"/>
+            <a:off x="5884463" y="1067917"/>
             <a:ext cx="5239481" cy="1486107"/>
           </a:xfrm>
           <a:prstGeom prst="rect">
@@ -8082,6 +8710,146 @@
           </a:prstGeom>
         </p:spPr>
       </p:pic>
+      <p:sp>
+        <p:nvSpPr>
+          <p:cNvPr id="2" name="슬라이드 번호 개체 틀 1"/>
+          <p:cNvSpPr>
+            <a:spLocks noGrp="1"/>
+          </p:cNvSpPr>
+          <p:nvPr>
+            <p:ph type="sldNum" sz="quarter" idx="12"/>
+          </p:nvPr>
+        </p:nvSpPr>
+        <p:spPr/>
+        <p:txBody>
+          <a:bodyPr/>
+          <a:lstStyle/>
+          <a:p>
+            <a:fld id="{A304987C-29F7-432B-B883-ED8D01B47793}" type="slidenum">
+              <a:rPr lang="ko-KR" altLang="en-US" smtClean="0">
+                <a:solidFill>
+                  <a:prstClr val="black">
+                    <a:tint val="75000"/>
+                  </a:prstClr>
+                </a:solidFill>
+              </a:rPr>
+              <a:pPr/>
+              <a:t>5</a:t>
+            </a:fld>
+            <a:endParaRPr lang="ko-KR" altLang="en-US">
+              <a:solidFill>
+                <a:prstClr val="black">
+                  <a:tint val="75000"/>
+                </a:prstClr>
+              </a:solidFill>
+            </a:endParaRPr>
+          </a:p>
+        </p:txBody>
+      </p:sp>
+      <p:sp>
+        <p:nvSpPr>
+          <p:cNvPr id="9" name="TextBox 8">
+            <a:extLst>
+              <a:ext uri="{FF2B5EF4-FFF2-40B4-BE49-F238E27FC236}">
+                <a16:creationId xmlns:a16="http://schemas.microsoft.com/office/drawing/2014/main" id="{6B375C2C-BD36-4D41-A906-58F9E4EE2F0D}"/>
+              </a:ext>
+            </a:extLst>
+          </p:cNvPr>
+          <p:cNvSpPr txBox="1"/>
+          <p:nvPr/>
+        </p:nvSpPr>
+        <p:spPr>
+          <a:xfrm>
+            <a:off x="6734327" y="6156295"/>
+            <a:ext cx="3539752" cy="400110"/>
+          </a:xfrm>
+          <a:prstGeom prst="rect">
+            <a:avLst/>
+          </a:prstGeom>
+          <a:noFill/>
+        </p:spPr>
+        <p:txBody>
+          <a:bodyPr wrap="none" rtlCol="0">
+            <a:spAutoFit/>
+          </a:bodyPr>
+          <a:lstStyle/>
+          <a:p>
+            <a:r>
+              <a:rPr lang="en-US" altLang="ko-KR" sz="2000" kern="0" dirty="0" err="1" smtClean="0">
+                <a:solidFill>
+                  <a:prstClr val="white"/>
+                </a:solidFill>
+              </a:rPr>
+              <a:t>Func</a:t>
+            </a:r>
+            <a:r>
+              <a:rPr lang="en-US" altLang="ko-KR" sz="2000" kern="0" dirty="0" smtClean="0">
+                <a:solidFill>
+                  <a:prstClr val="white"/>
+                </a:solidFill>
+              </a:rPr>
+              <a:t> which makes TX’s Hash</a:t>
+            </a:r>
+            <a:endParaRPr lang="ko-KR" altLang="en-US" sz="2000" dirty="0">
+              <a:solidFill>
+                <a:prstClr val="white"/>
+              </a:solidFill>
+            </a:endParaRPr>
+          </a:p>
+        </p:txBody>
+      </p:sp>
+      <p:sp>
+        <p:nvSpPr>
+          <p:cNvPr id="10" name="TextBox 9">
+            <a:extLst>
+              <a:ext uri="{FF2B5EF4-FFF2-40B4-BE49-F238E27FC236}">
+                <a16:creationId xmlns:a16="http://schemas.microsoft.com/office/drawing/2014/main" id="{6B375C2C-BD36-4D41-A906-58F9E4EE2F0D}"/>
+              </a:ext>
+            </a:extLst>
+          </p:cNvPr>
+          <p:cNvSpPr txBox="1"/>
+          <p:nvPr/>
+        </p:nvSpPr>
+        <p:spPr>
+          <a:xfrm>
+            <a:off x="1092111" y="6156295"/>
+            <a:ext cx="4541628" cy="400110"/>
+          </a:xfrm>
+          <a:prstGeom prst="rect">
+            <a:avLst/>
+          </a:prstGeom>
+          <a:noFill/>
+        </p:spPr>
+        <p:txBody>
+          <a:bodyPr wrap="none" rtlCol="0">
+            <a:spAutoFit/>
+          </a:bodyPr>
+          <a:lstStyle/>
+          <a:p>
+            <a:r>
+              <a:rPr lang="en-US" altLang="ko-KR" sz="2000" kern="0" dirty="0" smtClean="0">
+                <a:solidFill>
+                  <a:prstClr val="white"/>
+                </a:solidFill>
+              </a:rPr>
+              <a:t>Environment-Independent Hash </a:t>
+            </a:r>
+            <a:r>
+              <a:rPr lang="en-US" altLang="ko-KR" sz="2000" kern="0" dirty="0" err="1" smtClean="0">
+                <a:solidFill>
+                  <a:prstClr val="white"/>
+                </a:solidFill>
+              </a:rPr>
+              <a:t>func</a:t>
+            </a:r>
+            <a:endParaRPr lang="ko-KR" altLang="en-US" sz="2000" dirty="0">
+              <a:solidFill>
+                <a:prstClr val="white"/>
+              </a:solidFill>
+            </a:endParaRPr>
+          </a:p>
+        </p:txBody>
+      </p:sp>
     </p:spTree>
     <p:extLst>
       <p:ext uri="{BB962C8B-B14F-4D97-AF65-F5344CB8AC3E}">
@@ -8104,6 +8872,13 @@
       </p:transition>
     </mc:Fallback>
   </mc:AlternateContent>
+  <p:timing>
+    <p:tnLst>
+      <p:par>
+        <p:cTn id="1" dur="indefinite" restart="never" nodeType="tmRoot"/>
+      </p:par>
+    </p:tnLst>
+  </p:timing>
 </p:sld>
 </file>
 
@@ -8303,6 +9078,146 @@
           </a:prstGeom>
         </p:spPr>
       </p:pic>
+      <p:sp>
+        <p:nvSpPr>
+          <p:cNvPr id="2" name="슬라이드 번호 개체 틀 1"/>
+          <p:cNvSpPr>
+            <a:spLocks noGrp="1"/>
+          </p:cNvSpPr>
+          <p:nvPr>
+            <p:ph type="sldNum" sz="quarter" idx="12"/>
+          </p:nvPr>
+        </p:nvSpPr>
+        <p:spPr/>
+        <p:txBody>
+          <a:bodyPr/>
+          <a:lstStyle/>
+          <a:p>
+            <a:fld id="{A304987C-29F7-432B-B883-ED8D01B47793}" type="slidenum">
+              <a:rPr lang="ko-KR" altLang="en-US" smtClean="0">
+                <a:solidFill>
+                  <a:prstClr val="black">
+                    <a:tint val="75000"/>
+                  </a:prstClr>
+                </a:solidFill>
+              </a:rPr>
+              <a:pPr/>
+              <a:t>6</a:t>
+            </a:fld>
+            <a:endParaRPr lang="ko-KR" altLang="en-US">
+              <a:solidFill>
+                <a:prstClr val="black">
+                  <a:tint val="75000"/>
+                </a:prstClr>
+              </a:solidFill>
+            </a:endParaRPr>
+          </a:p>
+        </p:txBody>
+      </p:sp>
+      <p:sp>
+        <p:nvSpPr>
+          <p:cNvPr id="9" name="TextBox 8">
+            <a:extLst>
+              <a:ext uri="{FF2B5EF4-FFF2-40B4-BE49-F238E27FC236}">
+                <a16:creationId xmlns:a16="http://schemas.microsoft.com/office/drawing/2014/main" id="{6B375C2C-BD36-4D41-A906-58F9E4EE2F0D}"/>
+              </a:ext>
+            </a:extLst>
+          </p:cNvPr>
+          <p:cNvSpPr txBox="1"/>
+          <p:nvPr/>
+        </p:nvSpPr>
+        <p:spPr>
+          <a:xfrm>
+            <a:off x="1480423" y="6138802"/>
+            <a:ext cx="2299027" cy="400110"/>
+          </a:xfrm>
+          <a:prstGeom prst="rect">
+            <a:avLst/>
+          </a:prstGeom>
+          <a:noFill/>
+        </p:spPr>
+        <p:txBody>
+          <a:bodyPr wrap="none" rtlCol="0">
+            <a:spAutoFit/>
+          </a:bodyPr>
+          <a:lstStyle/>
+          <a:p>
+            <a:r>
+              <a:rPr lang="en-US" altLang="ko-KR" sz="2000" kern="0" dirty="0" smtClean="0">
+                <a:solidFill>
+                  <a:prstClr val="white"/>
+                </a:solidFill>
+              </a:rPr>
+              <a:t>Make </a:t>
+            </a:r>
+            <a:r>
+              <a:rPr lang="en-US" altLang="ko-KR" sz="2000" kern="0" dirty="0" err="1" smtClean="0">
+                <a:solidFill>
+                  <a:prstClr val="white"/>
+                </a:solidFill>
+              </a:rPr>
+              <a:t>Merkle</a:t>
+            </a:r>
+            <a:r>
+              <a:rPr lang="en-US" altLang="ko-KR" sz="2000" kern="0" dirty="0" smtClean="0">
+                <a:solidFill>
+                  <a:prstClr val="white"/>
+                </a:solidFill>
+              </a:rPr>
+              <a:t> Tree</a:t>
+            </a:r>
+            <a:endParaRPr lang="ko-KR" altLang="en-US" sz="2000" dirty="0">
+              <a:solidFill>
+                <a:prstClr val="white"/>
+              </a:solidFill>
+            </a:endParaRPr>
+          </a:p>
+        </p:txBody>
+      </p:sp>
+      <p:sp>
+        <p:nvSpPr>
+          <p:cNvPr id="10" name="TextBox 9">
+            <a:extLst>
+              <a:ext uri="{FF2B5EF4-FFF2-40B4-BE49-F238E27FC236}">
+                <a16:creationId xmlns:a16="http://schemas.microsoft.com/office/drawing/2014/main" id="{6B375C2C-BD36-4D41-A906-58F9E4EE2F0D}"/>
+              </a:ext>
+            </a:extLst>
+          </p:cNvPr>
+          <p:cNvSpPr txBox="1"/>
+          <p:nvPr/>
+        </p:nvSpPr>
+        <p:spPr>
+          <a:xfrm>
+            <a:off x="6475941" y="6138802"/>
+            <a:ext cx="4905510" cy="400110"/>
+          </a:xfrm>
+          <a:prstGeom prst="rect">
+            <a:avLst/>
+          </a:prstGeom>
+          <a:noFill/>
+        </p:spPr>
+        <p:txBody>
+          <a:bodyPr wrap="none" rtlCol="0">
+            <a:spAutoFit/>
+          </a:bodyPr>
+          <a:lstStyle/>
+          <a:p>
+            <a:r>
+              <a:rPr lang="en-US" altLang="ko-KR" sz="2000" kern="0" dirty="0" smtClean="0">
+                <a:solidFill>
+                  <a:prstClr val="white"/>
+                </a:solidFill>
+              </a:rPr>
+              <a:t>Re-Hashing Entire Block when TX added</a:t>
+            </a:r>
+            <a:endParaRPr lang="ko-KR" altLang="en-US" sz="2000" dirty="0">
+              <a:solidFill>
+                <a:prstClr val="white"/>
+              </a:solidFill>
+            </a:endParaRPr>
+          </a:p>
+        </p:txBody>
+      </p:sp>
     </p:spTree>
     <p:extLst>
       <p:ext uri="{BB962C8B-B14F-4D97-AF65-F5344CB8AC3E}">
@@ -8325,6 +9240,13 @@
       </p:transition>
     </mc:Fallback>
   </mc:AlternateContent>
+  <p:timing>
+    <p:tnLst>
+      <p:par>
+        <p:cTn id="1" dur="indefinite" restart="never" nodeType="tmRoot"/>
+      </p:par>
+    </p:tnLst>
+  </p:timing>
 </p:sld>
 </file>
 
@@ -8484,7 +9406,7 @@
         </p:blipFill>
         <p:spPr>
           <a:xfrm>
-            <a:off x="4317952" y="2718401"/>
+            <a:off x="1143929" y="2896795"/>
             <a:ext cx="3562847" cy="1305107"/>
           </a:xfrm>
           <a:prstGeom prst="rect">
@@ -8492,6 +9414,198 @@
           </a:prstGeom>
         </p:spPr>
       </p:pic>
+      <p:sp>
+        <p:nvSpPr>
+          <p:cNvPr id="2" name="슬라이드 번호 개체 틀 1"/>
+          <p:cNvSpPr>
+            <a:spLocks noGrp="1"/>
+          </p:cNvSpPr>
+          <p:nvPr>
+            <p:ph type="sldNum" sz="quarter" idx="12"/>
+          </p:nvPr>
+        </p:nvSpPr>
+        <p:spPr/>
+        <p:txBody>
+          <a:bodyPr/>
+          <a:lstStyle/>
+          <a:p>
+            <a:fld id="{A304987C-29F7-432B-B883-ED8D01B47793}" type="slidenum">
+              <a:rPr lang="ko-KR" altLang="en-US" smtClean="0">
+                <a:solidFill>
+                  <a:prstClr val="black">
+                    <a:tint val="75000"/>
+                  </a:prstClr>
+                </a:solidFill>
+              </a:rPr>
+              <a:pPr/>
+              <a:t>7</a:t>
+            </a:fld>
+            <a:endParaRPr lang="ko-KR" altLang="en-US">
+              <a:solidFill>
+                <a:prstClr val="black">
+                  <a:tint val="75000"/>
+                </a:prstClr>
+              </a:solidFill>
+            </a:endParaRPr>
+          </a:p>
+        </p:txBody>
+      </p:sp>
+      <p:sp>
+        <p:nvSpPr>
+          <p:cNvPr id="8" name="TextBox 7">
+            <a:extLst>
+              <a:ext uri="{FF2B5EF4-FFF2-40B4-BE49-F238E27FC236}">
+                <a16:creationId xmlns:a16="http://schemas.microsoft.com/office/drawing/2014/main" id="{9120B45C-F48C-406B-875B-E808702D2ECF}"/>
+              </a:ext>
+            </a:extLst>
+          </p:cNvPr>
+          <p:cNvSpPr txBox="1"/>
+          <p:nvPr/>
+        </p:nvSpPr>
+        <p:spPr>
+          <a:xfrm>
+            <a:off x="5590082" y="2364408"/>
+            <a:ext cx="6041036" cy="2369880"/>
+          </a:xfrm>
+          <a:prstGeom prst="rect">
+            <a:avLst/>
+          </a:prstGeom>
+          <a:noFill/>
+        </p:spPr>
+        <p:txBody>
+          <a:bodyPr wrap="square" rtlCol="0">
+            <a:spAutoFit/>
+          </a:bodyPr>
+          <a:lstStyle/>
+          <a:p>
+            <a:pPr marL="285750" indent="-285750">
+              <a:buFont typeface="Arial" panose="020B0604020202020204" pitchFamily="34" charset="0"/>
+              <a:buChar char="•"/>
+            </a:pPr>
+            <a:r>
+              <a:rPr lang="en-US" altLang="ko-KR" sz="2000" dirty="0" err="1" smtClean="0">
+                <a:solidFill>
+                  <a:schemeClr val="bg1"/>
+                </a:solidFill>
+              </a:rPr>
+              <a:t>BlockChain</a:t>
+            </a:r>
+            <a:endParaRPr lang="en-US" altLang="ko-KR" sz="1600" dirty="0">
+              <a:solidFill>
+                <a:schemeClr val="bg1"/>
+              </a:solidFill>
+            </a:endParaRPr>
+          </a:p>
+          <a:p>
+            <a:r>
+              <a:rPr lang="en-US" altLang="ko-KR" sz="1600" dirty="0" smtClean="0">
+                <a:solidFill>
+                  <a:schemeClr val="bg1"/>
+                </a:solidFill>
+              </a:rPr>
+              <a:t>For Initializing Mining, Distributing, Applying Block, </a:t>
+            </a:r>
+            <a:r>
+              <a:rPr lang="en-US" altLang="ko-KR" sz="1600" dirty="0" err="1" smtClean="0">
+                <a:solidFill>
+                  <a:schemeClr val="bg1"/>
+                </a:solidFill>
+              </a:rPr>
+              <a:t>etc</a:t>
+            </a:r>
+            <a:endParaRPr lang="en-US" altLang="ko-KR" sz="1600" dirty="0" smtClean="0">
+              <a:solidFill>
+                <a:schemeClr val="bg1"/>
+              </a:solidFill>
+            </a:endParaRPr>
+          </a:p>
+          <a:p>
+            <a:pPr marL="285750" indent="-285750">
+              <a:buFont typeface="Arial" panose="020B0604020202020204" pitchFamily="34" charset="0"/>
+              <a:buChar char="•"/>
+            </a:pPr>
+            <a:endParaRPr lang="en-US" altLang="ko-KR" sz="2000" dirty="0">
+              <a:solidFill>
+                <a:schemeClr val="bg1"/>
+              </a:solidFill>
+            </a:endParaRPr>
+          </a:p>
+          <a:p>
+            <a:pPr marL="285750" indent="-285750">
+              <a:buFont typeface="Arial" panose="020B0604020202020204" pitchFamily="34" charset="0"/>
+              <a:buChar char="•"/>
+            </a:pPr>
+            <a:r>
+              <a:rPr lang="en-US" altLang="ko-KR" sz="2000" dirty="0" err="1" smtClean="0">
+                <a:solidFill>
+                  <a:schemeClr val="bg1"/>
+                </a:solidFill>
+              </a:rPr>
+              <a:t>UserControl</a:t>
+            </a:r>
+            <a:endParaRPr lang="en-US" altLang="ko-KR" sz="2000" dirty="0">
+              <a:solidFill>
+                <a:schemeClr val="bg1"/>
+              </a:solidFill>
+            </a:endParaRPr>
+          </a:p>
+          <a:p>
+            <a:r>
+              <a:rPr lang="en-US" altLang="ko-KR" sz="1600" dirty="0" smtClean="0">
+                <a:solidFill>
+                  <a:schemeClr val="bg1"/>
+                </a:solidFill>
+              </a:rPr>
+              <a:t>For Scanning User Input (It may become a value reader)</a:t>
+            </a:r>
+            <a:endParaRPr lang="en-US" altLang="ko-KR" sz="1600" dirty="0">
+              <a:solidFill>
+                <a:schemeClr val="bg1"/>
+              </a:solidFill>
+            </a:endParaRPr>
+          </a:p>
+          <a:p>
+            <a:pPr marL="285750" indent="-285750">
+              <a:buFont typeface="Arial" panose="020B0604020202020204" pitchFamily="34" charset="0"/>
+              <a:buChar char="•"/>
+            </a:pPr>
+            <a:endParaRPr lang="en-US" altLang="ko-KR" sz="2000" dirty="0">
+              <a:solidFill>
+                <a:schemeClr val="bg1"/>
+              </a:solidFill>
+            </a:endParaRPr>
+          </a:p>
+          <a:p>
+            <a:pPr marL="285750" indent="-285750">
+              <a:buFont typeface="Arial" panose="020B0604020202020204" pitchFamily="34" charset="0"/>
+              <a:buChar char="•"/>
+            </a:pPr>
+            <a:r>
+              <a:rPr lang="en-US" altLang="ko-KR" sz="2000" dirty="0" smtClean="0">
+                <a:solidFill>
+                  <a:schemeClr val="bg1"/>
+                </a:solidFill>
+              </a:rPr>
+              <a:t>Listen</a:t>
+            </a:r>
+            <a:endParaRPr lang="en-US" altLang="ko-KR" sz="2000" dirty="0">
+              <a:solidFill>
+                <a:schemeClr val="bg1"/>
+              </a:solidFill>
+            </a:endParaRPr>
+          </a:p>
+          <a:p>
+            <a:r>
+              <a:rPr lang="en-US" altLang="ko-KR" sz="1600" dirty="0" smtClean="0">
+                <a:solidFill>
+                  <a:schemeClr val="bg1"/>
+                </a:solidFill>
+              </a:rPr>
+              <a:t>For receiving the Other Node’s Request and Answer it</a:t>
+            </a:r>
+          </a:p>
+        </p:txBody>
+      </p:sp>
     </p:spTree>
     <p:extLst>
       <p:ext uri="{BB962C8B-B14F-4D97-AF65-F5344CB8AC3E}">
@@ -8514,6 +9628,13 @@
       </p:transition>
     </mc:Fallback>
   </mc:AlternateContent>
+  <p:timing>
+    <p:tnLst>
+      <p:par>
+        <p:cTn id="1" dur="indefinite" restart="never" nodeType="tmRoot"/>
+      </p:par>
+    </p:tnLst>
+  </p:timing>
 </p:sld>
 </file>
 
@@ -8705,6 +9826,102 @@
           </a:prstGeom>
         </p:spPr>
       </p:pic>
+      <p:sp>
+        <p:nvSpPr>
+          <p:cNvPr id="2" name="슬라이드 번호 개체 틀 1"/>
+          <p:cNvSpPr>
+            <a:spLocks noGrp="1"/>
+          </p:cNvSpPr>
+          <p:nvPr>
+            <p:ph type="sldNum" sz="quarter" idx="12"/>
+          </p:nvPr>
+        </p:nvSpPr>
+        <p:spPr/>
+        <p:txBody>
+          <a:bodyPr/>
+          <a:lstStyle/>
+          <a:p>
+            <a:fld id="{A304987C-29F7-432B-B883-ED8D01B47793}" type="slidenum">
+              <a:rPr lang="ko-KR" altLang="en-US" smtClean="0">
+                <a:solidFill>
+                  <a:prstClr val="black">
+                    <a:tint val="75000"/>
+                  </a:prstClr>
+                </a:solidFill>
+              </a:rPr>
+              <a:pPr/>
+              <a:t>8</a:t>
+            </a:fld>
+            <a:endParaRPr lang="ko-KR" altLang="en-US">
+              <a:solidFill>
+                <a:prstClr val="black">
+                  <a:tint val="75000"/>
+                </a:prstClr>
+              </a:solidFill>
+            </a:endParaRPr>
+          </a:p>
+        </p:txBody>
+      </p:sp>
+      <p:sp>
+        <p:nvSpPr>
+          <p:cNvPr id="7" name="TextBox 6">
+            <a:extLst>
+              <a:ext uri="{FF2B5EF4-FFF2-40B4-BE49-F238E27FC236}">
+                <a16:creationId xmlns:a16="http://schemas.microsoft.com/office/drawing/2014/main" id="{6B375C2C-BD36-4D41-A906-58F9E4EE2F0D}"/>
+              </a:ext>
+            </a:extLst>
+          </p:cNvPr>
+          <p:cNvSpPr txBox="1"/>
+          <p:nvPr/>
+        </p:nvSpPr>
+        <p:spPr>
+          <a:xfrm>
+            <a:off x="1089017" y="6080247"/>
+            <a:ext cx="4031873" cy="400110"/>
+          </a:xfrm>
+          <a:prstGeom prst="rect">
+            <a:avLst/>
+          </a:prstGeom>
+          <a:noFill/>
+        </p:spPr>
+        <p:txBody>
+          <a:bodyPr wrap="none" rtlCol="0">
+            <a:spAutoFit/>
+          </a:bodyPr>
+          <a:lstStyle/>
+          <a:p>
+            <a:r>
+              <a:rPr lang="en-US" altLang="ko-KR" sz="2000" kern="0" dirty="0" smtClean="0">
+                <a:solidFill>
+                  <a:prstClr val="white"/>
+                </a:solidFill>
+              </a:rPr>
+              <a:t>Request </a:t>
+            </a:r>
+            <a:r>
+              <a:rPr lang="en-US" altLang="ko-KR" sz="2000" kern="0" dirty="0" err="1" smtClean="0">
+                <a:solidFill>
+                  <a:prstClr val="white"/>
+                </a:solidFill>
+              </a:rPr>
+              <a:t>BlockChain</a:t>
+            </a:r>
+            <a:r>
+              <a:rPr lang="en-US" altLang="ko-KR" sz="2000" kern="0" dirty="0" smtClean="0">
+                <a:solidFill>
+                  <a:prstClr val="white"/>
+                </a:solidFill>
+              </a:rPr>
+              <a:t> and Validate</a:t>
+            </a:r>
+            <a:endParaRPr lang="ko-KR" altLang="en-US" sz="2000" dirty="0">
+              <a:solidFill>
+                <a:prstClr val="white"/>
+              </a:solidFill>
+            </a:endParaRPr>
+          </a:p>
+        </p:txBody>
+      </p:sp>
     </p:spTree>
     <p:extLst>
       <p:ext uri="{BB962C8B-B14F-4D97-AF65-F5344CB8AC3E}">
@@ -8727,6 +9944,13 @@
       </p:transition>
     </mc:Fallback>
   </mc:AlternateContent>
+  <p:timing>
+    <p:tnLst>
+      <p:par>
+        <p:cTn id="1" dur="indefinite" restart="never" nodeType="tmRoot"/>
+      </p:par>
+    </p:tnLst>
+  </p:timing>
 </p:sld>
 </file>
 
@@ -8931,6 +10155,42 @@
           </a:prstGeom>
         </p:spPr>
       </p:pic>
+      <p:sp>
+        <p:nvSpPr>
+          <p:cNvPr id="2" name="슬라이드 번호 개체 틀 1"/>
+          <p:cNvSpPr>
+            <a:spLocks noGrp="1"/>
+          </p:cNvSpPr>
+          <p:nvPr>
+            <p:ph type="sldNum" sz="quarter" idx="12"/>
+          </p:nvPr>
+        </p:nvSpPr>
+        <p:spPr/>
+        <p:txBody>
+          <a:bodyPr/>
+          <a:lstStyle/>
+          <a:p>
+            <a:fld id="{A304987C-29F7-432B-B883-ED8D01B47793}" type="slidenum">
+              <a:rPr lang="ko-KR" altLang="en-US" smtClean="0">
+                <a:solidFill>
+                  <a:prstClr val="black">
+                    <a:tint val="75000"/>
+                  </a:prstClr>
+                </a:solidFill>
+              </a:rPr>
+              <a:pPr/>
+              <a:t>9</a:t>
+            </a:fld>
+            <a:endParaRPr lang="ko-KR" altLang="en-US">
+              <a:solidFill>
+                <a:prstClr val="black">
+                  <a:tint val="75000"/>
+                </a:prstClr>
+              </a:solidFill>
+            </a:endParaRPr>
+          </a:p>
+        </p:txBody>
+      </p:sp>
     </p:spTree>
     <p:extLst>
       <p:ext uri="{BB962C8B-B14F-4D97-AF65-F5344CB8AC3E}">
@@ -8953,6 +10213,13 @@
       </p:transition>
     </mc:Fallback>
   </mc:AlternateContent>
+  <p:timing>
+    <p:tnLst>
+      <p:par>
+        <p:cTn id="1" dur="indefinite" restart="never" nodeType="tmRoot"/>
+      </p:par>
+    </p:tnLst>
+  </p:timing>
 </p:sld>
 </file>
 
@@ -9249,4 +10516,265 @@
     </a:ext>
   </a:extLst>
 </a:theme>
+</file>
+
+<file path=ppt/theme/theme2.xml><?xml version="1.0" encoding="utf-8"?>
+<a:theme xmlns:a="http://schemas.openxmlformats.org/drawingml/2006/main" name="Office 테마">
+  <a:themeElements>
+    <a:clrScheme name="Office">
+      <a:dk1>
+        <a:sysClr val="windowText" lastClr="000000"/>
+      </a:dk1>
+      <a:lt1>
+        <a:sysClr val="window" lastClr="FFFFFF"/>
+      </a:lt1>
+      <a:dk2>
+        <a:srgbClr val="44546A"/>
+      </a:dk2>
+      <a:lt2>
+        <a:srgbClr val="E7E6E6"/>
+      </a:lt2>
+      <a:accent1>
+        <a:srgbClr val="5B9BD5"/>
+      </a:accent1>
+      <a:accent2>
+        <a:srgbClr val="ED7D31"/>
+      </a:accent2>
+      <a:accent3>
+        <a:srgbClr val="A5A5A5"/>
+      </a:accent3>
+      <a:accent4>
+        <a:srgbClr val="FFC000"/>
+      </a:accent4>
+      <a:accent5>
+        <a:srgbClr val="4472C4"/>
+      </a:accent5>
+      <a:accent6>
+        <a:srgbClr val="70AD47"/>
+      </a:accent6>
+      <a:hlink>
+        <a:srgbClr val="0563C1"/>
+      </a:hlink>
+      <a:folHlink>
+        <a:srgbClr val="954F72"/>
+      </a:folHlink>
+    </a:clrScheme>
+    <a:fontScheme name="Office">
+      <a:majorFont>
+        <a:latin typeface="맑은 고딕" panose="020F0302020204030204"/>
+        <a:ea typeface=""/>
+        <a:cs typeface=""/>
+        <a:font script="Jpan" typeface="游ゴシック Light"/>
+        <a:font script="Hang" typeface="맑은 고딕"/>
+        <a:font script="Hans" typeface="等线 Light"/>
+        <a:font script="Hant" typeface="新細明體"/>
+        <a:font script="Arab" typeface="Times New Roman"/>
+        <a:font script="Hebr" typeface="Times New Roman"/>
+        <a:font script="Thai" typeface="Angsana New"/>
+        <a:font script="Ethi" typeface="Nyala"/>
+        <a:font script="Beng" typeface="Vrinda"/>
+        <a:font script="Gujr" typeface="Shruti"/>
+        <a:font script="Khmr" typeface="MoolBoran"/>
+        <a:font script="Knda" typeface="Tunga"/>
+        <a:font script="Guru" typeface="Raavi"/>
+        <a:font script="Cans" typeface="Euphemia"/>
+        <a:font script="Cher" typeface="Plantagenet Cherokee"/>
+        <a:font script="Yiii" typeface="Microsoft Yi Baiti"/>
+        <a:font script="Tibt" typeface="Microsoft Himalaya"/>
+        <a:font script="Thaa" typeface="MV Boli"/>
+        <a:font script="Deva" typeface="Mangal"/>
+        <a:font script="Telu" typeface="Gautami"/>
+        <a:font script="Taml" typeface="Latha"/>
+        <a:font script="Syrc" typeface="Estrangelo Edessa"/>
+        <a:font script="Orya" typeface="Kalinga"/>
+        <a:font script="Mlym" typeface="Kartika"/>
+        <a:font script="Laoo" typeface="DokChampa"/>
+        <a:font script="Sinh" typeface="Iskoola Pota"/>
+        <a:font script="Mong" typeface="Mongolian Baiti"/>
+        <a:font script="Viet" typeface="Times New Roman"/>
+        <a:font script="Uigh" typeface="Microsoft Uighur"/>
+        <a:font script="Geor" typeface="Sylfaen"/>
+      </a:majorFont>
+      <a:minorFont>
+        <a:latin typeface="맑은 고딕" panose="020F0502020204030204"/>
+        <a:ea typeface=""/>
+        <a:cs typeface=""/>
+        <a:font script="Jpan" typeface="游ゴシック"/>
+        <a:font script="Hang" typeface="맑은 고딕"/>
+        <a:font script="Hans" typeface="等线"/>
+        <a:font script="Hant" typeface="新細明體"/>
+        <a:font script="Arab" typeface="Arial"/>
+        <a:font script="Hebr" typeface="Arial"/>
+        <a:font script="Thai" typeface="Cordia New"/>
+        <a:font script="Ethi" typeface="Nyala"/>
+        <a:font script="Beng" typeface="Vrinda"/>
+        <a:font script="Gujr" typeface="Shruti"/>
+        <a:font script="Khmr" typeface="DaunPenh"/>
+        <a:font script="Knda" typeface="Tunga"/>
+        <a:font script="Guru" typeface="Raavi"/>
+        <a:font script="Cans" typeface="Euphemia"/>
+        <a:font script="Cher" typeface="Plantagenet Cherokee"/>
+        <a:font script="Yiii" typeface="Microsoft Yi Baiti"/>
+        <a:font script="Tibt" typeface="Microsoft Himalaya"/>
+        <a:font script="Thaa" typeface="MV Boli"/>
+        <a:font script="Deva" typeface="Mangal"/>
+        <a:font script="Telu" typeface="Gautami"/>
+        <a:font script="Taml" typeface="Latha"/>
+        <a:font script="Syrc" typeface="Estrangelo Edessa"/>
+        <a:font script="Orya" typeface="Kalinga"/>
+        <a:font script="Mlym" typeface="Kartika"/>
+        <a:font script="Laoo" typeface="DokChampa"/>
+        <a:font script="Sinh" typeface="Iskoola Pota"/>
+        <a:font script="Mong" typeface="Mongolian Baiti"/>
+        <a:font script="Viet" typeface="Arial"/>
+        <a:font script="Uigh" typeface="Microsoft Uighur"/>
+        <a:font script="Geor" typeface="Sylfaen"/>
+      </a:minorFont>
+    </a:fontScheme>
+    <a:fmtScheme name="Office">
+      <a:fillStyleLst>
+        <a:solidFill>
+          <a:schemeClr val="phClr"/>
+        </a:solidFill>
+        <a:gradFill rotWithShape="1">
+          <a:gsLst>
+            <a:gs pos="0">
+              <a:schemeClr val="phClr">
+                <a:lumMod val="110000"/>
+                <a:satMod val="105000"/>
+                <a:tint val="67000"/>
+              </a:schemeClr>
+            </a:gs>
+            <a:gs pos="50000">
+              <a:schemeClr val="phClr">
+                <a:lumMod val="105000"/>
+                <a:satMod val="103000"/>
+                <a:tint val="73000"/>
+              </a:schemeClr>
+            </a:gs>
+            <a:gs pos="100000">
+              <a:schemeClr val="phClr">
+                <a:lumMod val="105000"/>
+                <a:satMod val="109000"/>
+                <a:tint val="81000"/>
+              </a:schemeClr>
+            </a:gs>
+          </a:gsLst>
+          <a:lin ang="5400000" scaled="0"/>
+        </a:gradFill>
+        <a:gradFill rotWithShape="1">
+          <a:gsLst>
+            <a:gs pos="0">
+              <a:schemeClr val="phClr">
+                <a:satMod val="103000"/>
+                <a:lumMod val="102000"/>
+                <a:tint val="94000"/>
+              </a:schemeClr>
+            </a:gs>
+            <a:gs pos="50000">
+              <a:schemeClr val="phClr">
+                <a:satMod val="110000"/>
+                <a:lumMod val="100000"/>
+                <a:shade val="100000"/>
+              </a:schemeClr>
+            </a:gs>
+            <a:gs pos="100000">
+              <a:schemeClr val="phClr">
+                <a:lumMod val="99000"/>
+                <a:satMod val="120000"/>
+                <a:shade val="78000"/>
+              </a:schemeClr>
+            </a:gs>
+          </a:gsLst>
+          <a:lin ang="5400000" scaled="0"/>
+        </a:gradFill>
+      </a:fillStyleLst>
+      <a:lnStyleLst>
+        <a:ln w="6350" cap="flat" cmpd="sng" algn="ctr">
+          <a:solidFill>
+            <a:schemeClr val="phClr"/>
+          </a:solidFill>
+          <a:prstDash val="solid"/>
+          <a:miter lim="800000"/>
+        </a:ln>
+        <a:ln w="12700" cap="flat" cmpd="sng" algn="ctr">
+          <a:solidFill>
+            <a:schemeClr val="phClr"/>
+          </a:solidFill>
+          <a:prstDash val="solid"/>
+          <a:miter lim="800000"/>
+        </a:ln>
+        <a:ln w="19050" cap="flat" cmpd="sng" algn="ctr">
+          <a:solidFill>
+            <a:schemeClr val="phClr"/>
+          </a:solidFill>
+          <a:prstDash val="solid"/>
+          <a:miter lim="800000"/>
+        </a:ln>
+      </a:lnStyleLst>
+      <a:effectStyleLst>
+        <a:effectStyle>
+          <a:effectLst/>
+        </a:effectStyle>
+        <a:effectStyle>
+          <a:effectLst/>
+        </a:effectStyle>
+        <a:effectStyle>
+          <a:effectLst>
+            <a:outerShdw blurRad="57150" dist="19050" dir="5400000" algn="ctr" rotWithShape="0">
+              <a:srgbClr val="000000">
+                <a:alpha val="63000"/>
+              </a:srgbClr>
+            </a:outerShdw>
+          </a:effectLst>
+        </a:effectStyle>
+      </a:effectStyleLst>
+      <a:bgFillStyleLst>
+        <a:solidFill>
+          <a:schemeClr val="phClr"/>
+        </a:solidFill>
+        <a:solidFill>
+          <a:schemeClr val="phClr">
+            <a:tint val="95000"/>
+            <a:satMod val="170000"/>
+          </a:schemeClr>
+        </a:solidFill>
+        <a:gradFill rotWithShape="1">
+          <a:gsLst>
+            <a:gs pos="0">
+              <a:schemeClr val="phClr">
+                <a:tint val="93000"/>
+                <a:satMod val="150000"/>
+                <a:shade val="98000"/>
+                <a:lumMod val="102000"/>
+              </a:schemeClr>
+            </a:gs>
+            <a:gs pos="50000">
+              <a:schemeClr val="phClr">
+                <a:tint val="98000"/>
+                <a:satMod val="130000"/>
+                <a:shade val="90000"/>
+                <a:lumMod val="103000"/>
+              </a:schemeClr>
+            </a:gs>
+            <a:gs pos="100000">
+              <a:schemeClr val="phClr">
+                <a:shade val="63000"/>
+                <a:satMod val="120000"/>
+              </a:schemeClr>
+            </a:gs>
+          </a:gsLst>
+          <a:lin ang="5400000" scaled="0"/>
+        </a:gradFill>
+      </a:bgFillStyleLst>
+    </a:fmtScheme>
+  </a:themeElements>
+  <a:objectDefaults/>
+  <a:extraClrSchemeLst/>
+  <a:extLst>
+    <a:ext uri="{05A4C25C-085E-4340-85A3-A5531E510DB2}">
+      <thm15:themeFamily xmlns:thm15="http://schemas.microsoft.com/office/thememl/2012/main" name="Office Theme" id="{62F939B6-93AF-4DB8-9C6B-D6C7DFDC589F}" vid="{4A3C46E8-61CC-4603-A589-7422A47A8E4A}"/>
+    </a:ext>
+  </a:extLst>
+</a:theme>
 </file>